--- a/_posts/2021届IC岗位校招部分笔试题/2021届IC岗位校招部分笔试题.pptx
+++ b/_posts/2021届IC岗位校招部分笔试题/2021届IC岗位校招部分笔试题.pptx
@@ -107,6 +107,11 @@
       </a:defRPr>
     </a:lvl9pPr>
   </p:defaultTextStyle>
+  <p:extLst>
+    <p:ext uri="{EFAFB233-063F-42B5-8137-9DF3F51BA10A}">
+      <p15:sldGuideLst xmlns:p15="http://schemas.microsoft.com/office/powerpoint/2012/main"/>
+    </p:ext>
+  </p:extLst>
 </p:presentation>
 </file>
 
@@ -6297,12 +6302,2492 @@
           <a:chExt cx="0" cy="0"/>
         </a:xfrm>
       </p:grpSpPr>
+      <p:grpSp>
+        <p:nvGrpSpPr>
+          <p:cNvPr id="57" name="组合 56">
+            <a:extLst>
+              <a:ext uri="{FF2B5EF4-FFF2-40B4-BE49-F238E27FC236}">
+                <a16:creationId xmlns:a16="http://schemas.microsoft.com/office/drawing/2014/main" id="{71A4F7C2-5C13-451D-B3B9-6341B229D5BD}"/>
+              </a:ext>
+            </a:extLst>
+          </p:cNvPr>
+          <p:cNvGrpSpPr/>
+          <p:nvPr/>
+        </p:nvGrpSpPr>
+        <p:grpSpPr>
+          <a:xfrm>
+            <a:off x="2884354" y="2486253"/>
+            <a:ext cx="1725746" cy="1033153"/>
+            <a:chOff x="2884354" y="2486253"/>
+            <a:chExt cx="1725746" cy="1033153"/>
+          </a:xfrm>
+        </p:grpSpPr>
+        <p:sp>
+          <p:nvSpPr>
+            <p:cNvPr id="4" name="矩形 3">
+              <a:extLst>
+                <a:ext uri="{FF2B5EF4-FFF2-40B4-BE49-F238E27FC236}">
+                  <a16:creationId xmlns:a16="http://schemas.microsoft.com/office/drawing/2014/main" id="{7A557AF8-A79D-451E-926D-8E3B525746F2}"/>
+                </a:ext>
+              </a:extLst>
+            </p:cNvPr>
+            <p:cNvSpPr/>
+            <p:nvPr/>
+          </p:nvSpPr>
+          <p:spPr>
+            <a:xfrm>
+              <a:off x="3294421" y="2486253"/>
+              <a:ext cx="575953" cy="1033153"/>
+            </a:xfrm>
+            <a:prstGeom prst="rect">
+              <a:avLst/>
+            </a:prstGeom>
+            <a:noFill/>
+          </p:spPr>
+          <p:style>
+            <a:lnRef idx="2">
+              <a:schemeClr val="accent1">
+                <a:shade val="50000"/>
+              </a:schemeClr>
+            </a:lnRef>
+            <a:fillRef idx="1">
+              <a:schemeClr val="accent1"/>
+            </a:fillRef>
+            <a:effectRef idx="0">
+              <a:schemeClr val="accent1"/>
+            </a:effectRef>
+            <a:fontRef idx="minor">
+              <a:schemeClr val="lt1"/>
+            </a:fontRef>
+          </p:style>
+          <p:txBody>
+            <a:bodyPr rtlCol="0" anchor="ctr"/>
+            <a:lstStyle/>
+            <a:p>
+              <a:pPr algn="ctr"/>
+              <a:endParaRPr lang="zh-CN" altLang="en-US" dirty="0">
+                <a:solidFill>
+                  <a:schemeClr val="tx1"/>
+                </a:solidFill>
+              </a:endParaRPr>
+            </a:p>
+          </p:txBody>
+        </p:sp>
+        <p:sp>
+          <p:nvSpPr>
+            <p:cNvPr id="5" name="直角三角形 4">
+              <a:extLst>
+                <a:ext uri="{FF2B5EF4-FFF2-40B4-BE49-F238E27FC236}">
+                  <a16:creationId xmlns:a16="http://schemas.microsoft.com/office/drawing/2014/main" id="{0F6D4836-2BB3-4423-9FFE-4A83F66EA14A}"/>
+                </a:ext>
+              </a:extLst>
+            </p:cNvPr>
+            <p:cNvSpPr/>
+            <p:nvPr/>
+          </p:nvSpPr>
+          <p:spPr>
+            <a:xfrm rot="13320000">
+              <a:off x="3190930" y="2889571"/>
+              <a:ext cx="206982" cy="226517"/>
+            </a:xfrm>
+            <a:prstGeom prst="rtTriangle">
+              <a:avLst/>
+            </a:prstGeom>
+            <a:noFill/>
+          </p:spPr>
+          <p:style>
+            <a:lnRef idx="2">
+              <a:schemeClr val="accent1">
+                <a:shade val="50000"/>
+              </a:schemeClr>
+            </a:lnRef>
+            <a:fillRef idx="1">
+              <a:schemeClr val="accent1"/>
+            </a:fillRef>
+            <a:effectRef idx="0">
+              <a:schemeClr val="accent1"/>
+            </a:effectRef>
+            <a:fontRef idx="minor">
+              <a:schemeClr val="lt1"/>
+            </a:fontRef>
+          </p:style>
+          <p:txBody>
+            <a:bodyPr rtlCol="0" anchor="ctr"/>
+            <a:lstStyle/>
+            <a:p>
+              <a:pPr algn="ctr"/>
+              <a:endParaRPr lang="zh-CN" altLang="en-US"/>
+            </a:p>
+          </p:txBody>
+        </p:sp>
+        <mc:AlternateContent xmlns:mc="http://schemas.openxmlformats.org/markup-compatibility/2006">
+          <mc:Choice xmlns:a14="http://schemas.microsoft.com/office/drawing/2010/main" Requires="a14">
+            <p:sp>
+              <p:nvSpPr>
+                <p:cNvPr id="9" name="文本框 8">
+                  <a:extLst>
+                    <a:ext uri="{FF2B5EF4-FFF2-40B4-BE49-F238E27FC236}">
+                      <a16:creationId xmlns:a16="http://schemas.microsoft.com/office/drawing/2014/main" id="{DA4CD662-CAEC-4E15-BAC2-CFC61647DA59}"/>
+                    </a:ext>
+                  </a:extLst>
+                </p:cNvPr>
+                <p:cNvSpPr txBox="1"/>
+                <p:nvPr/>
+              </p:nvSpPr>
+              <p:spPr>
+                <a:xfrm>
+                  <a:off x="3557634" y="3146988"/>
+                  <a:ext cx="409407" cy="369332"/>
+                </a:xfrm>
+                <a:prstGeom prst="rect">
+                  <a:avLst/>
+                </a:prstGeom>
+                <a:noFill/>
+              </p:spPr>
+              <p:txBody>
+                <a:bodyPr wrap="square" rtlCol="0">
+                  <a:spAutoFit/>
+                </a:bodyPr>
+                <a:lstStyle/>
+                <a:p>
+                  <a14:m>
+                    <m:oMathPara xmlns:m="http://schemas.openxmlformats.org/officeDocument/2006/math">
+                      <m:oMathParaPr>
+                        <m:jc m:val="centerGroup"/>
+                      </m:oMathParaPr>
+                      <m:oMath xmlns:m="http://schemas.openxmlformats.org/officeDocument/2006/math">
+                        <m:acc>
+                          <m:accPr>
+                            <m:chr m:val="̅"/>
+                            <m:ctrlPr>
+                              <a:rPr lang="en-US" altLang="zh-CN" i="1" dirty="0" smtClean="0">
+                                <a:latin typeface="Cambria Math" panose="02040503050406030204" pitchFamily="18" charset="0"/>
+                              </a:rPr>
+                            </m:ctrlPr>
+                          </m:accPr>
+                          <m:e>
+                            <m:r>
+                              <a:rPr lang="en-US" altLang="zh-CN" i="1" dirty="0" smtClean="0">
+                                <a:latin typeface="Cambria Math" panose="02040503050406030204" pitchFamily="18" charset="0"/>
+                              </a:rPr>
+                              <m:t>𝑄</m:t>
+                            </m:r>
+                          </m:e>
+                        </m:acc>
+                      </m:oMath>
+                    </m:oMathPara>
+                  </a14:m>
+                  <a:endParaRPr lang="zh-CN" altLang="en-US" dirty="0"/>
+                </a:p>
+              </p:txBody>
+            </p:sp>
+          </mc:Choice>
+          <mc:Fallback>
+            <p:sp>
+              <p:nvSpPr>
+                <p:cNvPr id="9" name="文本框 8">
+                  <a:extLst>
+                    <a:ext uri="{FF2B5EF4-FFF2-40B4-BE49-F238E27FC236}">
+                      <a16:creationId xmlns:a16="http://schemas.microsoft.com/office/drawing/2014/main" id="{DA4CD662-CAEC-4E15-BAC2-CFC61647DA59}"/>
+                    </a:ext>
+                  </a:extLst>
+                </p:cNvPr>
+                <p:cNvSpPr txBox="1">
+                  <a:spLocks noRot="1" noChangeAspect="1" noMove="1" noResize="1" noEditPoints="1" noAdjustHandles="1" noChangeArrowheads="1" noChangeShapeType="1" noTextEdit="1"/>
+                </p:cNvSpPr>
+                <p:nvPr/>
+              </p:nvSpPr>
+              <p:spPr>
+                <a:xfrm>
+                  <a:off x="3557634" y="3146988"/>
+                  <a:ext cx="409407" cy="369332"/>
+                </a:xfrm>
+                <a:prstGeom prst="rect">
+                  <a:avLst/>
+                </a:prstGeom>
+                <a:blipFill>
+                  <a:blip r:embed="rId2"/>
+                  <a:stretch>
+                    <a:fillRect r="-2985" b="-9836"/>
+                  </a:stretch>
+                </a:blipFill>
+              </p:spPr>
+              <p:txBody>
+                <a:bodyPr/>
+                <a:lstStyle/>
+                <a:p>
+                  <a:r>
+                    <a:rPr lang="zh-CN" altLang="en-US">
+                      <a:noFill/>
+                    </a:rPr>
+                    <a:t> </a:t>
+                  </a:r>
+                </a:p>
+              </p:txBody>
+            </p:sp>
+          </mc:Fallback>
+        </mc:AlternateContent>
+        <mc:AlternateContent xmlns:mc="http://schemas.openxmlformats.org/markup-compatibility/2006">
+          <mc:Choice xmlns:a14="http://schemas.microsoft.com/office/drawing/2010/main" Requires="a14">
+            <p:sp>
+              <p:nvSpPr>
+                <p:cNvPr id="10" name="文本框 9">
+                  <a:extLst>
+                    <a:ext uri="{FF2B5EF4-FFF2-40B4-BE49-F238E27FC236}">
+                      <a16:creationId xmlns:a16="http://schemas.microsoft.com/office/drawing/2014/main" id="{2F0EB83A-9D70-4877-9FE9-7D73A48245B5}"/>
+                    </a:ext>
+                  </a:extLst>
+                </p:cNvPr>
+                <p:cNvSpPr txBox="1"/>
+                <p:nvPr/>
+              </p:nvSpPr>
+              <p:spPr>
+                <a:xfrm>
+                  <a:off x="3557634" y="2486253"/>
+                  <a:ext cx="409407" cy="369332"/>
+                </a:xfrm>
+                <a:prstGeom prst="rect">
+                  <a:avLst/>
+                </a:prstGeom>
+                <a:noFill/>
+              </p:spPr>
+              <p:txBody>
+                <a:bodyPr wrap="square" rtlCol="0">
+                  <a:spAutoFit/>
+                </a:bodyPr>
+                <a:lstStyle/>
+                <a:p>
+                  <a14:m>
+                    <m:oMathPara xmlns:m="http://schemas.openxmlformats.org/officeDocument/2006/math">
+                      <m:oMathParaPr>
+                        <m:jc m:val="centerGroup"/>
+                      </m:oMathParaPr>
+                      <m:oMath xmlns:m="http://schemas.openxmlformats.org/officeDocument/2006/math">
+                        <m:r>
+                          <a:rPr lang="en-US" altLang="zh-CN" b="0" i="1" smtClean="0">
+                            <a:latin typeface="Cambria Math" panose="02040503050406030204" pitchFamily="18" charset="0"/>
+                          </a:rPr>
+                          <m:t>𝑄</m:t>
+                        </m:r>
+                      </m:oMath>
+                    </m:oMathPara>
+                  </a14:m>
+                  <a:endParaRPr lang="zh-CN" altLang="en-US" dirty="0"/>
+                </a:p>
+              </p:txBody>
+            </p:sp>
+          </mc:Choice>
+          <mc:Fallback>
+            <p:sp>
+              <p:nvSpPr>
+                <p:cNvPr id="10" name="文本框 9">
+                  <a:extLst>
+                    <a:ext uri="{FF2B5EF4-FFF2-40B4-BE49-F238E27FC236}">
+                      <a16:creationId xmlns:a16="http://schemas.microsoft.com/office/drawing/2014/main" id="{2F0EB83A-9D70-4877-9FE9-7D73A48245B5}"/>
+                    </a:ext>
+                  </a:extLst>
+                </p:cNvPr>
+                <p:cNvSpPr txBox="1">
+                  <a:spLocks noRot="1" noChangeAspect="1" noMove="1" noResize="1" noEditPoints="1" noAdjustHandles="1" noChangeArrowheads="1" noChangeShapeType="1" noTextEdit="1"/>
+                </p:cNvSpPr>
+                <p:nvPr/>
+              </p:nvSpPr>
+              <p:spPr>
+                <a:xfrm>
+                  <a:off x="3557634" y="2486253"/>
+                  <a:ext cx="409407" cy="369332"/>
+                </a:xfrm>
+                <a:prstGeom prst="rect">
+                  <a:avLst/>
+                </a:prstGeom>
+                <a:blipFill>
+                  <a:blip r:embed="rId3"/>
+                  <a:stretch>
+                    <a:fillRect b="-10000"/>
+                  </a:stretch>
+                </a:blipFill>
+              </p:spPr>
+              <p:txBody>
+                <a:bodyPr/>
+                <a:lstStyle/>
+                <a:p>
+                  <a:r>
+                    <a:rPr lang="zh-CN" altLang="en-US">
+                      <a:noFill/>
+                    </a:rPr>
+                    <a:t> </a:t>
+                  </a:r>
+                </a:p>
+              </p:txBody>
+            </p:sp>
+          </mc:Fallback>
+        </mc:AlternateContent>
+        <mc:AlternateContent xmlns:mc="http://schemas.openxmlformats.org/markup-compatibility/2006">
+          <mc:Choice xmlns:a14="http://schemas.microsoft.com/office/drawing/2010/main" Requires="a14">
+            <p:sp>
+              <p:nvSpPr>
+                <p:cNvPr id="11" name="文本框 10">
+                  <a:extLst>
+                    <a:ext uri="{FF2B5EF4-FFF2-40B4-BE49-F238E27FC236}">
+                      <a16:creationId xmlns:a16="http://schemas.microsoft.com/office/drawing/2014/main" id="{63C37E10-0ED9-44FA-8AA0-5E890C6EC0BB}"/>
+                    </a:ext>
+                  </a:extLst>
+                </p:cNvPr>
+                <p:cNvSpPr txBox="1"/>
+                <p:nvPr/>
+              </p:nvSpPr>
+              <p:spPr>
+                <a:xfrm>
+                  <a:off x="3277196" y="2486253"/>
+                  <a:ext cx="339837" cy="369332"/>
+                </a:xfrm>
+                <a:prstGeom prst="rect">
+                  <a:avLst/>
+                </a:prstGeom>
+                <a:noFill/>
+              </p:spPr>
+              <p:txBody>
+                <a:bodyPr wrap="square" rtlCol="0">
+                  <a:spAutoFit/>
+                </a:bodyPr>
+                <a:lstStyle/>
+                <a:p>
+                  <a14:m>
+                    <m:oMathPara xmlns:m="http://schemas.openxmlformats.org/officeDocument/2006/math">
+                      <m:oMathParaPr>
+                        <m:jc m:val="centerGroup"/>
+                      </m:oMathParaPr>
+                      <m:oMath xmlns:m="http://schemas.openxmlformats.org/officeDocument/2006/math">
+                        <m:r>
+                          <a:rPr lang="en-US" altLang="zh-CN" b="0" i="1" smtClean="0">
+                            <a:latin typeface="Cambria Math" panose="02040503050406030204" pitchFamily="18" charset="0"/>
+                          </a:rPr>
+                          <m:t>𝐽</m:t>
+                        </m:r>
+                      </m:oMath>
+                    </m:oMathPara>
+                  </a14:m>
+                  <a:endParaRPr lang="zh-CN" altLang="en-US" dirty="0"/>
+                </a:p>
+              </p:txBody>
+            </p:sp>
+          </mc:Choice>
+          <mc:Fallback>
+            <p:sp>
+              <p:nvSpPr>
+                <p:cNvPr id="11" name="文本框 10">
+                  <a:extLst>
+                    <a:ext uri="{FF2B5EF4-FFF2-40B4-BE49-F238E27FC236}">
+                      <a16:creationId xmlns:a16="http://schemas.microsoft.com/office/drawing/2014/main" id="{63C37E10-0ED9-44FA-8AA0-5E890C6EC0BB}"/>
+                    </a:ext>
+                  </a:extLst>
+                </p:cNvPr>
+                <p:cNvSpPr txBox="1">
+                  <a:spLocks noRot="1" noChangeAspect="1" noMove="1" noResize="1" noEditPoints="1" noAdjustHandles="1" noChangeArrowheads="1" noChangeShapeType="1" noTextEdit="1"/>
+                </p:cNvSpPr>
+                <p:nvPr/>
+              </p:nvSpPr>
+              <p:spPr>
+                <a:xfrm>
+                  <a:off x="3277196" y="2486253"/>
+                  <a:ext cx="339837" cy="369332"/>
+                </a:xfrm>
+                <a:prstGeom prst="rect">
+                  <a:avLst/>
+                </a:prstGeom>
+                <a:blipFill>
+                  <a:blip r:embed="rId4"/>
+                  <a:stretch>
+                    <a:fillRect b="-10000"/>
+                  </a:stretch>
+                </a:blipFill>
+              </p:spPr>
+              <p:txBody>
+                <a:bodyPr/>
+                <a:lstStyle/>
+                <a:p>
+                  <a:r>
+                    <a:rPr lang="zh-CN" altLang="en-US">
+                      <a:noFill/>
+                    </a:rPr>
+                    <a:t> </a:t>
+                  </a:r>
+                </a:p>
+              </p:txBody>
+            </p:sp>
+          </mc:Fallback>
+        </mc:AlternateContent>
+        <mc:AlternateContent xmlns:mc="http://schemas.openxmlformats.org/markup-compatibility/2006">
+          <mc:Choice xmlns:a14="http://schemas.microsoft.com/office/drawing/2010/main" Requires="a14">
+            <p:sp>
+              <p:nvSpPr>
+                <p:cNvPr id="12" name="文本框 11">
+                  <a:extLst>
+                    <a:ext uri="{FF2B5EF4-FFF2-40B4-BE49-F238E27FC236}">
+                      <a16:creationId xmlns:a16="http://schemas.microsoft.com/office/drawing/2014/main" id="{ED07C221-114E-4F39-9C08-E9D7E98221CE}"/>
+                    </a:ext>
+                  </a:extLst>
+                </p:cNvPr>
+                <p:cNvSpPr txBox="1"/>
+                <p:nvPr/>
+              </p:nvSpPr>
+              <p:spPr>
+                <a:xfrm>
+                  <a:off x="3239076" y="3146988"/>
+                  <a:ext cx="416076" cy="369332"/>
+                </a:xfrm>
+                <a:prstGeom prst="rect">
+                  <a:avLst/>
+                </a:prstGeom>
+                <a:noFill/>
+              </p:spPr>
+              <p:txBody>
+                <a:bodyPr wrap="square" rtlCol="0">
+                  <a:spAutoFit/>
+                </a:bodyPr>
+                <a:lstStyle/>
+                <a:p>
+                  <a14:m>
+                    <m:oMathPara xmlns:m="http://schemas.openxmlformats.org/officeDocument/2006/math">
+                      <m:oMathParaPr>
+                        <m:jc m:val="centerGroup"/>
+                      </m:oMathParaPr>
+                      <m:oMath xmlns:m="http://schemas.openxmlformats.org/officeDocument/2006/math">
+                        <m:r>
+                          <a:rPr lang="en-US" altLang="zh-CN" b="0" i="1" smtClean="0">
+                            <a:latin typeface="Cambria Math" panose="02040503050406030204" pitchFamily="18" charset="0"/>
+                          </a:rPr>
+                          <m:t>𝐾</m:t>
+                        </m:r>
+                      </m:oMath>
+                    </m:oMathPara>
+                  </a14:m>
+                  <a:endParaRPr lang="zh-CN" altLang="en-US" dirty="0"/>
+                </a:p>
+              </p:txBody>
+            </p:sp>
+          </mc:Choice>
+          <mc:Fallback>
+            <p:sp>
+              <p:nvSpPr>
+                <p:cNvPr id="12" name="文本框 11">
+                  <a:extLst>
+                    <a:ext uri="{FF2B5EF4-FFF2-40B4-BE49-F238E27FC236}">
+                      <a16:creationId xmlns:a16="http://schemas.microsoft.com/office/drawing/2014/main" id="{ED07C221-114E-4F39-9C08-E9D7E98221CE}"/>
+                    </a:ext>
+                  </a:extLst>
+                </p:cNvPr>
+                <p:cNvSpPr txBox="1">
+                  <a:spLocks noRot="1" noChangeAspect="1" noMove="1" noResize="1" noEditPoints="1" noAdjustHandles="1" noChangeArrowheads="1" noChangeShapeType="1" noTextEdit="1"/>
+                </p:cNvSpPr>
+                <p:nvPr/>
+              </p:nvSpPr>
+              <p:spPr>
+                <a:xfrm>
+                  <a:off x="3239076" y="3146988"/>
+                  <a:ext cx="416076" cy="369332"/>
+                </a:xfrm>
+                <a:prstGeom prst="rect">
+                  <a:avLst/>
+                </a:prstGeom>
+                <a:blipFill>
+                  <a:blip r:embed="rId5"/>
+                  <a:stretch>
+                    <a:fillRect/>
+                  </a:stretch>
+                </a:blipFill>
+              </p:spPr>
+              <p:txBody>
+                <a:bodyPr/>
+                <a:lstStyle/>
+                <a:p>
+                  <a:r>
+                    <a:rPr lang="zh-CN" altLang="en-US">
+                      <a:noFill/>
+                    </a:rPr>
+                    <a:t> </a:t>
+                  </a:r>
+                </a:p>
+              </p:txBody>
+            </p:sp>
+          </mc:Fallback>
+        </mc:AlternateContent>
+        <p:cxnSp>
+          <p:nvCxnSpPr>
+            <p:cNvPr id="3" name="直接连接符 2">
+              <a:extLst>
+                <a:ext uri="{FF2B5EF4-FFF2-40B4-BE49-F238E27FC236}">
+                  <a16:creationId xmlns:a16="http://schemas.microsoft.com/office/drawing/2014/main" id="{B27FBD7D-877F-4E94-B93F-574A5171385A}"/>
+                </a:ext>
+              </a:extLst>
+            </p:cNvPr>
+            <p:cNvCxnSpPr>
+              <a:cxnSpLocks/>
+            </p:cNvCxnSpPr>
+            <p:nvPr/>
+          </p:nvCxnSpPr>
+          <p:spPr>
+            <a:xfrm>
+              <a:off x="3870374" y="2670919"/>
+              <a:ext cx="739726" cy="0"/>
+            </a:xfrm>
+            <a:prstGeom prst="line">
+              <a:avLst/>
+            </a:prstGeom>
+          </p:spPr>
+          <p:style>
+            <a:lnRef idx="2">
+              <a:schemeClr val="accent1"/>
+            </a:lnRef>
+            <a:fillRef idx="0">
+              <a:schemeClr val="accent1"/>
+            </a:fillRef>
+            <a:effectRef idx="1">
+              <a:schemeClr val="accent1"/>
+            </a:effectRef>
+            <a:fontRef idx="minor">
+              <a:schemeClr val="tx1"/>
+            </a:fontRef>
+          </p:style>
+        </p:cxnSp>
+        <p:cxnSp>
+          <p:nvCxnSpPr>
+            <p:cNvPr id="16" name="直接连接符 15">
+              <a:extLst>
+                <a:ext uri="{FF2B5EF4-FFF2-40B4-BE49-F238E27FC236}">
+                  <a16:creationId xmlns:a16="http://schemas.microsoft.com/office/drawing/2014/main" id="{6E5AA791-1F5D-4A7F-AF75-FED42038223E}"/>
+                </a:ext>
+              </a:extLst>
+            </p:cNvPr>
+            <p:cNvCxnSpPr>
+              <a:cxnSpLocks/>
+            </p:cNvCxnSpPr>
+            <p:nvPr/>
+          </p:nvCxnSpPr>
+          <p:spPr>
+            <a:xfrm>
+              <a:off x="3866329" y="3331653"/>
+              <a:ext cx="410067" cy="0"/>
+            </a:xfrm>
+            <a:prstGeom prst="line">
+              <a:avLst/>
+            </a:prstGeom>
+          </p:spPr>
+          <p:style>
+            <a:lnRef idx="2">
+              <a:schemeClr val="accent1"/>
+            </a:lnRef>
+            <a:fillRef idx="0">
+              <a:schemeClr val="accent1"/>
+            </a:fillRef>
+            <a:effectRef idx="1">
+              <a:schemeClr val="accent1"/>
+            </a:effectRef>
+            <a:fontRef idx="minor">
+              <a:schemeClr val="tx1"/>
+            </a:fontRef>
+          </p:style>
+        </p:cxnSp>
+        <p:sp>
+          <p:nvSpPr>
+            <p:cNvPr id="13" name="椭圆 12">
+              <a:extLst>
+                <a:ext uri="{FF2B5EF4-FFF2-40B4-BE49-F238E27FC236}">
+                  <a16:creationId xmlns:a16="http://schemas.microsoft.com/office/drawing/2014/main" id="{8E92B2E0-F869-4D9D-A6E2-7E085A090372}"/>
+                </a:ext>
+              </a:extLst>
+            </p:cNvPr>
+            <p:cNvSpPr/>
+            <p:nvPr/>
+          </p:nvSpPr>
+          <p:spPr>
+            <a:xfrm>
+              <a:off x="3870374" y="3308794"/>
+              <a:ext cx="45719" cy="45719"/>
+            </a:xfrm>
+            <a:prstGeom prst="ellipse">
+              <a:avLst/>
+            </a:prstGeom>
+            <a:solidFill>
+              <a:schemeClr val="bg1"/>
+            </a:solidFill>
+          </p:spPr>
+          <p:style>
+            <a:lnRef idx="2">
+              <a:schemeClr val="accent1">
+                <a:shade val="50000"/>
+              </a:schemeClr>
+            </a:lnRef>
+            <a:fillRef idx="1">
+              <a:schemeClr val="accent1"/>
+            </a:fillRef>
+            <a:effectRef idx="0">
+              <a:schemeClr val="accent1"/>
+            </a:effectRef>
+            <a:fontRef idx="minor">
+              <a:schemeClr val="lt1"/>
+            </a:fontRef>
+          </p:style>
+          <p:txBody>
+            <a:bodyPr rtlCol="0" anchor="ctr"/>
+            <a:lstStyle/>
+            <a:p>
+              <a:pPr algn="ctr"/>
+              <a:endParaRPr lang="zh-CN" altLang="en-US"/>
+            </a:p>
+          </p:txBody>
+        </p:sp>
+        <p:cxnSp>
+          <p:nvCxnSpPr>
+            <p:cNvPr id="17" name="直接连接符 16">
+              <a:extLst>
+                <a:ext uri="{FF2B5EF4-FFF2-40B4-BE49-F238E27FC236}">
+                  <a16:creationId xmlns:a16="http://schemas.microsoft.com/office/drawing/2014/main" id="{67919281-EDCF-4F7E-A243-FFEE4FF19A2B}"/>
+                </a:ext>
+              </a:extLst>
+            </p:cNvPr>
+            <p:cNvCxnSpPr>
+              <a:cxnSpLocks/>
+            </p:cNvCxnSpPr>
+            <p:nvPr/>
+          </p:nvCxnSpPr>
+          <p:spPr>
+            <a:xfrm>
+              <a:off x="2889787" y="2670919"/>
+              <a:ext cx="410067" cy="0"/>
+            </a:xfrm>
+            <a:prstGeom prst="line">
+              <a:avLst/>
+            </a:prstGeom>
+          </p:spPr>
+          <p:style>
+            <a:lnRef idx="2">
+              <a:schemeClr val="accent1"/>
+            </a:lnRef>
+            <a:fillRef idx="0">
+              <a:schemeClr val="accent1"/>
+            </a:fillRef>
+            <a:effectRef idx="1">
+              <a:schemeClr val="accent1"/>
+            </a:effectRef>
+            <a:fontRef idx="minor">
+              <a:schemeClr val="tx1"/>
+            </a:fontRef>
+          </p:style>
+        </p:cxnSp>
+        <p:cxnSp>
+          <p:nvCxnSpPr>
+            <p:cNvPr id="18" name="直接连接符 17">
+              <a:extLst>
+                <a:ext uri="{FF2B5EF4-FFF2-40B4-BE49-F238E27FC236}">
+                  <a16:creationId xmlns:a16="http://schemas.microsoft.com/office/drawing/2014/main" id="{F88F3DFD-C8C2-4030-9005-2B5A5EBC8D21}"/>
+                </a:ext>
+              </a:extLst>
+            </p:cNvPr>
+            <p:cNvCxnSpPr>
+              <a:cxnSpLocks/>
+            </p:cNvCxnSpPr>
+            <p:nvPr/>
+          </p:nvCxnSpPr>
+          <p:spPr>
+            <a:xfrm>
+              <a:off x="2884354" y="3361553"/>
+              <a:ext cx="410067" cy="0"/>
+            </a:xfrm>
+            <a:prstGeom prst="line">
+              <a:avLst/>
+            </a:prstGeom>
+          </p:spPr>
+          <p:style>
+            <a:lnRef idx="2">
+              <a:schemeClr val="accent1"/>
+            </a:lnRef>
+            <a:fillRef idx="0">
+              <a:schemeClr val="accent1"/>
+            </a:fillRef>
+            <a:effectRef idx="1">
+              <a:schemeClr val="accent1"/>
+            </a:effectRef>
+            <a:fontRef idx="minor">
+              <a:schemeClr val="tx1"/>
+            </a:fontRef>
+          </p:style>
+        </p:cxnSp>
+        <p:cxnSp>
+          <p:nvCxnSpPr>
+            <p:cNvPr id="19" name="直接连接符 18">
+              <a:extLst>
+                <a:ext uri="{FF2B5EF4-FFF2-40B4-BE49-F238E27FC236}">
+                  <a16:creationId xmlns:a16="http://schemas.microsoft.com/office/drawing/2014/main" id="{DDA5263C-C5F5-4A75-9570-D68C85BEA035}"/>
+                </a:ext>
+              </a:extLst>
+            </p:cNvPr>
+            <p:cNvCxnSpPr>
+              <a:cxnSpLocks/>
+            </p:cNvCxnSpPr>
+            <p:nvPr/>
+          </p:nvCxnSpPr>
+          <p:spPr>
+            <a:xfrm>
+              <a:off x="3074194" y="3002829"/>
+              <a:ext cx="220227" cy="0"/>
+            </a:xfrm>
+            <a:prstGeom prst="line">
+              <a:avLst/>
+            </a:prstGeom>
+          </p:spPr>
+          <p:style>
+            <a:lnRef idx="2">
+              <a:schemeClr val="accent1"/>
+            </a:lnRef>
+            <a:fillRef idx="0">
+              <a:schemeClr val="accent1"/>
+            </a:fillRef>
+            <a:effectRef idx="1">
+              <a:schemeClr val="accent1"/>
+            </a:effectRef>
+            <a:fontRef idx="minor">
+              <a:schemeClr val="tx1"/>
+            </a:fontRef>
+          </p:style>
+        </p:cxnSp>
+      </p:grpSp>
+      <p:grpSp>
+        <p:nvGrpSpPr>
+          <p:cNvPr id="58" name="组合 57">
+            <a:extLst>
+              <a:ext uri="{FF2B5EF4-FFF2-40B4-BE49-F238E27FC236}">
+                <a16:creationId xmlns:a16="http://schemas.microsoft.com/office/drawing/2014/main" id="{711539EF-720A-4D24-A4E8-5DE3F0FA71B9}"/>
+              </a:ext>
+            </a:extLst>
+          </p:cNvPr>
+          <p:cNvGrpSpPr/>
+          <p:nvPr/>
+        </p:nvGrpSpPr>
+        <p:grpSpPr>
+          <a:xfrm>
+            <a:off x="5198929" y="2487163"/>
+            <a:ext cx="1396087" cy="1033153"/>
+            <a:chOff x="2884354" y="2486253"/>
+            <a:chExt cx="1396087" cy="1033153"/>
+          </a:xfrm>
+        </p:grpSpPr>
+        <p:sp>
+          <p:nvSpPr>
+            <p:cNvPr id="59" name="矩形 58">
+              <a:extLst>
+                <a:ext uri="{FF2B5EF4-FFF2-40B4-BE49-F238E27FC236}">
+                  <a16:creationId xmlns:a16="http://schemas.microsoft.com/office/drawing/2014/main" id="{A5122822-F5BF-4888-8EBD-CE48CD61D415}"/>
+                </a:ext>
+              </a:extLst>
+            </p:cNvPr>
+            <p:cNvSpPr/>
+            <p:nvPr/>
+          </p:nvSpPr>
+          <p:spPr>
+            <a:xfrm>
+              <a:off x="3294421" y="2486253"/>
+              <a:ext cx="575953" cy="1033153"/>
+            </a:xfrm>
+            <a:prstGeom prst="rect">
+              <a:avLst/>
+            </a:prstGeom>
+            <a:noFill/>
+          </p:spPr>
+          <p:style>
+            <a:lnRef idx="2">
+              <a:schemeClr val="accent1">
+                <a:shade val="50000"/>
+              </a:schemeClr>
+            </a:lnRef>
+            <a:fillRef idx="1">
+              <a:schemeClr val="accent1"/>
+            </a:fillRef>
+            <a:effectRef idx="0">
+              <a:schemeClr val="accent1"/>
+            </a:effectRef>
+            <a:fontRef idx="minor">
+              <a:schemeClr val="lt1"/>
+            </a:fontRef>
+          </p:style>
+          <p:txBody>
+            <a:bodyPr rtlCol="0" anchor="ctr"/>
+            <a:lstStyle/>
+            <a:p>
+              <a:pPr algn="ctr"/>
+              <a:endParaRPr lang="zh-CN" altLang="en-US" dirty="0">
+                <a:solidFill>
+                  <a:schemeClr val="tx1"/>
+                </a:solidFill>
+              </a:endParaRPr>
+            </a:p>
+          </p:txBody>
+        </p:sp>
+        <p:sp>
+          <p:nvSpPr>
+            <p:cNvPr id="60" name="直角三角形 59">
+              <a:extLst>
+                <a:ext uri="{FF2B5EF4-FFF2-40B4-BE49-F238E27FC236}">
+                  <a16:creationId xmlns:a16="http://schemas.microsoft.com/office/drawing/2014/main" id="{3BD04737-3043-489B-88E2-EEAE5FE6C438}"/>
+                </a:ext>
+              </a:extLst>
+            </p:cNvPr>
+            <p:cNvSpPr/>
+            <p:nvPr/>
+          </p:nvSpPr>
+          <p:spPr>
+            <a:xfrm rot="13320000">
+              <a:off x="3190930" y="2889571"/>
+              <a:ext cx="206982" cy="226517"/>
+            </a:xfrm>
+            <a:prstGeom prst="rtTriangle">
+              <a:avLst/>
+            </a:prstGeom>
+            <a:noFill/>
+          </p:spPr>
+          <p:style>
+            <a:lnRef idx="2">
+              <a:schemeClr val="accent1">
+                <a:shade val="50000"/>
+              </a:schemeClr>
+            </a:lnRef>
+            <a:fillRef idx="1">
+              <a:schemeClr val="accent1"/>
+            </a:fillRef>
+            <a:effectRef idx="0">
+              <a:schemeClr val="accent1"/>
+            </a:effectRef>
+            <a:fontRef idx="minor">
+              <a:schemeClr val="lt1"/>
+            </a:fontRef>
+          </p:style>
+          <p:txBody>
+            <a:bodyPr rtlCol="0" anchor="ctr"/>
+            <a:lstStyle/>
+            <a:p>
+              <a:pPr algn="ctr"/>
+              <a:endParaRPr lang="zh-CN" altLang="en-US"/>
+            </a:p>
+          </p:txBody>
+        </p:sp>
+        <mc:AlternateContent xmlns:mc="http://schemas.openxmlformats.org/markup-compatibility/2006">
+          <mc:Choice xmlns:a14="http://schemas.microsoft.com/office/drawing/2010/main" Requires="a14">
+            <p:sp>
+              <p:nvSpPr>
+                <p:cNvPr id="61" name="文本框 60">
+                  <a:extLst>
+                    <a:ext uri="{FF2B5EF4-FFF2-40B4-BE49-F238E27FC236}">
+                      <a16:creationId xmlns:a16="http://schemas.microsoft.com/office/drawing/2014/main" id="{5AC50820-E536-4C02-8290-5DDD8667741E}"/>
+                    </a:ext>
+                  </a:extLst>
+                </p:cNvPr>
+                <p:cNvSpPr txBox="1"/>
+                <p:nvPr/>
+              </p:nvSpPr>
+              <p:spPr>
+                <a:xfrm>
+                  <a:off x="3557634" y="3146988"/>
+                  <a:ext cx="409407" cy="369332"/>
+                </a:xfrm>
+                <a:prstGeom prst="rect">
+                  <a:avLst/>
+                </a:prstGeom>
+                <a:noFill/>
+              </p:spPr>
+              <p:txBody>
+                <a:bodyPr wrap="square" rtlCol="0">
+                  <a:spAutoFit/>
+                </a:bodyPr>
+                <a:lstStyle/>
+                <a:p>
+                  <a14:m>
+                    <m:oMathPara xmlns:m="http://schemas.openxmlformats.org/officeDocument/2006/math">
+                      <m:oMathParaPr>
+                        <m:jc m:val="centerGroup"/>
+                      </m:oMathParaPr>
+                      <m:oMath xmlns:m="http://schemas.openxmlformats.org/officeDocument/2006/math">
+                        <m:acc>
+                          <m:accPr>
+                            <m:chr m:val="̅"/>
+                            <m:ctrlPr>
+                              <a:rPr lang="en-US" altLang="zh-CN" i="1" dirty="0" smtClean="0">
+                                <a:latin typeface="Cambria Math" panose="02040503050406030204" pitchFamily="18" charset="0"/>
+                              </a:rPr>
+                            </m:ctrlPr>
+                          </m:accPr>
+                          <m:e>
+                            <m:r>
+                              <a:rPr lang="en-US" altLang="zh-CN" i="1" dirty="0" smtClean="0">
+                                <a:latin typeface="Cambria Math" panose="02040503050406030204" pitchFamily="18" charset="0"/>
+                              </a:rPr>
+                              <m:t>𝑄</m:t>
+                            </m:r>
+                          </m:e>
+                        </m:acc>
+                      </m:oMath>
+                    </m:oMathPara>
+                  </a14:m>
+                  <a:endParaRPr lang="zh-CN" altLang="en-US" dirty="0"/>
+                </a:p>
+              </p:txBody>
+            </p:sp>
+          </mc:Choice>
+          <mc:Fallback>
+            <p:sp>
+              <p:nvSpPr>
+                <p:cNvPr id="61" name="文本框 60">
+                  <a:extLst>
+                    <a:ext uri="{FF2B5EF4-FFF2-40B4-BE49-F238E27FC236}">
+                      <a16:creationId xmlns:a16="http://schemas.microsoft.com/office/drawing/2014/main" id="{5AC50820-E536-4C02-8290-5DDD8667741E}"/>
+                    </a:ext>
+                  </a:extLst>
+                </p:cNvPr>
+                <p:cNvSpPr txBox="1">
+                  <a:spLocks noRot="1" noChangeAspect="1" noMove="1" noResize="1" noEditPoints="1" noAdjustHandles="1" noChangeArrowheads="1" noChangeShapeType="1" noTextEdit="1"/>
+                </p:cNvSpPr>
+                <p:nvPr/>
+              </p:nvSpPr>
+              <p:spPr>
+                <a:xfrm>
+                  <a:off x="3557634" y="3146988"/>
+                  <a:ext cx="409407" cy="369332"/>
+                </a:xfrm>
+                <a:prstGeom prst="rect">
+                  <a:avLst/>
+                </a:prstGeom>
+                <a:blipFill>
+                  <a:blip r:embed="rId6"/>
+                  <a:stretch>
+                    <a:fillRect r="-4478" b="-9836"/>
+                  </a:stretch>
+                </a:blipFill>
+              </p:spPr>
+              <p:txBody>
+                <a:bodyPr/>
+                <a:lstStyle/>
+                <a:p>
+                  <a:r>
+                    <a:rPr lang="zh-CN" altLang="en-US">
+                      <a:noFill/>
+                    </a:rPr>
+                    <a:t> </a:t>
+                  </a:r>
+                </a:p>
+              </p:txBody>
+            </p:sp>
+          </mc:Fallback>
+        </mc:AlternateContent>
+        <mc:AlternateContent xmlns:mc="http://schemas.openxmlformats.org/markup-compatibility/2006">
+          <mc:Choice xmlns:a14="http://schemas.microsoft.com/office/drawing/2010/main" Requires="a14">
+            <p:sp>
+              <p:nvSpPr>
+                <p:cNvPr id="62" name="文本框 61">
+                  <a:extLst>
+                    <a:ext uri="{FF2B5EF4-FFF2-40B4-BE49-F238E27FC236}">
+                      <a16:creationId xmlns:a16="http://schemas.microsoft.com/office/drawing/2014/main" id="{39DF2E7C-F11F-402F-9268-247FADC03FE1}"/>
+                    </a:ext>
+                  </a:extLst>
+                </p:cNvPr>
+                <p:cNvSpPr txBox="1"/>
+                <p:nvPr/>
+              </p:nvSpPr>
+              <p:spPr>
+                <a:xfrm>
+                  <a:off x="3557634" y="2486253"/>
+                  <a:ext cx="409407" cy="369332"/>
+                </a:xfrm>
+                <a:prstGeom prst="rect">
+                  <a:avLst/>
+                </a:prstGeom>
+                <a:noFill/>
+              </p:spPr>
+              <p:txBody>
+                <a:bodyPr wrap="square" rtlCol="0">
+                  <a:spAutoFit/>
+                </a:bodyPr>
+                <a:lstStyle/>
+                <a:p>
+                  <a14:m>
+                    <m:oMathPara xmlns:m="http://schemas.openxmlformats.org/officeDocument/2006/math">
+                      <m:oMathParaPr>
+                        <m:jc m:val="centerGroup"/>
+                      </m:oMathParaPr>
+                      <m:oMath xmlns:m="http://schemas.openxmlformats.org/officeDocument/2006/math">
+                        <m:r>
+                          <a:rPr lang="en-US" altLang="zh-CN" b="0" i="1" smtClean="0">
+                            <a:latin typeface="Cambria Math" panose="02040503050406030204" pitchFamily="18" charset="0"/>
+                          </a:rPr>
+                          <m:t>𝑄</m:t>
+                        </m:r>
+                      </m:oMath>
+                    </m:oMathPara>
+                  </a14:m>
+                  <a:endParaRPr lang="zh-CN" altLang="en-US" dirty="0"/>
+                </a:p>
+              </p:txBody>
+            </p:sp>
+          </mc:Choice>
+          <mc:Fallback>
+            <p:sp>
+              <p:nvSpPr>
+                <p:cNvPr id="62" name="文本框 61">
+                  <a:extLst>
+                    <a:ext uri="{FF2B5EF4-FFF2-40B4-BE49-F238E27FC236}">
+                      <a16:creationId xmlns:a16="http://schemas.microsoft.com/office/drawing/2014/main" id="{39DF2E7C-F11F-402F-9268-247FADC03FE1}"/>
+                    </a:ext>
+                  </a:extLst>
+                </p:cNvPr>
+                <p:cNvSpPr txBox="1">
+                  <a:spLocks noRot="1" noChangeAspect="1" noMove="1" noResize="1" noEditPoints="1" noAdjustHandles="1" noChangeArrowheads="1" noChangeShapeType="1" noTextEdit="1"/>
+                </p:cNvSpPr>
+                <p:nvPr/>
+              </p:nvSpPr>
+              <p:spPr>
+                <a:xfrm>
+                  <a:off x="3557634" y="2486253"/>
+                  <a:ext cx="409407" cy="369332"/>
+                </a:xfrm>
+                <a:prstGeom prst="rect">
+                  <a:avLst/>
+                </a:prstGeom>
+                <a:blipFill>
+                  <a:blip r:embed="rId7"/>
+                  <a:stretch>
+                    <a:fillRect b="-8197"/>
+                  </a:stretch>
+                </a:blipFill>
+              </p:spPr>
+              <p:txBody>
+                <a:bodyPr/>
+                <a:lstStyle/>
+                <a:p>
+                  <a:r>
+                    <a:rPr lang="zh-CN" altLang="en-US">
+                      <a:noFill/>
+                    </a:rPr>
+                    <a:t> </a:t>
+                  </a:r>
+                </a:p>
+              </p:txBody>
+            </p:sp>
+          </mc:Fallback>
+        </mc:AlternateContent>
+        <mc:AlternateContent xmlns:mc="http://schemas.openxmlformats.org/markup-compatibility/2006">
+          <mc:Choice xmlns:a14="http://schemas.microsoft.com/office/drawing/2010/main" Requires="a14">
+            <p:sp>
+              <p:nvSpPr>
+                <p:cNvPr id="63" name="文本框 62">
+                  <a:extLst>
+                    <a:ext uri="{FF2B5EF4-FFF2-40B4-BE49-F238E27FC236}">
+                      <a16:creationId xmlns:a16="http://schemas.microsoft.com/office/drawing/2014/main" id="{CDA75516-7BB4-4C57-8F10-220AD26E3B2D}"/>
+                    </a:ext>
+                  </a:extLst>
+                </p:cNvPr>
+                <p:cNvSpPr txBox="1"/>
+                <p:nvPr/>
+              </p:nvSpPr>
+              <p:spPr>
+                <a:xfrm>
+                  <a:off x="3277196" y="2486253"/>
+                  <a:ext cx="339837" cy="369332"/>
+                </a:xfrm>
+                <a:prstGeom prst="rect">
+                  <a:avLst/>
+                </a:prstGeom>
+                <a:noFill/>
+              </p:spPr>
+              <p:txBody>
+                <a:bodyPr wrap="square" rtlCol="0">
+                  <a:spAutoFit/>
+                </a:bodyPr>
+                <a:lstStyle/>
+                <a:p>
+                  <a14:m>
+                    <m:oMathPara xmlns:m="http://schemas.openxmlformats.org/officeDocument/2006/math">
+                      <m:oMathParaPr>
+                        <m:jc m:val="centerGroup"/>
+                      </m:oMathParaPr>
+                      <m:oMath xmlns:m="http://schemas.openxmlformats.org/officeDocument/2006/math">
+                        <m:r>
+                          <a:rPr lang="en-US" altLang="zh-CN" b="0" i="1" smtClean="0">
+                            <a:latin typeface="Cambria Math" panose="02040503050406030204" pitchFamily="18" charset="0"/>
+                          </a:rPr>
+                          <m:t>𝐽</m:t>
+                        </m:r>
+                      </m:oMath>
+                    </m:oMathPara>
+                  </a14:m>
+                  <a:endParaRPr lang="zh-CN" altLang="en-US" dirty="0"/>
+                </a:p>
+              </p:txBody>
+            </p:sp>
+          </mc:Choice>
+          <mc:Fallback>
+            <p:sp>
+              <p:nvSpPr>
+                <p:cNvPr id="63" name="文本框 62">
+                  <a:extLst>
+                    <a:ext uri="{FF2B5EF4-FFF2-40B4-BE49-F238E27FC236}">
+                      <a16:creationId xmlns:a16="http://schemas.microsoft.com/office/drawing/2014/main" id="{CDA75516-7BB4-4C57-8F10-220AD26E3B2D}"/>
+                    </a:ext>
+                  </a:extLst>
+                </p:cNvPr>
+                <p:cNvSpPr txBox="1">
+                  <a:spLocks noRot="1" noChangeAspect="1" noMove="1" noResize="1" noEditPoints="1" noAdjustHandles="1" noChangeArrowheads="1" noChangeShapeType="1" noTextEdit="1"/>
+                </p:cNvSpPr>
+                <p:nvPr/>
+              </p:nvSpPr>
+              <p:spPr>
+                <a:xfrm>
+                  <a:off x="3277196" y="2486253"/>
+                  <a:ext cx="339837" cy="369332"/>
+                </a:xfrm>
+                <a:prstGeom prst="rect">
+                  <a:avLst/>
+                </a:prstGeom>
+                <a:blipFill>
+                  <a:blip r:embed="rId8"/>
+                  <a:stretch>
+                    <a:fillRect b="-8197"/>
+                  </a:stretch>
+                </a:blipFill>
+              </p:spPr>
+              <p:txBody>
+                <a:bodyPr/>
+                <a:lstStyle/>
+                <a:p>
+                  <a:r>
+                    <a:rPr lang="zh-CN" altLang="en-US">
+                      <a:noFill/>
+                    </a:rPr>
+                    <a:t> </a:t>
+                  </a:r>
+                </a:p>
+              </p:txBody>
+            </p:sp>
+          </mc:Fallback>
+        </mc:AlternateContent>
+        <mc:AlternateContent xmlns:mc="http://schemas.openxmlformats.org/markup-compatibility/2006">
+          <mc:Choice xmlns:a14="http://schemas.microsoft.com/office/drawing/2010/main" Requires="a14">
+            <p:sp>
+              <p:nvSpPr>
+                <p:cNvPr id="64" name="文本框 63">
+                  <a:extLst>
+                    <a:ext uri="{FF2B5EF4-FFF2-40B4-BE49-F238E27FC236}">
+                      <a16:creationId xmlns:a16="http://schemas.microsoft.com/office/drawing/2014/main" id="{D7860522-3F80-4061-AA9C-C31853021058}"/>
+                    </a:ext>
+                  </a:extLst>
+                </p:cNvPr>
+                <p:cNvSpPr txBox="1"/>
+                <p:nvPr/>
+              </p:nvSpPr>
+              <p:spPr>
+                <a:xfrm>
+                  <a:off x="3239076" y="3146988"/>
+                  <a:ext cx="416076" cy="369332"/>
+                </a:xfrm>
+                <a:prstGeom prst="rect">
+                  <a:avLst/>
+                </a:prstGeom>
+                <a:noFill/>
+              </p:spPr>
+              <p:txBody>
+                <a:bodyPr wrap="square" rtlCol="0">
+                  <a:spAutoFit/>
+                </a:bodyPr>
+                <a:lstStyle/>
+                <a:p>
+                  <a14:m>
+                    <m:oMathPara xmlns:m="http://schemas.openxmlformats.org/officeDocument/2006/math">
+                      <m:oMathParaPr>
+                        <m:jc m:val="centerGroup"/>
+                      </m:oMathParaPr>
+                      <m:oMath xmlns:m="http://schemas.openxmlformats.org/officeDocument/2006/math">
+                        <m:r>
+                          <a:rPr lang="en-US" altLang="zh-CN" b="0" i="1" smtClean="0">
+                            <a:latin typeface="Cambria Math" panose="02040503050406030204" pitchFamily="18" charset="0"/>
+                          </a:rPr>
+                          <m:t>𝐾</m:t>
+                        </m:r>
+                      </m:oMath>
+                    </m:oMathPara>
+                  </a14:m>
+                  <a:endParaRPr lang="zh-CN" altLang="en-US" dirty="0"/>
+                </a:p>
+              </p:txBody>
+            </p:sp>
+          </mc:Choice>
+          <mc:Fallback>
+            <p:sp>
+              <p:nvSpPr>
+                <p:cNvPr id="64" name="文本框 63">
+                  <a:extLst>
+                    <a:ext uri="{FF2B5EF4-FFF2-40B4-BE49-F238E27FC236}">
+                      <a16:creationId xmlns:a16="http://schemas.microsoft.com/office/drawing/2014/main" id="{D7860522-3F80-4061-AA9C-C31853021058}"/>
+                    </a:ext>
+                  </a:extLst>
+                </p:cNvPr>
+                <p:cNvSpPr txBox="1">
+                  <a:spLocks noRot="1" noChangeAspect="1" noMove="1" noResize="1" noEditPoints="1" noAdjustHandles="1" noChangeArrowheads="1" noChangeShapeType="1" noTextEdit="1"/>
+                </p:cNvSpPr>
+                <p:nvPr/>
+              </p:nvSpPr>
+              <p:spPr>
+                <a:xfrm>
+                  <a:off x="3239076" y="3146988"/>
+                  <a:ext cx="416076" cy="369332"/>
+                </a:xfrm>
+                <a:prstGeom prst="rect">
+                  <a:avLst/>
+                </a:prstGeom>
+                <a:blipFill>
+                  <a:blip r:embed="rId9"/>
+                  <a:stretch>
+                    <a:fillRect/>
+                  </a:stretch>
+                </a:blipFill>
+              </p:spPr>
+              <p:txBody>
+                <a:bodyPr/>
+                <a:lstStyle/>
+                <a:p>
+                  <a:r>
+                    <a:rPr lang="zh-CN" altLang="en-US">
+                      <a:noFill/>
+                    </a:rPr>
+                    <a:t> </a:t>
+                  </a:r>
+                </a:p>
+              </p:txBody>
+            </p:sp>
+          </mc:Fallback>
+        </mc:AlternateContent>
+        <p:cxnSp>
+          <p:nvCxnSpPr>
+            <p:cNvPr id="65" name="直接连接符 64">
+              <a:extLst>
+                <a:ext uri="{FF2B5EF4-FFF2-40B4-BE49-F238E27FC236}">
+                  <a16:creationId xmlns:a16="http://schemas.microsoft.com/office/drawing/2014/main" id="{8A5D8ECE-42C5-40F9-B46F-E44147E446AC}"/>
+                </a:ext>
+              </a:extLst>
+            </p:cNvPr>
+            <p:cNvCxnSpPr>
+              <a:cxnSpLocks/>
+            </p:cNvCxnSpPr>
+            <p:nvPr/>
+          </p:nvCxnSpPr>
+          <p:spPr>
+            <a:xfrm>
+              <a:off x="3870374" y="2670919"/>
+              <a:ext cx="410067" cy="0"/>
+            </a:xfrm>
+            <a:prstGeom prst="line">
+              <a:avLst/>
+            </a:prstGeom>
+          </p:spPr>
+          <p:style>
+            <a:lnRef idx="2">
+              <a:schemeClr val="accent1"/>
+            </a:lnRef>
+            <a:fillRef idx="0">
+              <a:schemeClr val="accent1"/>
+            </a:fillRef>
+            <a:effectRef idx="1">
+              <a:schemeClr val="accent1"/>
+            </a:effectRef>
+            <a:fontRef idx="minor">
+              <a:schemeClr val="tx1"/>
+            </a:fontRef>
+          </p:style>
+        </p:cxnSp>
+        <p:cxnSp>
+          <p:nvCxnSpPr>
+            <p:cNvPr id="66" name="直接连接符 65">
+              <a:extLst>
+                <a:ext uri="{FF2B5EF4-FFF2-40B4-BE49-F238E27FC236}">
+                  <a16:creationId xmlns:a16="http://schemas.microsoft.com/office/drawing/2014/main" id="{5D7648DA-1110-4ECF-A8D4-2E0C2BBE8189}"/>
+                </a:ext>
+              </a:extLst>
+            </p:cNvPr>
+            <p:cNvCxnSpPr>
+              <a:cxnSpLocks/>
+            </p:cNvCxnSpPr>
+            <p:nvPr/>
+          </p:nvCxnSpPr>
+          <p:spPr>
+            <a:xfrm>
+              <a:off x="3866329" y="3331653"/>
+              <a:ext cx="410067" cy="0"/>
+            </a:xfrm>
+            <a:prstGeom prst="line">
+              <a:avLst/>
+            </a:prstGeom>
+          </p:spPr>
+          <p:style>
+            <a:lnRef idx="2">
+              <a:schemeClr val="accent1"/>
+            </a:lnRef>
+            <a:fillRef idx="0">
+              <a:schemeClr val="accent1"/>
+            </a:fillRef>
+            <a:effectRef idx="1">
+              <a:schemeClr val="accent1"/>
+            </a:effectRef>
+            <a:fontRef idx="minor">
+              <a:schemeClr val="tx1"/>
+            </a:fontRef>
+          </p:style>
+        </p:cxnSp>
+        <p:sp>
+          <p:nvSpPr>
+            <p:cNvPr id="67" name="椭圆 66">
+              <a:extLst>
+                <a:ext uri="{FF2B5EF4-FFF2-40B4-BE49-F238E27FC236}">
+                  <a16:creationId xmlns:a16="http://schemas.microsoft.com/office/drawing/2014/main" id="{82868DBC-4B08-468A-9203-FBD2B763D06E}"/>
+                </a:ext>
+              </a:extLst>
+            </p:cNvPr>
+            <p:cNvSpPr/>
+            <p:nvPr/>
+          </p:nvSpPr>
+          <p:spPr>
+            <a:xfrm>
+              <a:off x="3870374" y="3308794"/>
+              <a:ext cx="45719" cy="45719"/>
+            </a:xfrm>
+            <a:prstGeom prst="ellipse">
+              <a:avLst/>
+            </a:prstGeom>
+            <a:solidFill>
+              <a:schemeClr val="bg1"/>
+            </a:solidFill>
+          </p:spPr>
+          <p:style>
+            <a:lnRef idx="2">
+              <a:schemeClr val="accent1">
+                <a:shade val="50000"/>
+              </a:schemeClr>
+            </a:lnRef>
+            <a:fillRef idx="1">
+              <a:schemeClr val="accent1"/>
+            </a:fillRef>
+            <a:effectRef idx="0">
+              <a:schemeClr val="accent1"/>
+            </a:effectRef>
+            <a:fontRef idx="minor">
+              <a:schemeClr val="lt1"/>
+            </a:fontRef>
+          </p:style>
+          <p:txBody>
+            <a:bodyPr rtlCol="0" anchor="ctr"/>
+            <a:lstStyle/>
+            <a:p>
+              <a:pPr algn="ctr"/>
+              <a:endParaRPr lang="zh-CN" altLang="en-US"/>
+            </a:p>
+          </p:txBody>
+        </p:sp>
+        <p:cxnSp>
+          <p:nvCxnSpPr>
+            <p:cNvPr id="68" name="直接连接符 67">
+              <a:extLst>
+                <a:ext uri="{FF2B5EF4-FFF2-40B4-BE49-F238E27FC236}">
+                  <a16:creationId xmlns:a16="http://schemas.microsoft.com/office/drawing/2014/main" id="{8C4DC5A3-EEBB-4D4F-8D85-4D63DBDF7D6C}"/>
+                </a:ext>
+              </a:extLst>
+            </p:cNvPr>
+            <p:cNvCxnSpPr>
+              <a:cxnSpLocks/>
+            </p:cNvCxnSpPr>
+            <p:nvPr/>
+          </p:nvCxnSpPr>
+          <p:spPr>
+            <a:xfrm>
+              <a:off x="2889787" y="2670919"/>
+              <a:ext cx="410067" cy="0"/>
+            </a:xfrm>
+            <a:prstGeom prst="line">
+              <a:avLst/>
+            </a:prstGeom>
+          </p:spPr>
+          <p:style>
+            <a:lnRef idx="2">
+              <a:schemeClr val="accent1"/>
+            </a:lnRef>
+            <a:fillRef idx="0">
+              <a:schemeClr val="accent1"/>
+            </a:fillRef>
+            <a:effectRef idx="1">
+              <a:schemeClr val="accent1"/>
+            </a:effectRef>
+            <a:fontRef idx="minor">
+              <a:schemeClr val="tx1"/>
+            </a:fontRef>
+          </p:style>
+        </p:cxnSp>
+        <p:cxnSp>
+          <p:nvCxnSpPr>
+            <p:cNvPr id="69" name="直接连接符 68">
+              <a:extLst>
+                <a:ext uri="{FF2B5EF4-FFF2-40B4-BE49-F238E27FC236}">
+                  <a16:creationId xmlns:a16="http://schemas.microsoft.com/office/drawing/2014/main" id="{57292674-9F0E-48CA-8451-B7C563072266}"/>
+                </a:ext>
+              </a:extLst>
+            </p:cNvPr>
+            <p:cNvCxnSpPr>
+              <a:cxnSpLocks/>
+            </p:cNvCxnSpPr>
+            <p:nvPr/>
+          </p:nvCxnSpPr>
+          <p:spPr>
+            <a:xfrm>
+              <a:off x="2884354" y="3361553"/>
+              <a:ext cx="410067" cy="0"/>
+            </a:xfrm>
+            <a:prstGeom prst="line">
+              <a:avLst/>
+            </a:prstGeom>
+          </p:spPr>
+          <p:style>
+            <a:lnRef idx="2">
+              <a:schemeClr val="accent1"/>
+            </a:lnRef>
+            <a:fillRef idx="0">
+              <a:schemeClr val="accent1"/>
+            </a:fillRef>
+            <a:effectRef idx="1">
+              <a:schemeClr val="accent1"/>
+            </a:effectRef>
+            <a:fontRef idx="minor">
+              <a:schemeClr val="tx1"/>
+            </a:fontRef>
+          </p:style>
+        </p:cxnSp>
+        <p:cxnSp>
+          <p:nvCxnSpPr>
+            <p:cNvPr id="70" name="直接连接符 69">
+              <a:extLst>
+                <a:ext uri="{FF2B5EF4-FFF2-40B4-BE49-F238E27FC236}">
+                  <a16:creationId xmlns:a16="http://schemas.microsoft.com/office/drawing/2014/main" id="{3517599F-F31E-4D31-A042-B99C2CD84911}"/>
+                </a:ext>
+              </a:extLst>
+            </p:cNvPr>
+            <p:cNvCxnSpPr>
+              <a:cxnSpLocks/>
+            </p:cNvCxnSpPr>
+            <p:nvPr/>
+          </p:nvCxnSpPr>
+          <p:spPr>
+            <a:xfrm>
+              <a:off x="3074194" y="3002829"/>
+              <a:ext cx="220227" cy="0"/>
+            </a:xfrm>
+            <a:prstGeom prst="line">
+              <a:avLst/>
+            </a:prstGeom>
+          </p:spPr>
+          <p:style>
+            <a:lnRef idx="2">
+              <a:schemeClr val="accent1"/>
+            </a:lnRef>
+            <a:fillRef idx="0">
+              <a:schemeClr val="accent1"/>
+            </a:fillRef>
+            <a:effectRef idx="1">
+              <a:schemeClr val="accent1"/>
+            </a:effectRef>
+            <a:fontRef idx="minor">
+              <a:schemeClr val="tx1"/>
+            </a:fontRef>
+          </p:style>
+        </p:cxnSp>
+      </p:grpSp>
+      <p:grpSp>
+        <p:nvGrpSpPr>
+          <p:cNvPr id="71" name="组合 70">
+            <a:extLst>
+              <a:ext uri="{FF2B5EF4-FFF2-40B4-BE49-F238E27FC236}">
+                <a16:creationId xmlns:a16="http://schemas.microsoft.com/office/drawing/2014/main" id="{E93A3FF8-F35B-41C0-8D69-0D4E6BDF2432}"/>
+              </a:ext>
+            </a:extLst>
+          </p:cNvPr>
+          <p:cNvGrpSpPr/>
+          <p:nvPr/>
+        </p:nvGrpSpPr>
+        <p:grpSpPr>
+          <a:xfrm>
+            <a:off x="7500312" y="2486253"/>
+            <a:ext cx="1396087" cy="1033153"/>
+            <a:chOff x="2884354" y="2486253"/>
+            <a:chExt cx="1396087" cy="1033153"/>
+          </a:xfrm>
+        </p:grpSpPr>
+        <p:sp>
+          <p:nvSpPr>
+            <p:cNvPr id="72" name="矩形 71">
+              <a:extLst>
+                <a:ext uri="{FF2B5EF4-FFF2-40B4-BE49-F238E27FC236}">
+                  <a16:creationId xmlns:a16="http://schemas.microsoft.com/office/drawing/2014/main" id="{FA720CE6-C30F-4668-BA45-83BC5D1180D5}"/>
+                </a:ext>
+              </a:extLst>
+            </p:cNvPr>
+            <p:cNvSpPr/>
+            <p:nvPr/>
+          </p:nvSpPr>
+          <p:spPr>
+            <a:xfrm>
+              <a:off x="3294421" y="2486253"/>
+              <a:ext cx="575953" cy="1033153"/>
+            </a:xfrm>
+            <a:prstGeom prst="rect">
+              <a:avLst/>
+            </a:prstGeom>
+            <a:noFill/>
+          </p:spPr>
+          <p:style>
+            <a:lnRef idx="2">
+              <a:schemeClr val="accent1">
+                <a:shade val="50000"/>
+              </a:schemeClr>
+            </a:lnRef>
+            <a:fillRef idx="1">
+              <a:schemeClr val="accent1"/>
+            </a:fillRef>
+            <a:effectRef idx="0">
+              <a:schemeClr val="accent1"/>
+            </a:effectRef>
+            <a:fontRef idx="minor">
+              <a:schemeClr val="lt1"/>
+            </a:fontRef>
+          </p:style>
+          <p:txBody>
+            <a:bodyPr rtlCol="0" anchor="ctr"/>
+            <a:lstStyle/>
+            <a:p>
+              <a:pPr algn="ctr"/>
+              <a:endParaRPr lang="zh-CN" altLang="en-US" dirty="0">
+                <a:solidFill>
+                  <a:schemeClr val="tx1"/>
+                </a:solidFill>
+              </a:endParaRPr>
+            </a:p>
+          </p:txBody>
+        </p:sp>
+        <p:sp>
+          <p:nvSpPr>
+            <p:cNvPr id="73" name="直角三角形 72">
+              <a:extLst>
+                <a:ext uri="{FF2B5EF4-FFF2-40B4-BE49-F238E27FC236}">
+                  <a16:creationId xmlns:a16="http://schemas.microsoft.com/office/drawing/2014/main" id="{78BBB5DA-4561-49C3-A9AC-CAB45E82F918}"/>
+                </a:ext>
+              </a:extLst>
+            </p:cNvPr>
+            <p:cNvSpPr/>
+            <p:nvPr/>
+          </p:nvSpPr>
+          <p:spPr>
+            <a:xfrm rot="13320000">
+              <a:off x="3190930" y="2889571"/>
+              <a:ext cx="206982" cy="226517"/>
+            </a:xfrm>
+            <a:prstGeom prst="rtTriangle">
+              <a:avLst/>
+            </a:prstGeom>
+            <a:noFill/>
+          </p:spPr>
+          <p:style>
+            <a:lnRef idx="2">
+              <a:schemeClr val="accent1">
+                <a:shade val="50000"/>
+              </a:schemeClr>
+            </a:lnRef>
+            <a:fillRef idx="1">
+              <a:schemeClr val="accent1"/>
+            </a:fillRef>
+            <a:effectRef idx="0">
+              <a:schemeClr val="accent1"/>
+            </a:effectRef>
+            <a:fontRef idx="minor">
+              <a:schemeClr val="lt1"/>
+            </a:fontRef>
+          </p:style>
+          <p:txBody>
+            <a:bodyPr rtlCol="0" anchor="ctr"/>
+            <a:lstStyle/>
+            <a:p>
+              <a:pPr algn="ctr"/>
+              <a:endParaRPr lang="zh-CN" altLang="en-US"/>
+            </a:p>
+          </p:txBody>
+        </p:sp>
+        <mc:AlternateContent xmlns:mc="http://schemas.openxmlformats.org/markup-compatibility/2006">
+          <mc:Choice xmlns:a14="http://schemas.microsoft.com/office/drawing/2010/main" Requires="a14">
+            <p:sp>
+              <p:nvSpPr>
+                <p:cNvPr id="74" name="文本框 73">
+                  <a:extLst>
+                    <a:ext uri="{FF2B5EF4-FFF2-40B4-BE49-F238E27FC236}">
+                      <a16:creationId xmlns:a16="http://schemas.microsoft.com/office/drawing/2014/main" id="{5F1A5141-C09C-420D-945E-0DBDCEE3FB85}"/>
+                    </a:ext>
+                  </a:extLst>
+                </p:cNvPr>
+                <p:cNvSpPr txBox="1"/>
+                <p:nvPr/>
+              </p:nvSpPr>
+              <p:spPr>
+                <a:xfrm>
+                  <a:off x="3557634" y="3146988"/>
+                  <a:ext cx="409407" cy="369332"/>
+                </a:xfrm>
+                <a:prstGeom prst="rect">
+                  <a:avLst/>
+                </a:prstGeom>
+                <a:noFill/>
+              </p:spPr>
+              <p:txBody>
+                <a:bodyPr wrap="square" rtlCol="0">
+                  <a:spAutoFit/>
+                </a:bodyPr>
+                <a:lstStyle/>
+                <a:p>
+                  <a14:m>
+                    <m:oMathPara xmlns:m="http://schemas.openxmlformats.org/officeDocument/2006/math">
+                      <m:oMathParaPr>
+                        <m:jc m:val="centerGroup"/>
+                      </m:oMathParaPr>
+                      <m:oMath xmlns:m="http://schemas.openxmlformats.org/officeDocument/2006/math">
+                        <m:acc>
+                          <m:accPr>
+                            <m:chr m:val="̅"/>
+                            <m:ctrlPr>
+                              <a:rPr lang="en-US" altLang="zh-CN" i="1" dirty="0" smtClean="0">
+                                <a:latin typeface="Cambria Math" panose="02040503050406030204" pitchFamily="18" charset="0"/>
+                              </a:rPr>
+                            </m:ctrlPr>
+                          </m:accPr>
+                          <m:e>
+                            <m:r>
+                              <a:rPr lang="en-US" altLang="zh-CN" i="1" dirty="0" smtClean="0">
+                                <a:latin typeface="Cambria Math" panose="02040503050406030204" pitchFamily="18" charset="0"/>
+                              </a:rPr>
+                              <m:t>𝑄</m:t>
+                            </m:r>
+                          </m:e>
+                        </m:acc>
+                      </m:oMath>
+                    </m:oMathPara>
+                  </a14:m>
+                  <a:endParaRPr lang="zh-CN" altLang="en-US" dirty="0"/>
+                </a:p>
+              </p:txBody>
+            </p:sp>
+          </mc:Choice>
+          <mc:Fallback>
+            <p:sp>
+              <p:nvSpPr>
+                <p:cNvPr id="74" name="文本框 73">
+                  <a:extLst>
+                    <a:ext uri="{FF2B5EF4-FFF2-40B4-BE49-F238E27FC236}">
+                      <a16:creationId xmlns:a16="http://schemas.microsoft.com/office/drawing/2014/main" id="{5F1A5141-C09C-420D-945E-0DBDCEE3FB85}"/>
+                    </a:ext>
+                  </a:extLst>
+                </p:cNvPr>
+                <p:cNvSpPr txBox="1">
+                  <a:spLocks noRot="1" noChangeAspect="1" noMove="1" noResize="1" noEditPoints="1" noAdjustHandles="1" noChangeArrowheads="1" noChangeShapeType="1" noTextEdit="1"/>
+                </p:cNvSpPr>
+                <p:nvPr/>
+              </p:nvSpPr>
+              <p:spPr>
+                <a:xfrm>
+                  <a:off x="3557634" y="3146988"/>
+                  <a:ext cx="409407" cy="369332"/>
+                </a:xfrm>
+                <a:prstGeom prst="rect">
+                  <a:avLst/>
+                </a:prstGeom>
+                <a:blipFill>
+                  <a:blip r:embed="rId10"/>
+                  <a:stretch>
+                    <a:fillRect r="-2985" b="-9836"/>
+                  </a:stretch>
+                </a:blipFill>
+              </p:spPr>
+              <p:txBody>
+                <a:bodyPr/>
+                <a:lstStyle/>
+                <a:p>
+                  <a:r>
+                    <a:rPr lang="zh-CN" altLang="en-US">
+                      <a:noFill/>
+                    </a:rPr>
+                    <a:t> </a:t>
+                  </a:r>
+                </a:p>
+              </p:txBody>
+            </p:sp>
+          </mc:Fallback>
+        </mc:AlternateContent>
+        <mc:AlternateContent xmlns:mc="http://schemas.openxmlformats.org/markup-compatibility/2006">
+          <mc:Choice xmlns:a14="http://schemas.microsoft.com/office/drawing/2010/main" Requires="a14">
+            <p:sp>
+              <p:nvSpPr>
+                <p:cNvPr id="75" name="文本框 74">
+                  <a:extLst>
+                    <a:ext uri="{FF2B5EF4-FFF2-40B4-BE49-F238E27FC236}">
+                      <a16:creationId xmlns:a16="http://schemas.microsoft.com/office/drawing/2014/main" id="{31C4DCC5-FBEB-46C9-930C-F9694B7DF9C0}"/>
+                    </a:ext>
+                  </a:extLst>
+                </p:cNvPr>
+                <p:cNvSpPr txBox="1"/>
+                <p:nvPr/>
+              </p:nvSpPr>
+              <p:spPr>
+                <a:xfrm>
+                  <a:off x="3557634" y="2486253"/>
+                  <a:ext cx="409407" cy="369332"/>
+                </a:xfrm>
+                <a:prstGeom prst="rect">
+                  <a:avLst/>
+                </a:prstGeom>
+                <a:noFill/>
+              </p:spPr>
+              <p:txBody>
+                <a:bodyPr wrap="square" rtlCol="0">
+                  <a:spAutoFit/>
+                </a:bodyPr>
+                <a:lstStyle/>
+                <a:p>
+                  <a14:m>
+                    <m:oMathPara xmlns:m="http://schemas.openxmlformats.org/officeDocument/2006/math">
+                      <m:oMathParaPr>
+                        <m:jc m:val="centerGroup"/>
+                      </m:oMathParaPr>
+                      <m:oMath xmlns:m="http://schemas.openxmlformats.org/officeDocument/2006/math">
+                        <m:r>
+                          <a:rPr lang="en-US" altLang="zh-CN" b="0" i="1" smtClean="0">
+                            <a:latin typeface="Cambria Math" panose="02040503050406030204" pitchFamily="18" charset="0"/>
+                          </a:rPr>
+                          <m:t>𝑄</m:t>
+                        </m:r>
+                      </m:oMath>
+                    </m:oMathPara>
+                  </a14:m>
+                  <a:endParaRPr lang="zh-CN" altLang="en-US" dirty="0"/>
+                </a:p>
+              </p:txBody>
+            </p:sp>
+          </mc:Choice>
+          <mc:Fallback>
+            <p:sp>
+              <p:nvSpPr>
+                <p:cNvPr id="75" name="文本框 74">
+                  <a:extLst>
+                    <a:ext uri="{FF2B5EF4-FFF2-40B4-BE49-F238E27FC236}">
+                      <a16:creationId xmlns:a16="http://schemas.microsoft.com/office/drawing/2014/main" id="{31C4DCC5-FBEB-46C9-930C-F9694B7DF9C0}"/>
+                    </a:ext>
+                  </a:extLst>
+                </p:cNvPr>
+                <p:cNvSpPr txBox="1">
+                  <a:spLocks noRot="1" noChangeAspect="1" noMove="1" noResize="1" noEditPoints="1" noAdjustHandles="1" noChangeArrowheads="1" noChangeShapeType="1" noTextEdit="1"/>
+                </p:cNvSpPr>
+                <p:nvPr/>
+              </p:nvSpPr>
+              <p:spPr>
+                <a:xfrm>
+                  <a:off x="3557634" y="2486253"/>
+                  <a:ext cx="409407" cy="369332"/>
+                </a:xfrm>
+                <a:prstGeom prst="rect">
+                  <a:avLst/>
+                </a:prstGeom>
+                <a:blipFill>
+                  <a:blip r:embed="rId11"/>
+                  <a:stretch>
+                    <a:fillRect b="-10000"/>
+                  </a:stretch>
+                </a:blipFill>
+              </p:spPr>
+              <p:txBody>
+                <a:bodyPr/>
+                <a:lstStyle/>
+                <a:p>
+                  <a:r>
+                    <a:rPr lang="zh-CN" altLang="en-US">
+                      <a:noFill/>
+                    </a:rPr>
+                    <a:t> </a:t>
+                  </a:r>
+                </a:p>
+              </p:txBody>
+            </p:sp>
+          </mc:Fallback>
+        </mc:AlternateContent>
+        <mc:AlternateContent xmlns:mc="http://schemas.openxmlformats.org/markup-compatibility/2006">
+          <mc:Choice xmlns:a14="http://schemas.microsoft.com/office/drawing/2010/main" Requires="a14">
+            <p:sp>
+              <p:nvSpPr>
+                <p:cNvPr id="76" name="文本框 75">
+                  <a:extLst>
+                    <a:ext uri="{FF2B5EF4-FFF2-40B4-BE49-F238E27FC236}">
+                      <a16:creationId xmlns:a16="http://schemas.microsoft.com/office/drawing/2014/main" id="{C0B413CD-2B70-445E-8F0D-842D638258C0}"/>
+                    </a:ext>
+                  </a:extLst>
+                </p:cNvPr>
+                <p:cNvSpPr txBox="1"/>
+                <p:nvPr/>
+              </p:nvSpPr>
+              <p:spPr>
+                <a:xfrm>
+                  <a:off x="3277196" y="2486253"/>
+                  <a:ext cx="339837" cy="369332"/>
+                </a:xfrm>
+                <a:prstGeom prst="rect">
+                  <a:avLst/>
+                </a:prstGeom>
+                <a:noFill/>
+              </p:spPr>
+              <p:txBody>
+                <a:bodyPr wrap="square" rtlCol="0">
+                  <a:spAutoFit/>
+                </a:bodyPr>
+                <a:lstStyle/>
+                <a:p>
+                  <a14:m>
+                    <m:oMathPara xmlns:m="http://schemas.openxmlformats.org/officeDocument/2006/math">
+                      <m:oMathParaPr>
+                        <m:jc m:val="centerGroup"/>
+                      </m:oMathParaPr>
+                      <m:oMath xmlns:m="http://schemas.openxmlformats.org/officeDocument/2006/math">
+                        <m:r>
+                          <a:rPr lang="en-US" altLang="zh-CN" b="0" i="1" smtClean="0">
+                            <a:latin typeface="Cambria Math" panose="02040503050406030204" pitchFamily="18" charset="0"/>
+                          </a:rPr>
+                          <m:t>𝐽</m:t>
+                        </m:r>
+                      </m:oMath>
+                    </m:oMathPara>
+                  </a14:m>
+                  <a:endParaRPr lang="zh-CN" altLang="en-US" dirty="0"/>
+                </a:p>
+              </p:txBody>
+            </p:sp>
+          </mc:Choice>
+          <mc:Fallback>
+            <p:sp>
+              <p:nvSpPr>
+                <p:cNvPr id="76" name="文本框 75">
+                  <a:extLst>
+                    <a:ext uri="{FF2B5EF4-FFF2-40B4-BE49-F238E27FC236}">
+                      <a16:creationId xmlns:a16="http://schemas.microsoft.com/office/drawing/2014/main" id="{C0B413CD-2B70-445E-8F0D-842D638258C0}"/>
+                    </a:ext>
+                  </a:extLst>
+                </p:cNvPr>
+                <p:cNvSpPr txBox="1">
+                  <a:spLocks noRot="1" noChangeAspect="1" noMove="1" noResize="1" noEditPoints="1" noAdjustHandles="1" noChangeArrowheads="1" noChangeShapeType="1" noTextEdit="1"/>
+                </p:cNvSpPr>
+                <p:nvPr/>
+              </p:nvSpPr>
+              <p:spPr>
+                <a:xfrm>
+                  <a:off x="3277196" y="2486253"/>
+                  <a:ext cx="339837" cy="369332"/>
+                </a:xfrm>
+                <a:prstGeom prst="rect">
+                  <a:avLst/>
+                </a:prstGeom>
+                <a:blipFill>
+                  <a:blip r:embed="rId12"/>
+                  <a:stretch>
+                    <a:fillRect b="-10000"/>
+                  </a:stretch>
+                </a:blipFill>
+              </p:spPr>
+              <p:txBody>
+                <a:bodyPr/>
+                <a:lstStyle/>
+                <a:p>
+                  <a:r>
+                    <a:rPr lang="zh-CN" altLang="en-US">
+                      <a:noFill/>
+                    </a:rPr>
+                    <a:t> </a:t>
+                  </a:r>
+                </a:p>
+              </p:txBody>
+            </p:sp>
+          </mc:Fallback>
+        </mc:AlternateContent>
+        <mc:AlternateContent xmlns:mc="http://schemas.openxmlformats.org/markup-compatibility/2006">
+          <mc:Choice xmlns:a14="http://schemas.microsoft.com/office/drawing/2010/main" Requires="a14">
+            <p:sp>
+              <p:nvSpPr>
+                <p:cNvPr id="77" name="文本框 76">
+                  <a:extLst>
+                    <a:ext uri="{FF2B5EF4-FFF2-40B4-BE49-F238E27FC236}">
+                      <a16:creationId xmlns:a16="http://schemas.microsoft.com/office/drawing/2014/main" id="{6F5E22D7-8FDC-4F12-AB0E-DF6CA484314A}"/>
+                    </a:ext>
+                  </a:extLst>
+                </p:cNvPr>
+                <p:cNvSpPr txBox="1"/>
+                <p:nvPr/>
+              </p:nvSpPr>
+              <p:spPr>
+                <a:xfrm>
+                  <a:off x="3239076" y="3146988"/>
+                  <a:ext cx="416076" cy="369332"/>
+                </a:xfrm>
+                <a:prstGeom prst="rect">
+                  <a:avLst/>
+                </a:prstGeom>
+                <a:noFill/>
+              </p:spPr>
+              <p:txBody>
+                <a:bodyPr wrap="square" rtlCol="0">
+                  <a:spAutoFit/>
+                </a:bodyPr>
+                <a:lstStyle/>
+                <a:p>
+                  <a14:m>
+                    <m:oMathPara xmlns:m="http://schemas.openxmlformats.org/officeDocument/2006/math">
+                      <m:oMathParaPr>
+                        <m:jc m:val="centerGroup"/>
+                      </m:oMathParaPr>
+                      <m:oMath xmlns:m="http://schemas.openxmlformats.org/officeDocument/2006/math">
+                        <m:r>
+                          <a:rPr lang="en-US" altLang="zh-CN" b="0" i="1" smtClean="0">
+                            <a:latin typeface="Cambria Math" panose="02040503050406030204" pitchFamily="18" charset="0"/>
+                          </a:rPr>
+                          <m:t>𝐾</m:t>
+                        </m:r>
+                      </m:oMath>
+                    </m:oMathPara>
+                  </a14:m>
+                  <a:endParaRPr lang="zh-CN" altLang="en-US" dirty="0"/>
+                </a:p>
+              </p:txBody>
+            </p:sp>
+          </mc:Choice>
+          <mc:Fallback>
+            <p:sp>
+              <p:nvSpPr>
+                <p:cNvPr id="77" name="文本框 76">
+                  <a:extLst>
+                    <a:ext uri="{FF2B5EF4-FFF2-40B4-BE49-F238E27FC236}">
+                      <a16:creationId xmlns:a16="http://schemas.microsoft.com/office/drawing/2014/main" id="{6F5E22D7-8FDC-4F12-AB0E-DF6CA484314A}"/>
+                    </a:ext>
+                  </a:extLst>
+                </p:cNvPr>
+                <p:cNvSpPr txBox="1">
+                  <a:spLocks noRot="1" noChangeAspect="1" noMove="1" noResize="1" noEditPoints="1" noAdjustHandles="1" noChangeArrowheads="1" noChangeShapeType="1" noTextEdit="1"/>
+                </p:cNvSpPr>
+                <p:nvPr/>
+              </p:nvSpPr>
+              <p:spPr>
+                <a:xfrm>
+                  <a:off x="3239076" y="3146988"/>
+                  <a:ext cx="416076" cy="369332"/>
+                </a:xfrm>
+                <a:prstGeom prst="rect">
+                  <a:avLst/>
+                </a:prstGeom>
+                <a:blipFill>
+                  <a:blip r:embed="rId13"/>
+                  <a:stretch>
+                    <a:fillRect/>
+                  </a:stretch>
+                </a:blipFill>
+              </p:spPr>
+              <p:txBody>
+                <a:bodyPr/>
+                <a:lstStyle/>
+                <a:p>
+                  <a:r>
+                    <a:rPr lang="zh-CN" altLang="en-US">
+                      <a:noFill/>
+                    </a:rPr>
+                    <a:t> </a:t>
+                  </a:r>
+                </a:p>
+              </p:txBody>
+            </p:sp>
+          </mc:Fallback>
+        </mc:AlternateContent>
+        <p:cxnSp>
+          <p:nvCxnSpPr>
+            <p:cNvPr id="78" name="直接连接符 77">
+              <a:extLst>
+                <a:ext uri="{FF2B5EF4-FFF2-40B4-BE49-F238E27FC236}">
+                  <a16:creationId xmlns:a16="http://schemas.microsoft.com/office/drawing/2014/main" id="{295F5F47-B313-481E-B947-F01BF539F5D9}"/>
+                </a:ext>
+              </a:extLst>
+            </p:cNvPr>
+            <p:cNvCxnSpPr>
+              <a:cxnSpLocks/>
+            </p:cNvCxnSpPr>
+            <p:nvPr/>
+          </p:nvCxnSpPr>
+          <p:spPr>
+            <a:xfrm>
+              <a:off x="3870374" y="2670919"/>
+              <a:ext cx="410067" cy="0"/>
+            </a:xfrm>
+            <a:prstGeom prst="line">
+              <a:avLst/>
+            </a:prstGeom>
+          </p:spPr>
+          <p:style>
+            <a:lnRef idx="2">
+              <a:schemeClr val="accent1"/>
+            </a:lnRef>
+            <a:fillRef idx="0">
+              <a:schemeClr val="accent1"/>
+            </a:fillRef>
+            <a:effectRef idx="1">
+              <a:schemeClr val="accent1"/>
+            </a:effectRef>
+            <a:fontRef idx="minor">
+              <a:schemeClr val="tx1"/>
+            </a:fontRef>
+          </p:style>
+        </p:cxnSp>
+        <p:cxnSp>
+          <p:nvCxnSpPr>
+            <p:cNvPr id="79" name="直接连接符 78">
+              <a:extLst>
+                <a:ext uri="{FF2B5EF4-FFF2-40B4-BE49-F238E27FC236}">
+                  <a16:creationId xmlns:a16="http://schemas.microsoft.com/office/drawing/2014/main" id="{8FC10DA6-CDE7-45C6-8776-70126749CD1C}"/>
+                </a:ext>
+              </a:extLst>
+            </p:cNvPr>
+            <p:cNvCxnSpPr>
+              <a:cxnSpLocks/>
+            </p:cNvCxnSpPr>
+            <p:nvPr/>
+          </p:nvCxnSpPr>
+          <p:spPr>
+            <a:xfrm>
+              <a:off x="3866329" y="3331653"/>
+              <a:ext cx="410067" cy="0"/>
+            </a:xfrm>
+            <a:prstGeom prst="line">
+              <a:avLst/>
+            </a:prstGeom>
+          </p:spPr>
+          <p:style>
+            <a:lnRef idx="2">
+              <a:schemeClr val="accent1"/>
+            </a:lnRef>
+            <a:fillRef idx="0">
+              <a:schemeClr val="accent1"/>
+            </a:fillRef>
+            <a:effectRef idx="1">
+              <a:schemeClr val="accent1"/>
+            </a:effectRef>
+            <a:fontRef idx="minor">
+              <a:schemeClr val="tx1"/>
+            </a:fontRef>
+          </p:style>
+        </p:cxnSp>
+        <p:sp>
+          <p:nvSpPr>
+            <p:cNvPr id="80" name="椭圆 79">
+              <a:extLst>
+                <a:ext uri="{FF2B5EF4-FFF2-40B4-BE49-F238E27FC236}">
+                  <a16:creationId xmlns:a16="http://schemas.microsoft.com/office/drawing/2014/main" id="{C05E8FCE-18E6-4ED9-A9C1-A2D56837B5B0}"/>
+                </a:ext>
+              </a:extLst>
+            </p:cNvPr>
+            <p:cNvSpPr/>
+            <p:nvPr/>
+          </p:nvSpPr>
+          <p:spPr>
+            <a:xfrm>
+              <a:off x="3870374" y="3308794"/>
+              <a:ext cx="45719" cy="45719"/>
+            </a:xfrm>
+            <a:prstGeom prst="ellipse">
+              <a:avLst/>
+            </a:prstGeom>
+            <a:solidFill>
+              <a:schemeClr val="bg1"/>
+            </a:solidFill>
+          </p:spPr>
+          <p:style>
+            <a:lnRef idx="2">
+              <a:schemeClr val="accent1">
+                <a:shade val="50000"/>
+              </a:schemeClr>
+            </a:lnRef>
+            <a:fillRef idx="1">
+              <a:schemeClr val="accent1"/>
+            </a:fillRef>
+            <a:effectRef idx="0">
+              <a:schemeClr val="accent1"/>
+            </a:effectRef>
+            <a:fontRef idx="minor">
+              <a:schemeClr val="lt1"/>
+            </a:fontRef>
+          </p:style>
+          <p:txBody>
+            <a:bodyPr rtlCol="0" anchor="ctr"/>
+            <a:lstStyle/>
+            <a:p>
+              <a:pPr algn="ctr"/>
+              <a:endParaRPr lang="zh-CN" altLang="en-US"/>
+            </a:p>
+          </p:txBody>
+        </p:sp>
+        <p:cxnSp>
+          <p:nvCxnSpPr>
+            <p:cNvPr id="81" name="直接连接符 80">
+              <a:extLst>
+                <a:ext uri="{FF2B5EF4-FFF2-40B4-BE49-F238E27FC236}">
+                  <a16:creationId xmlns:a16="http://schemas.microsoft.com/office/drawing/2014/main" id="{340E7530-07F6-465B-963D-8633B57511B1}"/>
+                </a:ext>
+              </a:extLst>
+            </p:cNvPr>
+            <p:cNvCxnSpPr>
+              <a:cxnSpLocks/>
+            </p:cNvCxnSpPr>
+            <p:nvPr/>
+          </p:nvCxnSpPr>
+          <p:spPr>
+            <a:xfrm>
+              <a:off x="2889787" y="2670919"/>
+              <a:ext cx="410067" cy="0"/>
+            </a:xfrm>
+            <a:prstGeom prst="line">
+              <a:avLst/>
+            </a:prstGeom>
+          </p:spPr>
+          <p:style>
+            <a:lnRef idx="2">
+              <a:schemeClr val="accent1"/>
+            </a:lnRef>
+            <a:fillRef idx="0">
+              <a:schemeClr val="accent1"/>
+            </a:fillRef>
+            <a:effectRef idx="1">
+              <a:schemeClr val="accent1"/>
+            </a:effectRef>
+            <a:fontRef idx="minor">
+              <a:schemeClr val="tx1"/>
+            </a:fontRef>
+          </p:style>
+        </p:cxnSp>
+        <p:cxnSp>
+          <p:nvCxnSpPr>
+            <p:cNvPr id="82" name="直接连接符 81">
+              <a:extLst>
+                <a:ext uri="{FF2B5EF4-FFF2-40B4-BE49-F238E27FC236}">
+                  <a16:creationId xmlns:a16="http://schemas.microsoft.com/office/drawing/2014/main" id="{9AD3EE56-3A35-468D-A9C4-79229189B45F}"/>
+                </a:ext>
+              </a:extLst>
+            </p:cNvPr>
+            <p:cNvCxnSpPr>
+              <a:cxnSpLocks/>
+            </p:cNvCxnSpPr>
+            <p:nvPr/>
+          </p:nvCxnSpPr>
+          <p:spPr>
+            <a:xfrm>
+              <a:off x="2884354" y="3361553"/>
+              <a:ext cx="410067" cy="0"/>
+            </a:xfrm>
+            <a:prstGeom prst="line">
+              <a:avLst/>
+            </a:prstGeom>
+          </p:spPr>
+          <p:style>
+            <a:lnRef idx="2">
+              <a:schemeClr val="accent1"/>
+            </a:lnRef>
+            <a:fillRef idx="0">
+              <a:schemeClr val="accent1"/>
+            </a:fillRef>
+            <a:effectRef idx="1">
+              <a:schemeClr val="accent1"/>
+            </a:effectRef>
+            <a:fontRef idx="minor">
+              <a:schemeClr val="tx1"/>
+            </a:fontRef>
+          </p:style>
+        </p:cxnSp>
+        <p:cxnSp>
+          <p:nvCxnSpPr>
+            <p:cNvPr id="83" name="直接连接符 82">
+              <a:extLst>
+                <a:ext uri="{FF2B5EF4-FFF2-40B4-BE49-F238E27FC236}">
+                  <a16:creationId xmlns:a16="http://schemas.microsoft.com/office/drawing/2014/main" id="{121DEF0C-10F8-46B5-A82E-531C5AFEEAF2}"/>
+                </a:ext>
+              </a:extLst>
+            </p:cNvPr>
+            <p:cNvCxnSpPr>
+              <a:cxnSpLocks/>
+            </p:cNvCxnSpPr>
+            <p:nvPr/>
+          </p:nvCxnSpPr>
+          <p:spPr>
+            <a:xfrm>
+              <a:off x="3074194" y="3002829"/>
+              <a:ext cx="220227" cy="0"/>
+            </a:xfrm>
+            <a:prstGeom prst="line">
+              <a:avLst/>
+            </a:prstGeom>
+          </p:spPr>
+          <p:style>
+            <a:lnRef idx="2">
+              <a:schemeClr val="accent1"/>
+            </a:lnRef>
+            <a:fillRef idx="0">
+              <a:schemeClr val="accent1"/>
+            </a:fillRef>
+            <a:effectRef idx="1">
+              <a:schemeClr val="accent1"/>
+            </a:effectRef>
+            <a:fontRef idx="minor">
+              <a:schemeClr val="tx1"/>
+            </a:fontRef>
+          </p:style>
+        </p:cxnSp>
+      </p:grpSp>
+      <p:cxnSp>
+        <p:nvCxnSpPr>
+          <p:cNvPr id="85" name="连接符: 肘形 84">
+            <a:extLst>
+              <a:ext uri="{FF2B5EF4-FFF2-40B4-BE49-F238E27FC236}">
+                <a16:creationId xmlns:a16="http://schemas.microsoft.com/office/drawing/2014/main" id="{F2C1C5D2-D36D-445E-8A67-6B30D7287059}"/>
+              </a:ext>
+            </a:extLst>
+          </p:cNvPr>
+          <p:cNvCxnSpPr>
+            <a:cxnSpLocks/>
+          </p:cNvCxnSpPr>
+          <p:nvPr/>
+        </p:nvCxnSpPr>
+        <p:spPr>
+          <a:xfrm flipV="1">
+            <a:off x="2884354" y="3002830"/>
+            <a:ext cx="4820991" cy="998676"/>
+          </a:xfrm>
+          <a:prstGeom prst="bentConnector3">
+            <a:avLst>
+              <a:gd name="adj1" fmla="val 91095"/>
+            </a:avLst>
+          </a:prstGeom>
+        </p:spPr>
+        <p:style>
+          <a:lnRef idx="2">
+            <a:schemeClr val="accent1"/>
+          </a:lnRef>
+          <a:fillRef idx="0">
+            <a:schemeClr val="accent1"/>
+          </a:fillRef>
+          <a:effectRef idx="1">
+            <a:schemeClr val="accent1"/>
+          </a:effectRef>
+          <a:fontRef idx="minor">
+            <a:schemeClr val="tx1"/>
+          </a:fontRef>
+        </p:style>
+      </p:cxnSp>
+      <p:cxnSp>
+        <p:nvCxnSpPr>
+          <p:cNvPr id="91" name="直接连接符 90">
+            <a:extLst>
+              <a:ext uri="{FF2B5EF4-FFF2-40B4-BE49-F238E27FC236}">
+                <a16:creationId xmlns:a16="http://schemas.microsoft.com/office/drawing/2014/main" id="{267B94AB-FD06-498E-97B2-B3F059566AAB}"/>
+              </a:ext>
+            </a:extLst>
+          </p:cNvPr>
+          <p:cNvCxnSpPr>
+            <a:cxnSpLocks/>
+          </p:cNvCxnSpPr>
+          <p:nvPr/>
+        </p:nvCxnSpPr>
+        <p:spPr>
+          <a:xfrm>
+            <a:off x="3074194" y="3002829"/>
+            <a:ext cx="0" cy="998677"/>
+          </a:xfrm>
+          <a:prstGeom prst="line">
+            <a:avLst/>
+          </a:prstGeom>
+        </p:spPr>
+        <p:style>
+          <a:lnRef idx="2">
+            <a:schemeClr val="accent1"/>
+          </a:lnRef>
+          <a:fillRef idx="0">
+            <a:schemeClr val="accent1"/>
+          </a:fillRef>
+          <a:effectRef idx="1">
+            <a:schemeClr val="accent1"/>
+          </a:effectRef>
+          <a:fontRef idx="minor">
+            <a:schemeClr val="tx1"/>
+          </a:fontRef>
+        </p:style>
+      </p:cxnSp>
+      <p:cxnSp>
+        <p:nvCxnSpPr>
+          <p:cNvPr id="94" name="直接连接符 93">
+            <a:extLst>
+              <a:ext uri="{FF2B5EF4-FFF2-40B4-BE49-F238E27FC236}">
+                <a16:creationId xmlns:a16="http://schemas.microsoft.com/office/drawing/2014/main" id="{B5FEEB3F-AA2C-41B0-B27E-F39BC26DCA41}"/>
+              </a:ext>
+            </a:extLst>
+          </p:cNvPr>
+          <p:cNvCxnSpPr>
+            <a:cxnSpLocks/>
+          </p:cNvCxnSpPr>
+          <p:nvPr/>
+        </p:nvCxnSpPr>
+        <p:spPr>
+          <a:xfrm>
+            <a:off x="5198929" y="2670919"/>
+            <a:ext cx="0" cy="998677"/>
+          </a:xfrm>
+          <a:prstGeom prst="line">
+            <a:avLst/>
+          </a:prstGeom>
+        </p:spPr>
+        <p:style>
+          <a:lnRef idx="2">
+            <a:schemeClr val="accent1"/>
+          </a:lnRef>
+          <a:fillRef idx="0">
+            <a:schemeClr val="accent1"/>
+          </a:fillRef>
+          <a:effectRef idx="1">
+            <a:schemeClr val="accent1"/>
+          </a:effectRef>
+          <a:fontRef idx="minor">
+            <a:schemeClr val="tx1"/>
+          </a:fontRef>
+        </p:style>
+      </p:cxnSp>
+      <p:cxnSp>
+        <p:nvCxnSpPr>
+          <p:cNvPr id="95" name="直接连接符 94">
+            <a:extLst>
+              <a:ext uri="{FF2B5EF4-FFF2-40B4-BE49-F238E27FC236}">
+                <a16:creationId xmlns:a16="http://schemas.microsoft.com/office/drawing/2014/main" id="{9A7CDF93-E804-483A-A29E-361F4A9F9BC4}"/>
+              </a:ext>
+            </a:extLst>
+          </p:cNvPr>
+          <p:cNvCxnSpPr>
+            <a:cxnSpLocks/>
+          </p:cNvCxnSpPr>
+          <p:nvPr/>
+        </p:nvCxnSpPr>
+        <p:spPr>
+          <a:xfrm>
+            <a:off x="2884354" y="1966913"/>
+            <a:ext cx="0" cy="1394640"/>
+          </a:xfrm>
+          <a:prstGeom prst="line">
+            <a:avLst/>
+          </a:prstGeom>
+        </p:spPr>
+        <p:style>
+          <a:lnRef idx="2">
+            <a:schemeClr val="accent1"/>
+          </a:lnRef>
+          <a:fillRef idx="0">
+            <a:schemeClr val="accent1"/>
+          </a:fillRef>
+          <a:effectRef idx="1">
+            <a:schemeClr val="accent1"/>
+          </a:effectRef>
+          <a:fontRef idx="minor">
+            <a:schemeClr val="tx1"/>
+          </a:fontRef>
+        </p:style>
+      </p:cxnSp>
+      <p:cxnSp>
+        <p:nvCxnSpPr>
+          <p:cNvPr id="97" name="连接符: 肘形 96">
+            <a:extLst>
+              <a:ext uri="{FF2B5EF4-FFF2-40B4-BE49-F238E27FC236}">
+                <a16:creationId xmlns:a16="http://schemas.microsoft.com/office/drawing/2014/main" id="{7B1E3F7C-8709-4D48-94DF-6168894BC3FC}"/>
+              </a:ext>
+            </a:extLst>
+          </p:cNvPr>
+          <p:cNvCxnSpPr>
+            <a:cxnSpLocks/>
+          </p:cNvCxnSpPr>
+          <p:nvPr/>
+        </p:nvCxnSpPr>
+        <p:spPr>
+          <a:xfrm flipV="1">
+            <a:off x="6590971" y="2670919"/>
+            <a:ext cx="909341" cy="660734"/>
+          </a:xfrm>
+          <a:prstGeom prst="bentConnector3">
+            <a:avLst/>
+          </a:prstGeom>
+        </p:spPr>
+        <p:style>
+          <a:lnRef idx="2">
+            <a:schemeClr val="accent1"/>
+          </a:lnRef>
+          <a:fillRef idx="0">
+            <a:schemeClr val="accent1"/>
+          </a:fillRef>
+          <a:effectRef idx="1">
+            <a:schemeClr val="accent1"/>
+          </a:effectRef>
+          <a:fontRef idx="minor">
+            <a:schemeClr val="tx1"/>
+          </a:fontRef>
+        </p:style>
+      </p:cxnSp>
+      <p:cxnSp>
+        <p:nvCxnSpPr>
+          <p:cNvPr id="100" name="直接连接符 99">
+            <a:extLst>
+              <a:ext uri="{FF2B5EF4-FFF2-40B4-BE49-F238E27FC236}">
+                <a16:creationId xmlns:a16="http://schemas.microsoft.com/office/drawing/2014/main" id="{2DD604CB-1796-4B6A-97F4-BD721CB8286A}"/>
+              </a:ext>
+            </a:extLst>
+          </p:cNvPr>
+          <p:cNvCxnSpPr>
+            <a:cxnSpLocks/>
+          </p:cNvCxnSpPr>
+          <p:nvPr/>
+        </p:nvCxnSpPr>
+        <p:spPr>
+          <a:xfrm flipH="1">
+            <a:off x="4607961" y="3004578"/>
+            <a:ext cx="780809" cy="0"/>
+          </a:xfrm>
+          <a:prstGeom prst="line">
+            <a:avLst/>
+          </a:prstGeom>
+        </p:spPr>
+        <p:style>
+          <a:lnRef idx="2">
+            <a:schemeClr val="accent1"/>
+          </a:lnRef>
+          <a:fillRef idx="0">
+            <a:schemeClr val="accent1"/>
+          </a:fillRef>
+          <a:effectRef idx="1">
+            <a:schemeClr val="accent1"/>
+          </a:effectRef>
+          <a:fontRef idx="minor">
+            <a:schemeClr val="tx1"/>
+          </a:fontRef>
+        </p:style>
+      </p:cxnSp>
       <p:sp>
         <p:nvSpPr>
-          <p:cNvPr id="4" name="矩形 3">
-            <a:extLst>
-              <a:ext uri="{FF2B5EF4-FFF2-40B4-BE49-F238E27FC236}">
-                <a16:creationId xmlns:a16="http://schemas.microsoft.com/office/drawing/2014/main" id="{7A557AF8-A79D-451E-926D-8E3B525746F2}"/>
+          <p:cNvPr id="103" name="椭圆 102">
+            <a:extLst>
+              <a:ext uri="{FF2B5EF4-FFF2-40B4-BE49-F238E27FC236}">
+                <a16:creationId xmlns:a16="http://schemas.microsoft.com/office/drawing/2014/main" id="{9A9024DC-1C5E-4704-B1E3-77DAD47B2751}"/>
               </a:ext>
             </a:extLst>
           </p:cNvPr>
@@ -6311,13 +8796,15 @@
         </p:nvSpPr>
         <p:spPr>
           <a:xfrm>
-            <a:off x="3746488" y="2496518"/>
-            <a:ext cx="575953" cy="1033153"/>
-          </a:xfrm>
-          <a:prstGeom prst="rect">
+            <a:off x="2862846" y="2648059"/>
+            <a:ext cx="45719" cy="45719"/>
+          </a:xfrm>
+          <a:prstGeom prst="ellipse">
             <a:avLst/>
           </a:prstGeom>
-          <a:noFill/>
+          <a:solidFill>
+            <a:schemeClr val="accent1"/>
+          </a:solidFill>
         </p:spPr>
         <p:style>
           <a:lnRef idx="2">
@@ -6340,20 +8827,16 @@
           <a:lstStyle/>
           <a:p>
             <a:pPr algn="ctr"/>
-            <a:endParaRPr lang="zh-CN" altLang="en-US" dirty="0">
-              <a:solidFill>
-                <a:schemeClr val="tx1"/>
-              </a:solidFill>
-            </a:endParaRPr>
+            <a:endParaRPr lang="zh-CN" altLang="en-US"/>
           </a:p>
         </p:txBody>
       </p:sp>
       <p:sp>
         <p:nvSpPr>
-          <p:cNvPr id="5" name="直角三角形 4">
-            <a:extLst>
-              <a:ext uri="{FF2B5EF4-FFF2-40B4-BE49-F238E27FC236}">
-                <a16:creationId xmlns:a16="http://schemas.microsoft.com/office/drawing/2014/main" id="{0F6D4836-2BB3-4423-9FFE-4A83F66EA14A}"/>
+          <p:cNvPr id="104" name="椭圆 103">
+            <a:extLst>
+              <a:ext uri="{FF2B5EF4-FFF2-40B4-BE49-F238E27FC236}">
+                <a16:creationId xmlns:a16="http://schemas.microsoft.com/office/drawing/2014/main" id="{0FD0B4C7-FE10-43B8-89AD-20C25ADB434A}"/>
               </a:ext>
             </a:extLst>
           </p:cNvPr>
@@ -6361,14 +8844,16 @@
           <p:nvPr/>
         </p:nvSpPr>
         <p:spPr>
-          <a:xfrm rot="13320000">
-            <a:off x="3642997" y="2899836"/>
-            <a:ext cx="206982" cy="226517"/>
-          </a:xfrm>
-          <a:prstGeom prst="rtTriangle">
+          <a:xfrm>
+            <a:off x="5176068" y="3340526"/>
+            <a:ext cx="45719" cy="45719"/>
+          </a:xfrm>
+          <a:prstGeom prst="ellipse">
             <a:avLst/>
           </a:prstGeom>
-          <a:noFill/>
+          <a:solidFill>
+            <a:schemeClr val="accent1"/>
+          </a:solidFill>
         </p:spPr>
         <p:style>
           <a:lnRef idx="2">
@@ -6395,12 +8880,533 @@
           </a:p>
         </p:txBody>
       </p:sp>
+      <p:cxnSp>
+        <p:nvCxnSpPr>
+          <p:cNvPr id="108" name="直接连接符 107">
+            <a:extLst>
+              <a:ext uri="{FF2B5EF4-FFF2-40B4-BE49-F238E27FC236}">
+                <a16:creationId xmlns:a16="http://schemas.microsoft.com/office/drawing/2014/main" id="{3F9BB411-B5F9-415F-B68B-9CD84A65CD91}"/>
+              </a:ext>
+            </a:extLst>
+          </p:cNvPr>
+          <p:cNvCxnSpPr>
+            <a:cxnSpLocks/>
+          </p:cNvCxnSpPr>
+          <p:nvPr/>
+        </p:nvCxnSpPr>
+        <p:spPr>
+          <a:xfrm>
+            <a:off x="4610100" y="2305050"/>
+            <a:ext cx="0" cy="696236"/>
+          </a:xfrm>
+          <a:prstGeom prst="line">
+            <a:avLst/>
+          </a:prstGeom>
+        </p:spPr>
+        <p:style>
+          <a:lnRef idx="2">
+            <a:schemeClr val="accent1"/>
+          </a:lnRef>
+          <a:fillRef idx="0">
+            <a:schemeClr val="accent1"/>
+          </a:fillRef>
+          <a:effectRef idx="1">
+            <a:schemeClr val="accent1"/>
+          </a:effectRef>
+          <a:fontRef idx="minor">
+            <a:schemeClr val="tx1"/>
+          </a:fontRef>
+        </p:style>
+      </p:cxnSp>
       <p:sp>
         <p:nvSpPr>
-          <p:cNvPr id="7" name="文本框 6">
-            <a:extLst>
-              <a:ext uri="{FF2B5EF4-FFF2-40B4-BE49-F238E27FC236}">
-                <a16:creationId xmlns:a16="http://schemas.microsoft.com/office/drawing/2014/main" id="{445CCB81-203E-463E-92B4-98CE7CF11235}"/>
+          <p:cNvPr id="111" name="椭圆 110">
+            <a:extLst>
+              <a:ext uri="{FF2B5EF4-FFF2-40B4-BE49-F238E27FC236}">
+                <a16:creationId xmlns:a16="http://schemas.microsoft.com/office/drawing/2014/main" id="{E2962313-6220-47F0-B931-094E06EF0B58}"/>
+              </a:ext>
+            </a:extLst>
+          </p:cNvPr>
+          <p:cNvSpPr/>
+          <p:nvPr/>
+        </p:nvSpPr>
+        <p:spPr>
+          <a:xfrm>
+            <a:off x="4585102" y="2648059"/>
+            <a:ext cx="45719" cy="45719"/>
+          </a:xfrm>
+          <a:prstGeom prst="ellipse">
+            <a:avLst/>
+          </a:prstGeom>
+          <a:solidFill>
+            <a:schemeClr val="accent1"/>
+          </a:solidFill>
+        </p:spPr>
+        <p:style>
+          <a:lnRef idx="2">
+            <a:schemeClr val="accent1">
+              <a:shade val="50000"/>
+            </a:schemeClr>
+          </a:lnRef>
+          <a:fillRef idx="1">
+            <a:schemeClr val="accent1"/>
+          </a:fillRef>
+          <a:effectRef idx="0">
+            <a:schemeClr val="accent1"/>
+          </a:effectRef>
+          <a:fontRef idx="minor">
+            <a:schemeClr val="lt1"/>
+          </a:fontRef>
+        </p:style>
+        <p:txBody>
+          <a:bodyPr rtlCol="0" anchor="ctr"/>
+          <a:lstStyle/>
+          <a:p>
+            <a:pPr algn="ctr"/>
+            <a:endParaRPr lang="zh-CN" altLang="en-US"/>
+          </a:p>
+        </p:txBody>
+      </p:sp>
+      <p:cxnSp>
+        <p:nvCxnSpPr>
+          <p:cNvPr id="112" name="直接连接符 111">
+            <a:extLst>
+              <a:ext uri="{FF2B5EF4-FFF2-40B4-BE49-F238E27FC236}">
+                <a16:creationId xmlns:a16="http://schemas.microsoft.com/office/drawing/2014/main" id="{CB34DE53-DE39-4359-8D9B-09724FED5CA5}"/>
+              </a:ext>
+            </a:extLst>
+          </p:cNvPr>
+          <p:cNvCxnSpPr>
+            <a:cxnSpLocks/>
+          </p:cNvCxnSpPr>
+          <p:nvPr/>
+        </p:nvCxnSpPr>
+        <p:spPr>
+          <a:xfrm flipH="1">
+            <a:off x="4607962" y="2305050"/>
+            <a:ext cx="2437679" cy="0"/>
+          </a:xfrm>
+          <a:prstGeom prst="line">
+            <a:avLst/>
+          </a:prstGeom>
+        </p:spPr>
+        <p:style>
+          <a:lnRef idx="2">
+            <a:schemeClr val="accent1"/>
+          </a:lnRef>
+          <a:fillRef idx="0">
+            <a:schemeClr val="accent1"/>
+          </a:fillRef>
+          <a:effectRef idx="1">
+            <a:schemeClr val="accent1"/>
+          </a:effectRef>
+          <a:fontRef idx="minor">
+            <a:schemeClr val="tx1"/>
+          </a:fontRef>
+        </p:style>
+      </p:cxnSp>
+      <p:cxnSp>
+        <p:nvCxnSpPr>
+          <p:cNvPr id="115" name="连接符: 肘形 114">
+            <a:extLst>
+              <a:ext uri="{FF2B5EF4-FFF2-40B4-BE49-F238E27FC236}">
+                <a16:creationId xmlns:a16="http://schemas.microsoft.com/office/drawing/2014/main" id="{EF441AB5-328F-4E43-961A-6B5EBFB5346E}"/>
+              </a:ext>
+            </a:extLst>
+          </p:cNvPr>
+          <p:cNvCxnSpPr>
+            <a:cxnSpLocks/>
+          </p:cNvCxnSpPr>
+          <p:nvPr/>
+        </p:nvCxnSpPr>
+        <p:spPr>
+          <a:xfrm>
+            <a:off x="7009996" y="2305050"/>
+            <a:ext cx="900383" cy="250414"/>
+          </a:xfrm>
+          <a:prstGeom prst="bentConnector3">
+            <a:avLst>
+              <a:gd name="adj1" fmla="val 3806"/>
+            </a:avLst>
+          </a:prstGeom>
+        </p:spPr>
+        <p:style>
+          <a:lnRef idx="2">
+            <a:schemeClr val="accent1"/>
+          </a:lnRef>
+          <a:fillRef idx="0">
+            <a:schemeClr val="accent1"/>
+          </a:fillRef>
+          <a:effectRef idx="1">
+            <a:schemeClr val="accent1"/>
+          </a:effectRef>
+          <a:fontRef idx="minor">
+            <a:schemeClr val="tx1"/>
+          </a:fontRef>
+        </p:style>
+      </p:cxnSp>
+      <p:cxnSp>
+        <p:nvCxnSpPr>
+          <p:cNvPr id="124" name="直接连接符 123">
+            <a:extLst>
+              <a:ext uri="{FF2B5EF4-FFF2-40B4-BE49-F238E27FC236}">
+                <a16:creationId xmlns:a16="http://schemas.microsoft.com/office/drawing/2014/main" id="{63E75EA5-9D05-4D6B-A886-DEEF62124FE3}"/>
+              </a:ext>
+            </a:extLst>
+          </p:cNvPr>
+          <p:cNvCxnSpPr>
+            <a:cxnSpLocks/>
+          </p:cNvCxnSpPr>
+          <p:nvPr/>
+        </p:nvCxnSpPr>
+        <p:spPr>
+          <a:xfrm flipH="1">
+            <a:off x="2884355" y="1966913"/>
+            <a:ext cx="6250120" cy="0"/>
+          </a:xfrm>
+          <a:prstGeom prst="line">
+            <a:avLst/>
+          </a:prstGeom>
+        </p:spPr>
+        <p:style>
+          <a:lnRef idx="2">
+            <a:schemeClr val="accent1"/>
+          </a:lnRef>
+          <a:fillRef idx="0">
+            <a:schemeClr val="accent1"/>
+          </a:fillRef>
+          <a:effectRef idx="1">
+            <a:schemeClr val="accent1"/>
+          </a:effectRef>
+          <a:fontRef idx="minor">
+            <a:schemeClr val="tx1"/>
+          </a:fontRef>
+        </p:style>
+      </p:cxnSp>
+      <p:cxnSp>
+        <p:nvCxnSpPr>
+          <p:cNvPr id="126" name="直接连接符 125">
+            <a:extLst>
+              <a:ext uri="{FF2B5EF4-FFF2-40B4-BE49-F238E27FC236}">
+                <a16:creationId xmlns:a16="http://schemas.microsoft.com/office/drawing/2014/main" id="{B34FD602-9C81-41FA-9503-0487453A43B9}"/>
+              </a:ext>
+            </a:extLst>
+          </p:cNvPr>
+          <p:cNvCxnSpPr>
+            <a:cxnSpLocks/>
+          </p:cNvCxnSpPr>
+          <p:nvPr/>
+        </p:nvCxnSpPr>
+        <p:spPr>
+          <a:xfrm>
+            <a:off x="9129023" y="1966913"/>
+            <a:ext cx="0" cy="1364740"/>
+          </a:xfrm>
+          <a:prstGeom prst="line">
+            <a:avLst/>
+          </a:prstGeom>
+        </p:spPr>
+        <p:style>
+          <a:lnRef idx="2">
+            <a:schemeClr val="accent1"/>
+          </a:lnRef>
+          <a:fillRef idx="0">
+            <a:schemeClr val="accent1"/>
+          </a:fillRef>
+          <a:effectRef idx="1">
+            <a:schemeClr val="accent1"/>
+          </a:effectRef>
+          <a:fontRef idx="minor">
+            <a:schemeClr val="tx1"/>
+          </a:fontRef>
+        </p:style>
+      </p:cxnSp>
+      <p:cxnSp>
+        <p:nvCxnSpPr>
+          <p:cNvPr id="128" name="直接连接符 127">
+            <a:extLst>
+              <a:ext uri="{FF2B5EF4-FFF2-40B4-BE49-F238E27FC236}">
+                <a16:creationId xmlns:a16="http://schemas.microsoft.com/office/drawing/2014/main" id="{F2BA811F-7114-414C-8698-D58238AEAB8D}"/>
+              </a:ext>
+            </a:extLst>
+          </p:cNvPr>
+          <p:cNvCxnSpPr>
+            <a:cxnSpLocks/>
+          </p:cNvCxnSpPr>
+          <p:nvPr/>
+        </p:nvCxnSpPr>
+        <p:spPr>
+          <a:xfrm flipH="1">
+            <a:off x="8892355" y="3331653"/>
+            <a:ext cx="236668" cy="0"/>
+          </a:xfrm>
+          <a:prstGeom prst="line">
+            <a:avLst/>
+          </a:prstGeom>
+        </p:spPr>
+        <p:style>
+          <a:lnRef idx="2">
+            <a:schemeClr val="accent1"/>
+          </a:lnRef>
+          <a:fillRef idx="0">
+            <a:schemeClr val="accent1"/>
+          </a:fillRef>
+          <a:effectRef idx="1">
+            <a:schemeClr val="accent1"/>
+          </a:effectRef>
+          <a:fontRef idx="minor">
+            <a:schemeClr val="tx1"/>
+          </a:fontRef>
+        </p:style>
+      </p:cxnSp>
+      <p:sp>
+        <p:nvSpPr>
+          <p:cNvPr id="130" name="椭圆 129">
+            <a:extLst>
+              <a:ext uri="{FF2B5EF4-FFF2-40B4-BE49-F238E27FC236}">
+                <a16:creationId xmlns:a16="http://schemas.microsoft.com/office/drawing/2014/main" id="{46BF93C2-2036-4D2F-B6A2-C3E7D8AF261C}"/>
+              </a:ext>
+            </a:extLst>
+          </p:cNvPr>
+          <p:cNvSpPr/>
+          <p:nvPr/>
+        </p:nvSpPr>
+        <p:spPr>
+          <a:xfrm>
+            <a:off x="7859209" y="2979737"/>
+            <a:ext cx="45719" cy="45719"/>
+          </a:xfrm>
+          <a:prstGeom prst="ellipse">
+            <a:avLst/>
+          </a:prstGeom>
+          <a:solidFill>
+            <a:schemeClr val="bg1"/>
+          </a:solidFill>
+        </p:spPr>
+        <p:style>
+          <a:lnRef idx="2">
+            <a:schemeClr val="accent1">
+              <a:shade val="50000"/>
+            </a:schemeClr>
+          </a:lnRef>
+          <a:fillRef idx="1">
+            <a:schemeClr val="accent1"/>
+          </a:fillRef>
+          <a:effectRef idx="0">
+            <a:schemeClr val="accent1"/>
+          </a:effectRef>
+          <a:fontRef idx="minor">
+            <a:schemeClr val="lt1"/>
+          </a:fontRef>
+        </p:style>
+        <p:txBody>
+          <a:bodyPr rtlCol="0" anchor="ctr"/>
+          <a:lstStyle/>
+          <a:p>
+            <a:pPr algn="ctr"/>
+            <a:endParaRPr lang="zh-CN" altLang="en-US"/>
+          </a:p>
+        </p:txBody>
+      </p:sp>
+      <p:sp>
+        <p:nvSpPr>
+          <p:cNvPr id="131" name="椭圆 130">
+            <a:extLst>
+              <a:ext uri="{FF2B5EF4-FFF2-40B4-BE49-F238E27FC236}">
+                <a16:creationId xmlns:a16="http://schemas.microsoft.com/office/drawing/2014/main" id="{398BA886-ED00-4343-8C93-EF86584A8B3F}"/>
+              </a:ext>
+            </a:extLst>
+          </p:cNvPr>
+          <p:cNvSpPr/>
+          <p:nvPr/>
+        </p:nvSpPr>
+        <p:spPr>
+          <a:xfrm>
+            <a:off x="5554315" y="2979199"/>
+            <a:ext cx="45719" cy="45719"/>
+          </a:xfrm>
+          <a:prstGeom prst="ellipse">
+            <a:avLst/>
+          </a:prstGeom>
+          <a:solidFill>
+            <a:schemeClr val="bg1"/>
+          </a:solidFill>
+        </p:spPr>
+        <p:style>
+          <a:lnRef idx="2">
+            <a:schemeClr val="accent1">
+              <a:shade val="50000"/>
+            </a:schemeClr>
+          </a:lnRef>
+          <a:fillRef idx="1">
+            <a:schemeClr val="accent1"/>
+          </a:fillRef>
+          <a:effectRef idx="0">
+            <a:schemeClr val="accent1"/>
+          </a:effectRef>
+          <a:fontRef idx="minor">
+            <a:schemeClr val="lt1"/>
+          </a:fontRef>
+        </p:style>
+        <p:txBody>
+          <a:bodyPr rtlCol="0" anchor="ctr"/>
+          <a:lstStyle/>
+          <a:p>
+            <a:pPr algn="ctr"/>
+            <a:endParaRPr lang="zh-CN" altLang="en-US"/>
+          </a:p>
+        </p:txBody>
+      </p:sp>
+      <p:sp>
+        <p:nvSpPr>
+          <p:cNvPr id="134" name="椭圆 133">
+            <a:extLst>
+              <a:ext uri="{FF2B5EF4-FFF2-40B4-BE49-F238E27FC236}">
+                <a16:creationId xmlns:a16="http://schemas.microsoft.com/office/drawing/2014/main" id="{34022060-F14A-4B31-AE7F-DA722F5BA7C4}"/>
+              </a:ext>
+            </a:extLst>
+          </p:cNvPr>
+          <p:cNvSpPr/>
+          <p:nvPr/>
+        </p:nvSpPr>
+        <p:spPr>
+          <a:xfrm>
+            <a:off x="3239740" y="2979199"/>
+            <a:ext cx="45719" cy="45719"/>
+          </a:xfrm>
+          <a:prstGeom prst="ellipse">
+            <a:avLst/>
+          </a:prstGeom>
+          <a:solidFill>
+            <a:schemeClr val="bg1"/>
+          </a:solidFill>
+        </p:spPr>
+        <p:style>
+          <a:lnRef idx="2">
+            <a:schemeClr val="accent1">
+              <a:shade val="50000"/>
+            </a:schemeClr>
+          </a:lnRef>
+          <a:fillRef idx="1">
+            <a:schemeClr val="accent1"/>
+          </a:fillRef>
+          <a:effectRef idx="0">
+            <a:schemeClr val="accent1"/>
+          </a:effectRef>
+          <a:fontRef idx="minor">
+            <a:schemeClr val="lt1"/>
+          </a:fontRef>
+        </p:style>
+        <p:txBody>
+          <a:bodyPr rtlCol="0" anchor="ctr"/>
+          <a:lstStyle/>
+          <a:p>
+            <a:pPr algn="ctr"/>
+            <a:endParaRPr lang="zh-CN" altLang="en-US"/>
+          </a:p>
+        </p:txBody>
+      </p:sp>
+      <mc:AlternateContent xmlns:mc="http://schemas.openxmlformats.org/markup-compatibility/2006">
+        <mc:Choice xmlns:a14="http://schemas.microsoft.com/office/drawing/2010/main" Requires="a14">
+          <p:sp>
+            <p:nvSpPr>
+              <p:cNvPr id="135" name="文本框 134">
+                <a:extLst>
+                  <a:ext uri="{FF2B5EF4-FFF2-40B4-BE49-F238E27FC236}">
+                    <a16:creationId xmlns:a16="http://schemas.microsoft.com/office/drawing/2014/main" id="{E717CF9B-8AF9-4430-84F0-DD474C77E95A}"/>
+                  </a:ext>
+                </a:extLst>
+              </p:cNvPr>
+              <p:cNvSpPr txBox="1"/>
+              <p:nvPr/>
+            </p:nvSpPr>
+            <p:spPr>
+              <a:xfrm>
+                <a:off x="2384282" y="3816840"/>
+                <a:ext cx="533351" cy="369332"/>
+              </a:xfrm>
+              <a:prstGeom prst="rect">
+                <a:avLst/>
+              </a:prstGeom>
+              <a:noFill/>
+            </p:spPr>
+            <p:txBody>
+              <a:bodyPr wrap="none" rtlCol="0">
+                <a:spAutoFit/>
+              </a:bodyPr>
+              <a:lstStyle/>
+              <a:p>
+                <a14:m>
+                  <m:oMathPara xmlns:m="http://schemas.openxmlformats.org/officeDocument/2006/math">
+                    <m:oMathParaPr>
+                      <m:jc m:val="centerGroup"/>
+                    </m:oMathParaPr>
+                    <m:oMath xmlns:m="http://schemas.openxmlformats.org/officeDocument/2006/math">
+                      <m:r>
+                        <a:rPr lang="en-US" altLang="zh-CN" b="0" i="1" smtClean="0">
+                          <a:latin typeface="Cambria Math" panose="02040503050406030204" pitchFamily="18" charset="0"/>
+                        </a:rPr>
+                        <m:t>𝐶𝑃</m:t>
+                      </m:r>
+                    </m:oMath>
+                  </m:oMathPara>
+                </a14:m>
+                <a:endParaRPr lang="zh-CN" altLang="en-US" dirty="0"/>
+              </a:p>
+            </p:txBody>
+          </p:sp>
+        </mc:Choice>
+        <mc:Fallback>
+          <p:sp>
+            <p:nvSpPr>
+              <p:cNvPr id="135" name="文本框 134">
+                <a:extLst>
+                  <a:ext uri="{FF2B5EF4-FFF2-40B4-BE49-F238E27FC236}">
+                    <a16:creationId xmlns:a16="http://schemas.microsoft.com/office/drawing/2014/main" id="{E717CF9B-8AF9-4430-84F0-DD474C77E95A}"/>
+                  </a:ext>
+                </a:extLst>
+              </p:cNvPr>
+              <p:cNvSpPr txBox="1">
+                <a:spLocks noRot="1" noChangeAspect="1" noMove="1" noResize="1" noEditPoints="1" noAdjustHandles="1" noChangeArrowheads="1" noChangeShapeType="1" noTextEdit="1"/>
+              </p:cNvSpPr>
+              <p:nvPr/>
+            </p:nvSpPr>
+            <p:spPr>
+              <a:xfrm>
+                <a:off x="2384282" y="3816840"/>
+                <a:ext cx="533351" cy="369332"/>
+              </a:xfrm>
+              <a:prstGeom prst="rect">
+                <a:avLst/>
+              </a:prstGeom>
+              <a:blipFill>
+                <a:blip r:embed="rId14"/>
+                <a:stretch>
+                  <a:fillRect/>
+                </a:stretch>
+              </a:blipFill>
+            </p:spPr>
+            <p:txBody>
+              <a:bodyPr/>
+              <a:lstStyle/>
+              <a:p>
+                <a:r>
+                  <a:rPr lang="zh-CN" altLang="en-US">
+                    <a:noFill/>
+                  </a:rPr>
+                  <a:t> </a:t>
+                </a:r>
+              </a:p>
+            </p:txBody>
+          </p:sp>
+        </mc:Fallback>
+      </mc:AlternateContent>
+      <p:sp>
+        <p:nvSpPr>
+          <p:cNvPr id="136" name="文本框 135">
+            <a:extLst>
+              <a:ext uri="{FF2B5EF4-FFF2-40B4-BE49-F238E27FC236}">
+                <a16:creationId xmlns:a16="http://schemas.microsoft.com/office/drawing/2014/main" id="{ADACFBC4-1050-4322-BA44-3EE18EA4D884}"/>
               </a:ext>
             </a:extLst>
           </p:cNvPr>
@@ -6409,8 +9415,8 @@
         </p:nvSpPr>
         <p:spPr>
           <a:xfrm>
-            <a:off x="3721664" y="2528888"/>
-            <a:ext cx="263214" cy="369332"/>
+            <a:off x="4723428" y="3446599"/>
+            <a:ext cx="470000" cy="369332"/>
           </a:xfrm>
           <a:prstGeom prst="rect">
             <a:avLst/>
@@ -6424,10 +9430,60 @@
           <a:lstStyle/>
           <a:p>
             <a:r>
+              <a:rPr lang="zh-CN" altLang="en-US" dirty="0"/>
+              <a:t>“</a:t>
+            </a:r>
+            <a:r>
               <a:rPr lang="en-US" altLang="zh-CN" dirty="0"/>
-              <a:t>J</a:t>
+              <a:t>1</a:t>
             </a:r>
-            <a:endParaRPr lang="zh-CN" altLang="en-US" dirty="0"/>
+            <a:r>
+              <a:rPr lang="zh-CN" altLang="en-US" dirty="0"/>
+              <a:t>”</a:t>
+            </a:r>
+          </a:p>
+        </p:txBody>
+      </p:sp>
+      <p:sp>
+        <p:nvSpPr>
+          <p:cNvPr id="137" name="文本框 136">
+            <a:extLst>
+              <a:ext uri="{FF2B5EF4-FFF2-40B4-BE49-F238E27FC236}">
+                <a16:creationId xmlns:a16="http://schemas.microsoft.com/office/drawing/2014/main" id="{05406816-BA13-47DD-BE59-964A5A11ECA5}"/>
+              </a:ext>
+            </a:extLst>
+          </p:cNvPr>
+          <p:cNvSpPr txBox="1"/>
+          <p:nvPr/>
+        </p:nvSpPr>
+        <p:spPr>
+          <a:xfrm>
+            <a:off x="7269111" y="3348549"/>
+            <a:ext cx="470000" cy="369332"/>
+          </a:xfrm>
+          <a:prstGeom prst="rect">
+            <a:avLst/>
+          </a:prstGeom>
+          <a:noFill/>
+        </p:spPr>
+        <p:txBody>
+          <a:bodyPr wrap="none" rtlCol="0">
+            <a:spAutoFit/>
+          </a:bodyPr>
+          <a:lstStyle/>
+          <a:p>
+            <a:r>
+              <a:rPr lang="zh-CN" altLang="en-US" dirty="0"/>
+              <a:t>“</a:t>
+            </a:r>
+            <a:r>
+              <a:rPr lang="en-US" altLang="zh-CN" dirty="0"/>
+              <a:t>1</a:t>
+            </a:r>
+            <a:r>
+              <a:rPr lang="zh-CN" altLang="en-US" dirty="0"/>
+              <a:t>”</a:t>
+            </a:r>
           </a:p>
         </p:txBody>
       </p:sp>
@@ -7340,8 +10396,8 @@
           </a:fontRef>
         </p:style>
       </p:cxnSp>
-      <mc:AlternateContent xmlns:mc="http://schemas.openxmlformats.org/markup-compatibility/2006">
-        <mc:Choice xmlns:a14="http://schemas.microsoft.com/office/drawing/2010/main" Requires="a14">
+      <mc:AlternateContent xmlns:mc="http://schemas.openxmlformats.org/markup-compatibility/2006" xmlns:a14="http://schemas.microsoft.com/office/drawing/2010/main">
+        <mc:Choice Requires="a14">
           <p:sp>
             <p:nvSpPr>
               <p:cNvPr id="59" name="文本框 58">
@@ -7370,6 +10426,7 @@
               </a:bodyPr>
               <a:lstStyle/>
               <a:p>
+                <a:pPr/>
                 <a14:m>
                   <m:oMathPara xmlns:m="http://schemas.openxmlformats.org/officeDocument/2006/math">
                     <m:oMathParaPr>
@@ -7421,7 +10478,7 @@
             </p:txBody>
           </p:sp>
         </mc:Choice>
-        <mc:Fallback>
+        <mc:Fallback xmlns="">
           <p:sp>
             <p:nvSpPr>
               <p:cNvPr id="59" name="文本框 58">
@@ -7466,8 +10523,8 @@
           </p:sp>
         </mc:Fallback>
       </mc:AlternateContent>
-      <mc:AlternateContent xmlns:mc="http://schemas.openxmlformats.org/markup-compatibility/2006">
-        <mc:Choice xmlns:a14="http://schemas.microsoft.com/office/drawing/2010/main" Requires="a14">
+      <mc:AlternateContent xmlns:mc="http://schemas.openxmlformats.org/markup-compatibility/2006" xmlns:a14="http://schemas.microsoft.com/office/drawing/2010/main">
+        <mc:Choice Requires="a14">
           <p:sp>
             <p:nvSpPr>
               <p:cNvPr id="60" name="文本框 59">
@@ -7496,6 +10553,7 @@
               </a:bodyPr>
               <a:lstStyle/>
               <a:p>
+                <a:pPr/>
                 <a14:m>
                   <m:oMathPara xmlns:m="http://schemas.openxmlformats.org/officeDocument/2006/math">
                     <m:oMathParaPr>
@@ -7547,7 +10605,7 @@
             </p:txBody>
           </p:sp>
         </mc:Choice>
-        <mc:Fallback>
+        <mc:Fallback xmlns="">
           <p:sp>
             <p:nvSpPr>
               <p:cNvPr id="60" name="文本框 59">
@@ -7592,8 +10650,8 @@
           </p:sp>
         </mc:Fallback>
       </mc:AlternateContent>
-      <mc:AlternateContent xmlns:mc="http://schemas.openxmlformats.org/markup-compatibility/2006">
-        <mc:Choice xmlns:a14="http://schemas.microsoft.com/office/drawing/2010/main" Requires="a14">
+      <mc:AlternateContent xmlns:mc="http://schemas.openxmlformats.org/markup-compatibility/2006" xmlns:a14="http://schemas.microsoft.com/office/drawing/2010/main">
+        <mc:Choice Requires="a14">
           <p:sp>
             <p:nvSpPr>
               <p:cNvPr id="61" name="文本框 60">
@@ -7622,6 +10680,7 @@
               </a:bodyPr>
               <a:lstStyle/>
               <a:p>
+                <a:pPr/>
                 <a14:m>
                   <m:oMathPara xmlns:m="http://schemas.openxmlformats.org/officeDocument/2006/math">
                     <m:oMathParaPr>
@@ -7661,7 +10720,7 @@
             </p:txBody>
           </p:sp>
         </mc:Choice>
-        <mc:Fallback>
+        <mc:Fallback xmlns="">
           <p:sp>
             <p:nvSpPr>
               <p:cNvPr id="61" name="文本框 60">
@@ -7706,8 +10765,8 @@
           </p:sp>
         </mc:Fallback>
       </mc:AlternateContent>
-      <mc:AlternateContent xmlns:mc="http://schemas.openxmlformats.org/markup-compatibility/2006">
-        <mc:Choice xmlns:a14="http://schemas.microsoft.com/office/drawing/2010/main" Requires="a14">
+      <mc:AlternateContent xmlns:mc="http://schemas.openxmlformats.org/markup-compatibility/2006" xmlns:a14="http://schemas.microsoft.com/office/drawing/2010/main">
+        <mc:Choice Requires="a14">
           <p:sp>
             <p:nvSpPr>
               <p:cNvPr id="62" name="文本框 61">
@@ -7736,6 +10795,7 @@
               </a:bodyPr>
               <a:lstStyle/>
               <a:p>
+                <a:pPr/>
                 <a14:m>
                   <m:oMathPara xmlns:m="http://schemas.openxmlformats.org/officeDocument/2006/math">
                     <m:oMathParaPr>
@@ -7796,7 +10856,7 @@
             </p:txBody>
           </p:sp>
         </mc:Choice>
-        <mc:Fallback>
+        <mc:Fallback xmlns="">
           <p:sp>
             <p:nvSpPr>
               <p:cNvPr id="62" name="文本框 61">
@@ -7841,8 +10901,8 @@
           </p:sp>
         </mc:Fallback>
       </mc:AlternateContent>
-      <mc:AlternateContent xmlns:mc="http://schemas.openxmlformats.org/markup-compatibility/2006">
-        <mc:Choice xmlns:a14="http://schemas.microsoft.com/office/drawing/2010/main" Requires="a14">
+      <mc:AlternateContent xmlns:mc="http://schemas.openxmlformats.org/markup-compatibility/2006" xmlns:a14="http://schemas.microsoft.com/office/drawing/2010/main">
+        <mc:Choice Requires="a14">
           <p:sp>
             <p:nvSpPr>
               <p:cNvPr id="63" name="文本框 62">
@@ -7871,6 +10931,7 @@
               </a:bodyPr>
               <a:lstStyle/>
               <a:p>
+                <a:pPr/>
                 <a14:m>
                   <m:oMathPara xmlns:m="http://schemas.openxmlformats.org/officeDocument/2006/math">
                     <m:oMathParaPr>
@@ -7913,7 +10974,7 @@
             </p:txBody>
           </p:sp>
         </mc:Choice>
-        <mc:Fallback>
+        <mc:Fallback xmlns="">
           <p:sp>
             <p:nvSpPr>
               <p:cNvPr id="63" name="文本框 62">
@@ -7958,8 +11019,8 @@
           </p:sp>
         </mc:Fallback>
       </mc:AlternateContent>
-      <mc:AlternateContent xmlns:mc="http://schemas.openxmlformats.org/markup-compatibility/2006">
-        <mc:Choice xmlns:a14="http://schemas.microsoft.com/office/drawing/2010/main" Requires="a14">
+      <mc:AlternateContent xmlns:mc="http://schemas.openxmlformats.org/markup-compatibility/2006" xmlns:a14="http://schemas.microsoft.com/office/drawing/2010/main">
+        <mc:Choice Requires="a14">
           <p:sp>
             <p:nvSpPr>
               <p:cNvPr id="64" name="文本框 63">
@@ -7988,6 +11049,7 @@
               </a:bodyPr>
               <a:lstStyle/>
               <a:p>
+                <a:pPr/>
                 <a14:m>
                   <m:oMathPara xmlns:m="http://schemas.openxmlformats.org/officeDocument/2006/math">
                     <m:oMathParaPr>
@@ -8008,7 +11070,7 @@
             </p:txBody>
           </p:sp>
         </mc:Choice>
-        <mc:Fallback>
+        <mc:Fallback xmlns="">
           <p:sp>
             <p:nvSpPr>
               <p:cNvPr id="64" name="文本框 63">

--- a/_posts/2021届IC岗位校招部分笔试题/2021届IC岗位校招部分笔试题.pptx
+++ b/_posts/2021届IC岗位校招部分笔试题/2021届IC岗位校招部分笔试题.pptx
@@ -9,6 +9,7 @@
     <p:sldId id="259" r:id="rId3"/>
     <p:sldId id="260" r:id="rId4"/>
     <p:sldId id="261" r:id="rId5"/>
+    <p:sldId id="262" r:id="rId6"/>
   </p:sldIdLst>
   <p:sldSz cx="12192000" cy="6858000"/>
   <p:notesSz cx="6858000" cy="9144000"/>
@@ -11200,6 +11201,2456 @@
 </p:sld>
 </file>
 
+<file path=ppt/slides/slide5.xml><?xml version="1.0" encoding="utf-8"?>
+<p:sld xmlns:a="http://schemas.openxmlformats.org/drawingml/2006/main" xmlns:r="http://schemas.openxmlformats.org/officeDocument/2006/relationships" xmlns:p="http://schemas.openxmlformats.org/presentationml/2006/main">
+  <p:cSld>
+    <p:spTree>
+      <p:nvGrpSpPr>
+        <p:cNvPr id="1" name=""/>
+        <p:cNvGrpSpPr/>
+        <p:nvPr/>
+      </p:nvGrpSpPr>
+      <p:grpSpPr>
+        <a:xfrm>
+          <a:off x="0" y="0"/>
+          <a:ext cx="0" cy="0"/>
+          <a:chOff x="0" y="0"/>
+          <a:chExt cx="0" cy="0"/>
+        </a:xfrm>
+      </p:grpSpPr>
+      <p:grpSp>
+        <p:nvGrpSpPr>
+          <p:cNvPr id="43" name="组合 42">
+            <a:extLst>
+              <a:ext uri="{FF2B5EF4-FFF2-40B4-BE49-F238E27FC236}">
+                <a16:creationId xmlns:a16="http://schemas.microsoft.com/office/drawing/2014/main" id="{64640C71-A09A-4A10-BE26-72A596DFD026}"/>
+              </a:ext>
+            </a:extLst>
+          </p:cNvPr>
+          <p:cNvGrpSpPr/>
+          <p:nvPr/>
+        </p:nvGrpSpPr>
+        <p:grpSpPr>
+          <a:xfrm>
+            <a:off x="4649459" y="1218339"/>
+            <a:ext cx="679444" cy="1033153"/>
+            <a:chOff x="1709379" y="2178422"/>
+            <a:chExt cx="679444" cy="1033153"/>
+          </a:xfrm>
+        </p:grpSpPr>
+        <p:sp>
+          <p:nvSpPr>
+            <p:cNvPr id="22" name="矩形 21">
+              <a:extLst>
+                <a:ext uri="{FF2B5EF4-FFF2-40B4-BE49-F238E27FC236}">
+                  <a16:creationId xmlns:a16="http://schemas.microsoft.com/office/drawing/2014/main" id="{4D356976-742F-4F91-A3A4-63F1D9B7897B}"/>
+                </a:ext>
+              </a:extLst>
+            </p:cNvPr>
+            <p:cNvSpPr/>
+            <p:nvPr/>
+          </p:nvSpPr>
+          <p:spPr>
+            <a:xfrm>
+              <a:off x="1812870" y="2178422"/>
+              <a:ext cx="575953" cy="1033153"/>
+            </a:xfrm>
+            <a:prstGeom prst="rect">
+              <a:avLst/>
+            </a:prstGeom>
+            <a:noFill/>
+          </p:spPr>
+          <p:style>
+            <a:lnRef idx="2">
+              <a:schemeClr val="accent1">
+                <a:shade val="50000"/>
+              </a:schemeClr>
+            </a:lnRef>
+            <a:fillRef idx="1">
+              <a:schemeClr val="accent1"/>
+            </a:fillRef>
+            <a:effectRef idx="0">
+              <a:schemeClr val="accent1"/>
+            </a:effectRef>
+            <a:fontRef idx="minor">
+              <a:schemeClr val="lt1"/>
+            </a:fontRef>
+          </p:style>
+          <p:txBody>
+            <a:bodyPr rtlCol="0" anchor="ctr"/>
+            <a:lstStyle/>
+            <a:p>
+              <a:pPr algn="ctr"/>
+              <a:endParaRPr lang="zh-CN" altLang="en-US" dirty="0">
+                <a:solidFill>
+                  <a:schemeClr val="tx1"/>
+                </a:solidFill>
+              </a:endParaRPr>
+            </a:p>
+          </p:txBody>
+        </p:sp>
+        <p:sp>
+          <p:nvSpPr>
+            <p:cNvPr id="23" name="直角三角形 22">
+              <a:extLst>
+                <a:ext uri="{FF2B5EF4-FFF2-40B4-BE49-F238E27FC236}">
+                  <a16:creationId xmlns:a16="http://schemas.microsoft.com/office/drawing/2014/main" id="{7185B238-CE43-4060-8CDB-71CBE29B2D0A}"/>
+                </a:ext>
+              </a:extLst>
+            </p:cNvPr>
+            <p:cNvSpPr/>
+            <p:nvPr/>
+          </p:nvSpPr>
+          <p:spPr>
+            <a:xfrm rot="13320000">
+              <a:off x="1709379" y="2836098"/>
+              <a:ext cx="206982" cy="226517"/>
+            </a:xfrm>
+            <a:prstGeom prst="rtTriangle">
+              <a:avLst/>
+            </a:prstGeom>
+            <a:noFill/>
+          </p:spPr>
+          <p:style>
+            <a:lnRef idx="2">
+              <a:schemeClr val="accent1">
+                <a:shade val="50000"/>
+              </a:schemeClr>
+            </a:lnRef>
+            <a:fillRef idx="1">
+              <a:schemeClr val="accent1"/>
+            </a:fillRef>
+            <a:effectRef idx="0">
+              <a:schemeClr val="accent1"/>
+            </a:effectRef>
+            <a:fontRef idx="minor">
+              <a:schemeClr val="lt1"/>
+            </a:fontRef>
+          </p:style>
+          <p:txBody>
+            <a:bodyPr rtlCol="0" anchor="ctr"/>
+            <a:lstStyle/>
+            <a:p>
+              <a:pPr algn="ctr"/>
+              <a:endParaRPr lang="zh-CN" altLang="en-US"/>
+            </a:p>
+          </p:txBody>
+        </p:sp>
+      </p:grpSp>
+      <p:sp>
+        <p:nvSpPr>
+          <p:cNvPr id="24" name="云形 23">
+            <a:extLst>
+              <a:ext uri="{FF2B5EF4-FFF2-40B4-BE49-F238E27FC236}">
+                <a16:creationId xmlns:a16="http://schemas.microsoft.com/office/drawing/2014/main" id="{438B4668-6BD6-488C-9CEF-C61223EEEB55}"/>
+              </a:ext>
+            </a:extLst>
+          </p:cNvPr>
+          <p:cNvSpPr/>
+          <p:nvPr/>
+        </p:nvSpPr>
+        <p:spPr>
+          <a:xfrm>
+            <a:off x="3050910" y="4476825"/>
+            <a:ext cx="750455" cy="457200"/>
+          </a:xfrm>
+          <a:prstGeom prst="cloud">
+            <a:avLst/>
+          </a:prstGeom>
+          <a:noFill/>
+        </p:spPr>
+        <p:style>
+          <a:lnRef idx="2">
+            <a:schemeClr val="accent1">
+              <a:shade val="50000"/>
+            </a:schemeClr>
+          </a:lnRef>
+          <a:fillRef idx="1">
+            <a:schemeClr val="accent1"/>
+          </a:fillRef>
+          <a:effectRef idx="0">
+            <a:schemeClr val="accent1"/>
+          </a:effectRef>
+          <a:fontRef idx="minor">
+            <a:schemeClr val="lt1"/>
+          </a:fontRef>
+        </p:style>
+        <p:txBody>
+          <a:bodyPr rtlCol="0" anchor="ctr"/>
+          <a:lstStyle/>
+          <a:p>
+            <a:pPr algn="ctr"/>
+            <a:endParaRPr lang="zh-CN" altLang="en-US" dirty="0">
+              <a:solidFill>
+                <a:schemeClr val="tx1"/>
+              </a:solidFill>
+            </a:endParaRPr>
+          </a:p>
+        </p:txBody>
+      </p:sp>
+      <p:sp>
+        <p:nvSpPr>
+          <p:cNvPr id="36" name="文本框 35">
+            <a:extLst>
+              <a:ext uri="{FF2B5EF4-FFF2-40B4-BE49-F238E27FC236}">
+                <a16:creationId xmlns:a16="http://schemas.microsoft.com/office/drawing/2014/main" id="{AD49EA51-4CCE-44E4-983F-DC008C262377}"/>
+              </a:ext>
+            </a:extLst>
+          </p:cNvPr>
+          <p:cNvSpPr txBox="1"/>
+          <p:nvPr/>
+        </p:nvSpPr>
+        <p:spPr>
+          <a:xfrm>
+            <a:off x="2041061" y="4520759"/>
+            <a:ext cx="449162" cy="369332"/>
+          </a:xfrm>
+          <a:prstGeom prst="rect">
+            <a:avLst/>
+          </a:prstGeom>
+          <a:noFill/>
+        </p:spPr>
+        <p:txBody>
+          <a:bodyPr wrap="none" rtlCol="0">
+            <a:spAutoFit/>
+          </a:bodyPr>
+          <a:lstStyle/>
+          <a:p>
+            <a:r>
+              <a:rPr lang="en-US" altLang="zh-CN" dirty="0" err="1"/>
+              <a:t>clk</a:t>
+            </a:r>
+            <a:endParaRPr lang="zh-CN" altLang="en-US" dirty="0"/>
+          </a:p>
+        </p:txBody>
+      </p:sp>
+      <p:grpSp>
+        <p:nvGrpSpPr>
+          <p:cNvPr id="44" name="组合 43">
+            <a:extLst>
+              <a:ext uri="{FF2B5EF4-FFF2-40B4-BE49-F238E27FC236}">
+                <a16:creationId xmlns:a16="http://schemas.microsoft.com/office/drawing/2014/main" id="{EC6FD1A6-34A5-4268-B542-994773252105}"/>
+              </a:ext>
+            </a:extLst>
+          </p:cNvPr>
+          <p:cNvGrpSpPr/>
+          <p:nvPr/>
+        </p:nvGrpSpPr>
+        <p:grpSpPr>
+          <a:xfrm>
+            <a:off x="4649459" y="2576415"/>
+            <a:ext cx="679444" cy="1033153"/>
+            <a:chOff x="1709379" y="2178422"/>
+            <a:chExt cx="679444" cy="1033153"/>
+          </a:xfrm>
+        </p:grpSpPr>
+        <p:sp>
+          <p:nvSpPr>
+            <p:cNvPr id="45" name="矩形 44">
+              <a:extLst>
+                <a:ext uri="{FF2B5EF4-FFF2-40B4-BE49-F238E27FC236}">
+                  <a16:creationId xmlns:a16="http://schemas.microsoft.com/office/drawing/2014/main" id="{743617F0-C84D-4F72-B23F-44307125DED9}"/>
+                </a:ext>
+              </a:extLst>
+            </p:cNvPr>
+            <p:cNvSpPr/>
+            <p:nvPr/>
+          </p:nvSpPr>
+          <p:spPr>
+            <a:xfrm>
+              <a:off x="1812870" y="2178422"/>
+              <a:ext cx="575953" cy="1033153"/>
+            </a:xfrm>
+            <a:prstGeom prst="rect">
+              <a:avLst/>
+            </a:prstGeom>
+            <a:noFill/>
+          </p:spPr>
+          <p:style>
+            <a:lnRef idx="2">
+              <a:schemeClr val="accent1">
+                <a:shade val="50000"/>
+              </a:schemeClr>
+            </a:lnRef>
+            <a:fillRef idx="1">
+              <a:schemeClr val="accent1"/>
+            </a:fillRef>
+            <a:effectRef idx="0">
+              <a:schemeClr val="accent1"/>
+            </a:effectRef>
+            <a:fontRef idx="minor">
+              <a:schemeClr val="lt1"/>
+            </a:fontRef>
+          </p:style>
+          <p:txBody>
+            <a:bodyPr rtlCol="0" anchor="ctr"/>
+            <a:lstStyle/>
+            <a:p>
+              <a:pPr algn="ctr"/>
+              <a:endParaRPr lang="zh-CN" altLang="en-US" dirty="0">
+                <a:solidFill>
+                  <a:schemeClr val="tx1"/>
+                </a:solidFill>
+              </a:endParaRPr>
+            </a:p>
+          </p:txBody>
+        </p:sp>
+        <p:sp>
+          <p:nvSpPr>
+            <p:cNvPr id="46" name="直角三角形 45">
+              <a:extLst>
+                <a:ext uri="{FF2B5EF4-FFF2-40B4-BE49-F238E27FC236}">
+                  <a16:creationId xmlns:a16="http://schemas.microsoft.com/office/drawing/2014/main" id="{094EEEB3-9447-4D74-A05A-49F07D0D86DC}"/>
+                </a:ext>
+              </a:extLst>
+            </p:cNvPr>
+            <p:cNvSpPr/>
+            <p:nvPr/>
+          </p:nvSpPr>
+          <p:spPr>
+            <a:xfrm rot="13320000">
+              <a:off x="1709379" y="2836098"/>
+              <a:ext cx="206982" cy="226517"/>
+            </a:xfrm>
+            <a:prstGeom prst="rtTriangle">
+              <a:avLst/>
+            </a:prstGeom>
+            <a:noFill/>
+          </p:spPr>
+          <p:style>
+            <a:lnRef idx="2">
+              <a:schemeClr val="accent1">
+                <a:shade val="50000"/>
+              </a:schemeClr>
+            </a:lnRef>
+            <a:fillRef idx="1">
+              <a:schemeClr val="accent1"/>
+            </a:fillRef>
+            <a:effectRef idx="0">
+              <a:schemeClr val="accent1"/>
+            </a:effectRef>
+            <a:fontRef idx="minor">
+              <a:schemeClr val="lt1"/>
+            </a:fontRef>
+          </p:style>
+          <p:txBody>
+            <a:bodyPr rtlCol="0" anchor="ctr"/>
+            <a:lstStyle/>
+            <a:p>
+              <a:pPr algn="ctr"/>
+              <a:endParaRPr lang="zh-CN" altLang="en-US"/>
+            </a:p>
+          </p:txBody>
+        </p:sp>
+      </p:grpSp>
+      <p:grpSp>
+        <p:nvGrpSpPr>
+          <p:cNvPr id="47" name="组合 46">
+            <a:extLst>
+              <a:ext uri="{FF2B5EF4-FFF2-40B4-BE49-F238E27FC236}">
+                <a16:creationId xmlns:a16="http://schemas.microsoft.com/office/drawing/2014/main" id="{B6E20143-794F-477E-B595-3D5A13C5D657}"/>
+              </a:ext>
+            </a:extLst>
+          </p:cNvPr>
+          <p:cNvGrpSpPr/>
+          <p:nvPr/>
+        </p:nvGrpSpPr>
+        <p:grpSpPr>
+          <a:xfrm>
+            <a:off x="4649459" y="3934491"/>
+            <a:ext cx="679444" cy="1033153"/>
+            <a:chOff x="1709379" y="2178422"/>
+            <a:chExt cx="679444" cy="1033153"/>
+          </a:xfrm>
+        </p:grpSpPr>
+        <p:sp>
+          <p:nvSpPr>
+            <p:cNvPr id="48" name="矩形 47">
+              <a:extLst>
+                <a:ext uri="{FF2B5EF4-FFF2-40B4-BE49-F238E27FC236}">
+                  <a16:creationId xmlns:a16="http://schemas.microsoft.com/office/drawing/2014/main" id="{1CD702F3-C2AC-4DD4-A691-4711E5CCCCF6}"/>
+                </a:ext>
+              </a:extLst>
+            </p:cNvPr>
+            <p:cNvSpPr/>
+            <p:nvPr/>
+          </p:nvSpPr>
+          <p:spPr>
+            <a:xfrm>
+              <a:off x="1812870" y="2178422"/>
+              <a:ext cx="575953" cy="1033153"/>
+            </a:xfrm>
+            <a:prstGeom prst="rect">
+              <a:avLst/>
+            </a:prstGeom>
+            <a:noFill/>
+          </p:spPr>
+          <p:style>
+            <a:lnRef idx="2">
+              <a:schemeClr val="accent1">
+                <a:shade val="50000"/>
+              </a:schemeClr>
+            </a:lnRef>
+            <a:fillRef idx="1">
+              <a:schemeClr val="accent1"/>
+            </a:fillRef>
+            <a:effectRef idx="0">
+              <a:schemeClr val="accent1"/>
+            </a:effectRef>
+            <a:fontRef idx="minor">
+              <a:schemeClr val="lt1"/>
+            </a:fontRef>
+          </p:style>
+          <p:txBody>
+            <a:bodyPr rtlCol="0" anchor="ctr"/>
+            <a:lstStyle/>
+            <a:p>
+              <a:pPr algn="ctr"/>
+              <a:endParaRPr lang="zh-CN" altLang="en-US" dirty="0">
+                <a:solidFill>
+                  <a:schemeClr val="tx1"/>
+                </a:solidFill>
+              </a:endParaRPr>
+            </a:p>
+          </p:txBody>
+        </p:sp>
+        <p:sp>
+          <p:nvSpPr>
+            <p:cNvPr id="49" name="直角三角形 48">
+              <a:extLst>
+                <a:ext uri="{FF2B5EF4-FFF2-40B4-BE49-F238E27FC236}">
+                  <a16:creationId xmlns:a16="http://schemas.microsoft.com/office/drawing/2014/main" id="{E8AF07D9-0871-4F4F-A99F-8709398A40DB}"/>
+                </a:ext>
+              </a:extLst>
+            </p:cNvPr>
+            <p:cNvSpPr/>
+            <p:nvPr/>
+          </p:nvSpPr>
+          <p:spPr>
+            <a:xfrm rot="13320000">
+              <a:off x="1709379" y="2836098"/>
+              <a:ext cx="206982" cy="226517"/>
+            </a:xfrm>
+            <a:prstGeom prst="rtTriangle">
+              <a:avLst/>
+            </a:prstGeom>
+            <a:noFill/>
+          </p:spPr>
+          <p:style>
+            <a:lnRef idx="2">
+              <a:schemeClr val="accent1">
+                <a:shade val="50000"/>
+              </a:schemeClr>
+            </a:lnRef>
+            <a:fillRef idx="1">
+              <a:schemeClr val="accent1"/>
+            </a:fillRef>
+            <a:effectRef idx="0">
+              <a:schemeClr val="accent1"/>
+            </a:effectRef>
+            <a:fontRef idx="minor">
+              <a:schemeClr val="lt1"/>
+            </a:fontRef>
+          </p:style>
+          <p:txBody>
+            <a:bodyPr rtlCol="0" anchor="ctr"/>
+            <a:lstStyle/>
+            <a:p>
+              <a:pPr algn="ctr"/>
+              <a:endParaRPr lang="zh-CN" altLang="en-US"/>
+            </a:p>
+          </p:txBody>
+        </p:sp>
+      </p:grpSp>
+      <p:cxnSp>
+        <p:nvCxnSpPr>
+          <p:cNvPr id="51" name="直接连接符 50">
+            <a:extLst>
+              <a:ext uri="{FF2B5EF4-FFF2-40B4-BE49-F238E27FC236}">
+                <a16:creationId xmlns:a16="http://schemas.microsoft.com/office/drawing/2014/main" id="{4726CF30-4B6B-44E0-B59F-182FC562239E}"/>
+              </a:ext>
+            </a:extLst>
+          </p:cNvPr>
+          <p:cNvCxnSpPr>
+            <a:cxnSpLocks/>
+            <a:stCxn id="24" idx="0"/>
+            <a:endCxn id="49" idx="5"/>
+          </p:cNvCxnSpPr>
+          <p:nvPr/>
+        </p:nvCxnSpPr>
+        <p:spPr>
+          <a:xfrm>
+            <a:off x="3800740" y="4705425"/>
+            <a:ext cx="952210" cy="0"/>
+          </a:xfrm>
+          <a:prstGeom prst="line">
+            <a:avLst/>
+          </a:prstGeom>
+        </p:spPr>
+        <p:style>
+          <a:lnRef idx="2">
+            <a:schemeClr val="accent1"/>
+          </a:lnRef>
+          <a:fillRef idx="0">
+            <a:schemeClr val="accent1"/>
+          </a:fillRef>
+          <a:effectRef idx="1">
+            <a:schemeClr val="accent1"/>
+          </a:effectRef>
+          <a:fontRef idx="minor">
+            <a:schemeClr val="tx1"/>
+          </a:fontRef>
+        </p:style>
+      </p:cxnSp>
+      <p:cxnSp>
+        <p:nvCxnSpPr>
+          <p:cNvPr id="56" name="直接连接符 55">
+            <a:extLst>
+              <a:ext uri="{FF2B5EF4-FFF2-40B4-BE49-F238E27FC236}">
+                <a16:creationId xmlns:a16="http://schemas.microsoft.com/office/drawing/2014/main" id="{0A42DCCE-8120-4960-AC38-5D70B2551783}"/>
+              </a:ext>
+            </a:extLst>
+          </p:cNvPr>
+          <p:cNvCxnSpPr>
+            <a:cxnSpLocks/>
+            <a:stCxn id="23" idx="5"/>
+          </p:cNvCxnSpPr>
+          <p:nvPr/>
+        </p:nvCxnSpPr>
+        <p:spPr>
+          <a:xfrm flipH="1">
+            <a:off x="4473605" y="1989273"/>
+            <a:ext cx="279345" cy="0"/>
+          </a:xfrm>
+          <a:prstGeom prst="line">
+            <a:avLst/>
+          </a:prstGeom>
+        </p:spPr>
+        <p:style>
+          <a:lnRef idx="2">
+            <a:schemeClr val="accent1"/>
+          </a:lnRef>
+          <a:fillRef idx="0">
+            <a:schemeClr val="accent1"/>
+          </a:fillRef>
+          <a:effectRef idx="1">
+            <a:schemeClr val="accent1"/>
+          </a:effectRef>
+          <a:fontRef idx="minor">
+            <a:schemeClr val="tx1"/>
+          </a:fontRef>
+        </p:style>
+      </p:cxnSp>
+      <p:cxnSp>
+        <p:nvCxnSpPr>
+          <p:cNvPr id="58" name="直接连接符 57">
+            <a:extLst>
+              <a:ext uri="{FF2B5EF4-FFF2-40B4-BE49-F238E27FC236}">
+                <a16:creationId xmlns:a16="http://schemas.microsoft.com/office/drawing/2014/main" id="{509E4CEB-8D99-476A-B1FE-F57EA23FE82B}"/>
+              </a:ext>
+            </a:extLst>
+          </p:cNvPr>
+          <p:cNvCxnSpPr>
+            <a:cxnSpLocks/>
+          </p:cNvCxnSpPr>
+          <p:nvPr/>
+        </p:nvCxnSpPr>
+        <p:spPr>
+          <a:xfrm flipH="1">
+            <a:off x="4473577" y="3353858"/>
+            <a:ext cx="279345" cy="0"/>
+          </a:xfrm>
+          <a:prstGeom prst="line">
+            <a:avLst/>
+          </a:prstGeom>
+        </p:spPr>
+        <p:style>
+          <a:lnRef idx="2">
+            <a:schemeClr val="accent1"/>
+          </a:lnRef>
+          <a:fillRef idx="0">
+            <a:schemeClr val="accent1"/>
+          </a:fillRef>
+          <a:effectRef idx="1">
+            <a:schemeClr val="accent1"/>
+          </a:effectRef>
+          <a:fontRef idx="minor">
+            <a:schemeClr val="tx1"/>
+          </a:fontRef>
+        </p:style>
+      </p:cxnSp>
+      <p:cxnSp>
+        <p:nvCxnSpPr>
+          <p:cNvPr id="60" name="直接连接符 59">
+            <a:extLst>
+              <a:ext uri="{FF2B5EF4-FFF2-40B4-BE49-F238E27FC236}">
+                <a16:creationId xmlns:a16="http://schemas.microsoft.com/office/drawing/2014/main" id="{3FB46BB1-65C6-4BF6-8845-F3E433B9EB95}"/>
+              </a:ext>
+            </a:extLst>
+          </p:cNvPr>
+          <p:cNvCxnSpPr>
+            <a:cxnSpLocks/>
+          </p:cNvCxnSpPr>
+          <p:nvPr/>
+        </p:nvCxnSpPr>
+        <p:spPr>
+          <a:xfrm>
+            <a:off x="4473577" y="1989273"/>
+            <a:ext cx="0" cy="3432394"/>
+          </a:xfrm>
+          <a:prstGeom prst="line">
+            <a:avLst/>
+          </a:prstGeom>
+        </p:spPr>
+        <p:style>
+          <a:lnRef idx="2">
+            <a:schemeClr val="accent1"/>
+          </a:lnRef>
+          <a:fillRef idx="0">
+            <a:schemeClr val="accent1"/>
+          </a:fillRef>
+          <a:effectRef idx="1">
+            <a:schemeClr val="accent1"/>
+          </a:effectRef>
+          <a:fontRef idx="minor">
+            <a:schemeClr val="tx1"/>
+          </a:fontRef>
+        </p:style>
+      </p:cxnSp>
+      <p:cxnSp>
+        <p:nvCxnSpPr>
+          <p:cNvPr id="62" name="直接连接符 61">
+            <a:extLst>
+              <a:ext uri="{FF2B5EF4-FFF2-40B4-BE49-F238E27FC236}">
+                <a16:creationId xmlns:a16="http://schemas.microsoft.com/office/drawing/2014/main" id="{10C0D0F1-8BF5-4C65-A4C9-9DC0568FD0E9}"/>
+              </a:ext>
+            </a:extLst>
+          </p:cNvPr>
+          <p:cNvCxnSpPr>
+            <a:cxnSpLocks/>
+          </p:cNvCxnSpPr>
+          <p:nvPr/>
+        </p:nvCxnSpPr>
+        <p:spPr>
+          <a:xfrm flipH="1">
+            <a:off x="4473229" y="5421667"/>
+            <a:ext cx="1924426" cy="0"/>
+          </a:xfrm>
+          <a:prstGeom prst="line">
+            <a:avLst/>
+          </a:prstGeom>
+        </p:spPr>
+        <p:style>
+          <a:lnRef idx="2">
+            <a:schemeClr val="accent1"/>
+          </a:lnRef>
+          <a:fillRef idx="0">
+            <a:schemeClr val="accent1"/>
+          </a:fillRef>
+          <a:effectRef idx="1">
+            <a:schemeClr val="accent1"/>
+          </a:effectRef>
+          <a:fontRef idx="minor">
+            <a:schemeClr val="tx1"/>
+          </a:fontRef>
+        </p:style>
+      </p:cxnSp>
+      <p:sp>
+        <p:nvSpPr>
+          <p:cNvPr id="64" name="云形 63">
+            <a:extLst>
+              <a:ext uri="{FF2B5EF4-FFF2-40B4-BE49-F238E27FC236}">
+                <a16:creationId xmlns:a16="http://schemas.microsoft.com/office/drawing/2014/main" id="{D7943D18-DB10-477C-B475-F82A6E31F7BD}"/>
+              </a:ext>
+            </a:extLst>
+          </p:cNvPr>
+          <p:cNvSpPr/>
+          <p:nvPr/>
+        </p:nvSpPr>
+        <p:spPr>
+          <a:xfrm>
+            <a:off x="6397655" y="5193067"/>
+            <a:ext cx="750455" cy="457200"/>
+          </a:xfrm>
+          <a:prstGeom prst="cloud">
+            <a:avLst/>
+          </a:prstGeom>
+          <a:noFill/>
+        </p:spPr>
+        <p:style>
+          <a:lnRef idx="2">
+            <a:schemeClr val="accent1">
+              <a:shade val="50000"/>
+            </a:schemeClr>
+          </a:lnRef>
+          <a:fillRef idx="1">
+            <a:schemeClr val="accent1"/>
+          </a:fillRef>
+          <a:effectRef idx="0">
+            <a:schemeClr val="accent1"/>
+          </a:effectRef>
+          <a:fontRef idx="minor">
+            <a:schemeClr val="lt1"/>
+          </a:fontRef>
+        </p:style>
+        <p:txBody>
+          <a:bodyPr rtlCol="0" anchor="ctr"/>
+          <a:lstStyle/>
+          <a:p>
+            <a:pPr algn="ctr"/>
+            <a:endParaRPr lang="zh-CN" altLang="en-US" dirty="0">
+              <a:solidFill>
+                <a:schemeClr val="tx1"/>
+              </a:solidFill>
+            </a:endParaRPr>
+          </a:p>
+        </p:txBody>
+      </p:sp>
+      <p:sp>
+        <p:nvSpPr>
+          <p:cNvPr id="65" name="流程图: 延期 64">
+            <a:extLst>
+              <a:ext uri="{FF2B5EF4-FFF2-40B4-BE49-F238E27FC236}">
+                <a16:creationId xmlns:a16="http://schemas.microsoft.com/office/drawing/2014/main" id="{E18456EC-90D9-486C-A49A-01022D1BEBE1}"/>
+              </a:ext>
+            </a:extLst>
+          </p:cNvPr>
+          <p:cNvSpPr/>
+          <p:nvPr/>
+        </p:nvSpPr>
+        <p:spPr>
+          <a:xfrm>
+            <a:off x="6080230" y="1942049"/>
+            <a:ext cx="734292" cy="618885"/>
+          </a:xfrm>
+          <a:prstGeom prst="flowChartDelay">
+            <a:avLst/>
+          </a:prstGeom>
+          <a:solidFill>
+            <a:schemeClr val="bg1"/>
+          </a:solidFill>
+        </p:spPr>
+        <p:style>
+          <a:lnRef idx="2">
+            <a:schemeClr val="accent1">
+              <a:shade val="50000"/>
+            </a:schemeClr>
+          </a:lnRef>
+          <a:fillRef idx="1">
+            <a:schemeClr val="accent1"/>
+          </a:fillRef>
+          <a:effectRef idx="0">
+            <a:schemeClr val="accent1"/>
+          </a:effectRef>
+          <a:fontRef idx="minor">
+            <a:schemeClr val="lt1"/>
+          </a:fontRef>
+        </p:style>
+        <p:txBody>
+          <a:bodyPr rtlCol="0" anchor="ctr"/>
+          <a:lstStyle/>
+          <a:p>
+            <a:pPr algn="ctr"/>
+            <a:endParaRPr lang="zh-CN" altLang="en-US" sz="1350"/>
+          </a:p>
+        </p:txBody>
+      </p:sp>
+      <p:sp>
+        <p:nvSpPr>
+          <p:cNvPr id="67" name="流程图: 延期 66">
+            <a:extLst>
+              <a:ext uri="{FF2B5EF4-FFF2-40B4-BE49-F238E27FC236}">
+                <a16:creationId xmlns:a16="http://schemas.microsoft.com/office/drawing/2014/main" id="{35AF8756-7639-43D6-8FFE-27BA591247F5}"/>
+              </a:ext>
+            </a:extLst>
+          </p:cNvPr>
+          <p:cNvSpPr/>
+          <p:nvPr/>
+        </p:nvSpPr>
+        <p:spPr>
+          <a:xfrm>
+            <a:off x="7461027" y="3705470"/>
+            <a:ext cx="734292" cy="587923"/>
+          </a:xfrm>
+          <a:prstGeom prst="flowChartDelay">
+            <a:avLst/>
+          </a:prstGeom>
+          <a:solidFill>
+            <a:schemeClr val="bg1"/>
+          </a:solidFill>
+        </p:spPr>
+        <p:style>
+          <a:lnRef idx="2">
+            <a:schemeClr val="accent1">
+              <a:shade val="50000"/>
+            </a:schemeClr>
+          </a:lnRef>
+          <a:fillRef idx="1">
+            <a:schemeClr val="accent1"/>
+          </a:fillRef>
+          <a:effectRef idx="0">
+            <a:schemeClr val="accent1"/>
+          </a:effectRef>
+          <a:fontRef idx="minor">
+            <a:schemeClr val="lt1"/>
+          </a:fontRef>
+        </p:style>
+        <p:txBody>
+          <a:bodyPr rtlCol="0" anchor="ctr"/>
+          <a:lstStyle/>
+          <a:p>
+            <a:pPr algn="ctr"/>
+            <a:endParaRPr lang="zh-CN" altLang="en-US" sz="1350"/>
+          </a:p>
+        </p:txBody>
+      </p:sp>
+      <p:grpSp>
+        <p:nvGrpSpPr>
+          <p:cNvPr id="68" name="组合 67">
+            <a:extLst>
+              <a:ext uri="{FF2B5EF4-FFF2-40B4-BE49-F238E27FC236}">
+                <a16:creationId xmlns:a16="http://schemas.microsoft.com/office/drawing/2014/main" id="{8D5500D2-90FA-4166-8320-49CC2454C103}"/>
+              </a:ext>
+            </a:extLst>
+          </p:cNvPr>
+          <p:cNvGrpSpPr/>
+          <p:nvPr/>
+        </p:nvGrpSpPr>
+        <p:grpSpPr>
+          <a:xfrm>
+            <a:off x="8788179" y="3825689"/>
+            <a:ext cx="679444" cy="1033153"/>
+            <a:chOff x="1709379" y="2178422"/>
+            <a:chExt cx="679444" cy="1033153"/>
+          </a:xfrm>
+        </p:grpSpPr>
+        <p:sp>
+          <p:nvSpPr>
+            <p:cNvPr id="69" name="矩形 68">
+              <a:extLst>
+                <a:ext uri="{FF2B5EF4-FFF2-40B4-BE49-F238E27FC236}">
+                  <a16:creationId xmlns:a16="http://schemas.microsoft.com/office/drawing/2014/main" id="{1C79241B-A4C9-413C-A610-36E4177E2582}"/>
+                </a:ext>
+              </a:extLst>
+            </p:cNvPr>
+            <p:cNvSpPr/>
+            <p:nvPr/>
+          </p:nvSpPr>
+          <p:spPr>
+            <a:xfrm>
+              <a:off x="1812870" y="2178422"/>
+              <a:ext cx="575953" cy="1033153"/>
+            </a:xfrm>
+            <a:prstGeom prst="rect">
+              <a:avLst/>
+            </a:prstGeom>
+            <a:noFill/>
+          </p:spPr>
+          <p:style>
+            <a:lnRef idx="2">
+              <a:schemeClr val="accent1">
+                <a:shade val="50000"/>
+              </a:schemeClr>
+            </a:lnRef>
+            <a:fillRef idx="1">
+              <a:schemeClr val="accent1"/>
+            </a:fillRef>
+            <a:effectRef idx="0">
+              <a:schemeClr val="accent1"/>
+            </a:effectRef>
+            <a:fontRef idx="minor">
+              <a:schemeClr val="lt1"/>
+            </a:fontRef>
+          </p:style>
+          <p:txBody>
+            <a:bodyPr rtlCol="0" anchor="ctr"/>
+            <a:lstStyle/>
+            <a:p>
+              <a:pPr algn="ctr"/>
+              <a:endParaRPr lang="zh-CN" altLang="en-US" dirty="0">
+                <a:solidFill>
+                  <a:schemeClr val="tx1"/>
+                </a:solidFill>
+              </a:endParaRPr>
+            </a:p>
+          </p:txBody>
+        </p:sp>
+        <p:sp>
+          <p:nvSpPr>
+            <p:cNvPr id="70" name="直角三角形 69">
+              <a:extLst>
+                <a:ext uri="{FF2B5EF4-FFF2-40B4-BE49-F238E27FC236}">
+                  <a16:creationId xmlns:a16="http://schemas.microsoft.com/office/drawing/2014/main" id="{B34E261E-B93B-440E-8AAB-6944E434D33F}"/>
+                </a:ext>
+              </a:extLst>
+            </p:cNvPr>
+            <p:cNvSpPr/>
+            <p:nvPr/>
+          </p:nvSpPr>
+          <p:spPr>
+            <a:xfrm rot="13320000">
+              <a:off x="1709379" y="2836098"/>
+              <a:ext cx="206982" cy="226517"/>
+            </a:xfrm>
+            <a:prstGeom prst="rtTriangle">
+              <a:avLst/>
+            </a:prstGeom>
+            <a:noFill/>
+          </p:spPr>
+          <p:style>
+            <a:lnRef idx="2">
+              <a:schemeClr val="accent1">
+                <a:shade val="50000"/>
+              </a:schemeClr>
+            </a:lnRef>
+            <a:fillRef idx="1">
+              <a:schemeClr val="accent1"/>
+            </a:fillRef>
+            <a:effectRef idx="0">
+              <a:schemeClr val="accent1"/>
+            </a:effectRef>
+            <a:fontRef idx="minor">
+              <a:schemeClr val="lt1"/>
+            </a:fontRef>
+          </p:style>
+          <p:txBody>
+            <a:bodyPr rtlCol="0" anchor="ctr"/>
+            <a:lstStyle/>
+            <a:p>
+              <a:pPr algn="ctr"/>
+              <a:endParaRPr lang="zh-CN" altLang="en-US"/>
+            </a:p>
+          </p:txBody>
+        </p:sp>
+      </p:grpSp>
+      <p:cxnSp>
+        <p:nvCxnSpPr>
+          <p:cNvPr id="72" name="连接符: 肘形 71">
+            <a:extLst>
+              <a:ext uri="{FF2B5EF4-FFF2-40B4-BE49-F238E27FC236}">
+                <a16:creationId xmlns:a16="http://schemas.microsoft.com/office/drawing/2014/main" id="{1F9D9D35-3DC8-434A-8073-30C26B9692F4}"/>
+              </a:ext>
+            </a:extLst>
+          </p:cNvPr>
+          <p:cNvCxnSpPr>
+            <a:cxnSpLocks/>
+          </p:cNvCxnSpPr>
+          <p:nvPr/>
+        </p:nvCxnSpPr>
+        <p:spPr>
+          <a:xfrm>
+            <a:off x="5328903" y="1375447"/>
+            <a:ext cx="751327" cy="671478"/>
+          </a:xfrm>
+          <a:prstGeom prst="bentConnector3">
+            <a:avLst/>
+          </a:prstGeom>
+        </p:spPr>
+        <p:style>
+          <a:lnRef idx="2">
+            <a:schemeClr val="accent1"/>
+          </a:lnRef>
+          <a:fillRef idx="0">
+            <a:schemeClr val="accent1"/>
+          </a:fillRef>
+          <a:effectRef idx="1">
+            <a:schemeClr val="accent1"/>
+          </a:effectRef>
+          <a:fontRef idx="minor">
+            <a:schemeClr val="tx1"/>
+          </a:fontRef>
+        </p:style>
+      </p:cxnSp>
+      <p:cxnSp>
+        <p:nvCxnSpPr>
+          <p:cNvPr id="74" name="连接符: 肘形 73">
+            <a:extLst>
+              <a:ext uri="{FF2B5EF4-FFF2-40B4-BE49-F238E27FC236}">
+                <a16:creationId xmlns:a16="http://schemas.microsoft.com/office/drawing/2014/main" id="{A8BC0311-DB7F-4FE1-83C1-19C463036177}"/>
+              </a:ext>
+            </a:extLst>
+          </p:cNvPr>
+          <p:cNvCxnSpPr>
+            <a:cxnSpLocks/>
+          </p:cNvCxnSpPr>
+          <p:nvPr/>
+        </p:nvCxnSpPr>
+        <p:spPr>
+          <a:xfrm flipV="1">
+            <a:off x="5334099" y="2444624"/>
+            <a:ext cx="740933" cy="318542"/>
+          </a:xfrm>
+          <a:prstGeom prst="bentConnector3">
+            <a:avLst/>
+          </a:prstGeom>
+        </p:spPr>
+        <p:style>
+          <a:lnRef idx="2">
+            <a:schemeClr val="accent1"/>
+          </a:lnRef>
+          <a:fillRef idx="0">
+            <a:schemeClr val="accent1"/>
+          </a:fillRef>
+          <a:effectRef idx="1">
+            <a:schemeClr val="accent1"/>
+          </a:effectRef>
+          <a:fontRef idx="minor">
+            <a:schemeClr val="tx1"/>
+          </a:fontRef>
+        </p:style>
+      </p:cxnSp>
+      <p:cxnSp>
+        <p:nvCxnSpPr>
+          <p:cNvPr id="77" name="直接连接符 76">
+            <a:extLst>
+              <a:ext uri="{FF2B5EF4-FFF2-40B4-BE49-F238E27FC236}">
+                <a16:creationId xmlns:a16="http://schemas.microsoft.com/office/drawing/2014/main" id="{F4E0A87E-FC0A-4B84-A808-AE2A4C9F29EC}"/>
+              </a:ext>
+            </a:extLst>
+          </p:cNvPr>
+          <p:cNvCxnSpPr>
+            <a:cxnSpLocks/>
+          </p:cNvCxnSpPr>
+          <p:nvPr/>
+        </p:nvCxnSpPr>
+        <p:spPr>
+          <a:xfrm>
+            <a:off x="5336714" y="4156803"/>
+            <a:ext cx="2116502" cy="0"/>
+          </a:xfrm>
+          <a:prstGeom prst="line">
+            <a:avLst/>
+          </a:prstGeom>
+        </p:spPr>
+        <p:style>
+          <a:lnRef idx="2">
+            <a:schemeClr val="accent1"/>
+          </a:lnRef>
+          <a:fillRef idx="0">
+            <a:schemeClr val="accent1"/>
+          </a:fillRef>
+          <a:effectRef idx="1">
+            <a:schemeClr val="accent1"/>
+          </a:effectRef>
+          <a:fontRef idx="minor">
+            <a:schemeClr val="tx1"/>
+          </a:fontRef>
+        </p:style>
+      </p:cxnSp>
+      <p:cxnSp>
+        <p:nvCxnSpPr>
+          <p:cNvPr id="79" name="连接符: 肘形 78">
+            <a:extLst>
+              <a:ext uri="{FF2B5EF4-FFF2-40B4-BE49-F238E27FC236}">
+                <a16:creationId xmlns:a16="http://schemas.microsoft.com/office/drawing/2014/main" id="{AC09D628-0FCA-4D2A-A32E-CE283B6EE752}"/>
+              </a:ext>
+            </a:extLst>
+          </p:cNvPr>
+          <p:cNvCxnSpPr>
+            <a:cxnSpLocks/>
+            <a:stCxn id="65" idx="3"/>
+          </p:cNvCxnSpPr>
+          <p:nvPr/>
+        </p:nvCxnSpPr>
+        <p:spPr>
+          <a:xfrm>
+            <a:off x="6814522" y="2251492"/>
+            <a:ext cx="333588" cy="1608075"/>
+          </a:xfrm>
+          <a:prstGeom prst="bentConnector2">
+            <a:avLst/>
+          </a:prstGeom>
+        </p:spPr>
+        <p:style>
+          <a:lnRef idx="2">
+            <a:schemeClr val="accent1"/>
+          </a:lnRef>
+          <a:fillRef idx="0">
+            <a:schemeClr val="accent1"/>
+          </a:fillRef>
+          <a:effectRef idx="1">
+            <a:schemeClr val="accent1"/>
+          </a:effectRef>
+          <a:fontRef idx="minor">
+            <a:schemeClr val="tx1"/>
+          </a:fontRef>
+        </p:style>
+      </p:cxnSp>
+      <p:cxnSp>
+        <p:nvCxnSpPr>
+          <p:cNvPr id="84" name="直接连接符 83">
+            <a:extLst>
+              <a:ext uri="{FF2B5EF4-FFF2-40B4-BE49-F238E27FC236}">
+                <a16:creationId xmlns:a16="http://schemas.microsoft.com/office/drawing/2014/main" id="{196241B7-08ED-4097-B500-5C5C35839C60}"/>
+              </a:ext>
+            </a:extLst>
+          </p:cNvPr>
+          <p:cNvCxnSpPr>
+            <a:cxnSpLocks/>
+          </p:cNvCxnSpPr>
+          <p:nvPr/>
+        </p:nvCxnSpPr>
+        <p:spPr>
+          <a:xfrm>
+            <a:off x="7148110" y="3859567"/>
+            <a:ext cx="312917" cy="0"/>
+          </a:xfrm>
+          <a:prstGeom prst="line">
+            <a:avLst/>
+          </a:prstGeom>
+        </p:spPr>
+        <p:style>
+          <a:lnRef idx="2">
+            <a:schemeClr val="accent1"/>
+          </a:lnRef>
+          <a:fillRef idx="0">
+            <a:schemeClr val="accent1"/>
+          </a:fillRef>
+          <a:effectRef idx="1">
+            <a:schemeClr val="accent1"/>
+          </a:effectRef>
+          <a:fontRef idx="minor">
+            <a:schemeClr val="tx1"/>
+          </a:fontRef>
+        </p:style>
+      </p:cxnSp>
+      <p:cxnSp>
+        <p:nvCxnSpPr>
+          <p:cNvPr id="86" name="直接连接符 85">
+            <a:extLst>
+              <a:ext uri="{FF2B5EF4-FFF2-40B4-BE49-F238E27FC236}">
+                <a16:creationId xmlns:a16="http://schemas.microsoft.com/office/drawing/2014/main" id="{A3354642-63B8-4D8E-BF42-8F1CA4C03665}"/>
+              </a:ext>
+            </a:extLst>
+          </p:cNvPr>
+          <p:cNvCxnSpPr>
+            <a:cxnSpLocks/>
+            <a:stCxn id="67" idx="3"/>
+          </p:cNvCxnSpPr>
+          <p:nvPr/>
+        </p:nvCxnSpPr>
+        <p:spPr>
+          <a:xfrm flipV="1">
+            <a:off x="8195319" y="3999431"/>
+            <a:ext cx="688361" cy="1"/>
+          </a:xfrm>
+          <a:prstGeom prst="line">
+            <a:avLst/>
+          </a:prstGeom>
+        </p:spPr>
+        <p:style>
+          <a:lnRef idx="2">
+            <a:schemeClr val="accent1"/>
+          </a:lnRef>
+          <a:fillRef idx="0">
+            <a:schemeClr val="accent1"/>
+          </a:fillRef>
+          <a:effectRef idx="1">
+            <a:schemeClr val="accent1"/>
+          </a:effectRef>
+          <a:fontRef idx="minor">
+            <a:schemeClr val="tx1"/>
+          </a:fontRef>
+        </p:style>
+      </p:cxnSp>
+      <p:cxnSp>
+        <p:nvCxnSpPr>
+          <p:cNvPr id="90" name="连接符: 肘形 89">
+            <a:extLst>
+              <a:ext uri="{FF2B5EF4-FFF2-40B4-BE49-F238E27FC236}">
+                <a16:creationId xmlns:a16="http://schemas.microsoft.com/office/drawing/2014/main" id="{7F7A8E27-7651-4C9C-A37E-0C60585C802B}"/>
+              </a:ext>
+            </a:extLst>
+          </p:cNvPr>
+          <p:cNvCxnSpPr>
+            <a:cxnSpLocks/>
+            <a:stCxn id="64" idx="0"/>
+            <a:endCxn id="70" idx="5"/>
+          </p:cNvCxnSpPr>
+          <p:nvPr/>
+        </p:nvCxnSpPr>
+        <p:spPr>
+          <a:xfrm flipV="1">
+            <a:off x="7147485" y="4596623"/>
+            <a:ext cx="1744185" cy="825044"/>
+          </a:xfrm>
+          <a:prstGeom prst="bentConnector3">
+            <a:avLst/>
+          </a:prstGeom>
+        </p:spPr>
+        <p:style>
+          <a:lnRef idx="2">
+            <a:schemeClr val="accent1"/>
+          </a:lnRef>
+          <a:fillRef idx="0">
+            <a:schemeClr val="accent1"/>
+          </a:fillRef>
+          <a:effectRef idx="1">
+            <a:schemeClr val="accent1"/>
+          </a:effectRef>
+          <a:fontRef idx="minor">
+            <a:schemeClr val="tx1"/>
+          </a:fontRef>
+        </p:style>
+      </p:cxnSp>
+      <p:sp>
+        <p:nvSpPr>
+          <p:cNvPr id="92" name="任意多边形: 形状 91">
+            <a:extLst>
+              <a:ext uri="{FF2B5EF4-FFF2-40B4-BE49-F238E27FC236}">
+                <a16:creationId xmlns:a16="http://schemas.microsoft.com/office/drawing/2014/main" id="{EA9EA88D-1A0F-47E8-9129-8DEDE5D63053}"/>
+              </a:ext>
+            </a:extLst>
+          </p:cNvPr>
+          <p:cNvSpPr/>
+          <p:nvPr/>
+        </p:nvSpPr>
+        <p:spPr>
+          <a:xfrm>
+            <a:off x="4906993" y="1373542"/>
+            <a:ext cx="419100" cy="595313"/>
+          </a:xfrm>
+          <a:custGeom>
+            <a:avLst/>
+            <a:gdLst>
+              <a:gd name="connsiteX0" fmla="*/ 0 w 419100"/>
+              <a:gd name="connsiteY0" fmla="*/ 595313 h 595313"/>
+              <a:gd name="connsiteX1" fmla="*/ 114300 w 419100"/>
+              <a:gd name="connsiteY1" fmla="*/ 423863 h 595313"/>
+              <a:gd name="connsiteX2" fmla="*/ 152400 w 419100"/>
+              <a:gd name="connsiteY2" fmla="*/ 200025 h 595313"/>
+              <a:gd name="connsiteX3" fmla="*/ 261937 w 419100"/>
+              <a:gd name="connsiteY3" fmla="*/ 33338 h 595313"/>
+              <a:gd name="connsiteX4" fmla="*/ 419100 w 419100"/>
+              <a:gd name="connsiteY4" fmla="*/ 0 h 595313"/>
+            </a:gdLst>
+            <a:ahLst/>
+            <a:cxnLst>
+              <a:cxn ang="0">
+                <a:pos x="connsiteX0" y="connsiteY0"/>
+              </a:cxn>
+              <a:cxn ang="0">
+                <a:pos x="connsiteX1" y="connsiteY1"/>
+              </a:cxn>
+              <a:cxn ang="0">
+                <a:pos x="connsiteX2" y="connsiteY2"/>
+              </a:cxn>
+              <a:cxn ang="0">
+                <a:pos x="connsiteX3" y="connsiteY3"/>
+              </a:cxn>
+              <a:cxn ang="0">
+                <a:pos x="connsiteX4" y="connsiteY4"/>
+              </a:cxn>
+            </a:cxnLst>
+            <a:rect l="l" t="t" r="r" b="b"/>
+            <a:pathLst>
+              <a:path w="419100" h="595313">
+                <a:moveTo>
+                  <a:pt x="0" y="595313"/>
+                </a:moveTo>
+                <a:cubicBezTo>
+                  <a:pt x="44450" y="542528"/>
+                  <a:pt x="88900" y="489744"/>
+                  <a:pt x="114300" y="423863"/>
+                </a:cubicBezTo>
+                <a:cubicBezTo>
+                  <a:pt x="139700" y="357982"/>
+                  <a:pt x="127794" y="265112"/>
+                  <a:pt x="152400" y="200025"/>
+                </a:cubicBezTo>
+                <a:cubicBezTo>
+                  <a:pt x="177006" y="134938"/>
+                  <a:pt x="217487" y="66675"/>
+                  <a:pt x="261937" y="33338"/>
+                </a:cubicBezTo>
+                <a:cubicBezTo>
+                  <a:pt x="306387" y="1"/>
+                  <a:pt x="362743" y="0"/>
+                  <a:pt x="419100" y="0"/>
+                </a:cubicBezTo>
+              </a:path>
+            </a:pathLst>
+          </a:custGeom>
+          <a:ln w="9525" cap="flat" cmpd="sng" algn="ctr">
+            <a:solidFill>
+              <a:schemeClr val="accent1"/>
+            </a:solidFill>
+            <a:prstDash val="dash"/>
+            <a:round/>
+            <a:headEnd type="none" w="med" len="med"/>
+            <a:tailEnd type="none" w="med" len="med"/>
+          </a:ln>
+        </p:spPr>
+        <p:style>
+          <a:lnRef idx="0">
+            <a:scrgbClr r="0" g="0" b="0"/>
+          </a:lnRef>
+          <a:fillRef idx="0">
+            <a:scrgbClr r="0" g="0" b="0"/>
+          </a:fillRef>
+          <a:effectRef idx="0">
+            <a:scrgbClr r="0" g="0" b="0"/>
+          </a:effectRef>
+          <a:fontRef idx="minor">
+            <a:schemeClr val="tx1"/>
+          </a:fontRef>
+        </p:style>
+        <p:txBody>
+          <a:bodyPr rtlCol="0" anchor="ctr"/>
+          <a:lstStyle/>
+          <a:p>
+            <a:pPr algn="ctr"/>
+            <a:endParaRPr lang="zh-CN" altLang="en-US"/>
+          </a:p>
+        </p:txBody>
+      </p:sp>
+      <p:sp>
+        <p:nvSpPr>
+          <p:cNvPr id="93" name="任意多边形: 形状 92">
+            <a:extLst>
+              <a:ext uri="{FF2B5EF4-FFF2-40B4-BE49-F238E27FC236}">
+                <a16:creationId xmlns:a16="http://schemas.microsoft.com/office/drawing/2014/main" id="{E87618E0-2A64-4C56-AC2A-C83F8BE46A47}"/>
+              </a:ext>
+            </a:extLst>
+          </p:cNvPr>
+          <p:cNvSpPr/>
+          <p:nvPr/>
+        </p:nvSpPr>
+        <p:spPr>
+          <a:xfrm>
+            <a:off x="4918586" y="2734376"/>
+            <a:ext cx="419100" cy="595313"/>
+          </a:xfrm>
+          <a:custGeom>
+            <a:avLst/>
+            <a:gdLst>
+              <a:gd name="connsiteX0" fmla="*/ 0 w 419100"/>
+              <a:gd name="connsiteY0" fmla="*/ 595313 h 595313"/>
+              <a:gd name="connsiteX1" fmla="*/ 114300 w 419100"/>
+              <a:gd name="connsiteY1" fmla="*/ 423863 h 595313"/>
+              <a:gd name="connsiteX2" fmla="*/ 152400 w 419100"/>
+              <a:gd name="connsiteY2" fmla="*/ 200025 h 595313"/>
+              <a:gd name="connsiteX3" fmla="*/ 261937 w 419100"/>
+              <a:gd name="connsiteY3" fmla="*/ 33338 h 595313"/>
+              <a:gd name="connsiteX4" fmla="*/ 419100 w 419100"/>
+              <a:gd name="connsiteY4" fmla="*/ 0 h 595313"/>
+            </a:gdLst>
+            <a:ahLst/>
+            <a:cxnLst>
+              <a:cxn ang="0">
+                <a:pos x="connsiteX0" y="connsiteY0"/>
+              </a:cxn>
+              <a:cxn ang="0">
+                <a:pos x="connsiteX1" y="connsiteY1"/>
+              </a:cxn>
+              <a:cxn ang="0">
+                <a:pos x="connsiteX2" y="connsiteY2"/>
+              </a:cxn>
+              <a:cxn ang="0">
+                <a:pos x="connsiteX3" y="connsiteY3"/>
+              </a:cxn>
+              <a:cxn ang="0">
+                <a:pos x="connsiteX4" y="connsiteY4"/>
+              </a:cxn>
+            </a:cxnLst>
+            <a:rect l="l" t="t" r="r" b="b"/>
+            <a:pathLst>
+              <a:path w="419100" h="595313">
+                <a:moveTo>
+                  <a:pt x="0" y="595313"/>
+                </a:moveTo>
+                <a:cubicBezTo>
+                  <a:pt x="44450" y="542528"/>
+                  <a:pt x="88900" y="489744"/>
+                  <a:pt x="114300" y="423863"/>
+                </a:cubicBezTo>
+                <a:cubicBezTo>
+                  <a:pt x="139700" y="357982"/>
+                  <a:pt x="127794" y="265112"/>
+                  <a:pt x="152400" y="200025"/>
+                </a:cubicBezTo>
+                <a:cubicBezTo>
+                  <a:pt x="177006" y="134938"/>
+                  <a:pt x="217487" y="66675"/>
+                  <a:pt x="261937" y="33338"/>
+                </a:cubicBezTo>
+                <a:cubicBezTo>
+                  <a:pt x="306387" y="1"/>
+                  <a:pt x="362743" y="0"/>
+                  <a:pt x="419100" y="0"/>
+                </a:cubicBezTo>
+              </a:path>
+            </a:pathLst>
+          </a:custGeom>
+          <a:ln w="9525" cap="flat" cmpd="sng" algn="ctr">
+            <a:solidFill>
+              <a:schemeClr val="accent1"/>
+            </a:solidFill>
+            <a:prstDash val="dash"/>
+            <a:round/>
+            <a:headEnd type="none" w="med" len="med"/>
+            <a:tailEnd type="none" w="med" len="med"/>
+          </a:ln>
+        </p:spPr>
+        <p:style>
+          <a:lnRef idx="0">
+            <a:scrgbClr r="0" g="0" b="0"/>
+          </a:lnRef>
+          <a:fillRef idx="0">
+            <a:scrgbClr r="0" g="0" b="0"/>
+          </a:fillRef>
+          <a:effectRef idx="0">
+            <a:scrgbClr r="0" g="0" b="0"/>
+          </a:effectRef>
+          <a:fontRef idx="minor">
+            <a:schemeClr val="tx1"/>
+          </a:fontRef>
+        </p:style>
+        <p:txBody>
+          <a:bodyPr rtlCol="0" anchor="ctr"/>
+          <a:lstStyle/>
+          <a:p>
+            <a:pPr algn="ctr"/>
+            <a:endParaRPr lang="zh-CN" altLang="en-US"/>
+          </a:p>
+        </p:txBody>
+      </p:sp>
+      <p:sp>
+        <p:nvSpPr>
+          <p:cNvPr id="94" name="任意多边形: 形状 93">
+            <a:extLst>
+              <a:ext uri="{FF2B5EF4-FFF2-40B4-BE49-F238E27FC236}">
+                <a16:creationId xmlns:a16="http://schemas.microsoft.com/office/drawing/2014/main" id="{637C0ED5-EBDA-4190-A20B-62ED43A9808B}"/>
+              </a:ext>
+            </a:extLst>
+          </p:cNvPr>
+          <p:cNvSpPr/>
+          <p:nvPr/>
+        </p:nvSpPr>
+        <p:spPr>
+          <a:xfrm>
+            <a:off x="4925307" y="4102973"/>
+            <a:ext cx="419100" cy="595313"/>
+          </a:xfrm>
+          <a:custGeom>
+            <a:avLst/>
+            <a:gdLst>
+              <a:gd name="connsiteX0" fmla="*/ 0 w 419100"/>
+              <a:gd name="connsiteY0" fmla="*/ 595313 h 595313"/>
+              <a:gd name="connsiteX1" fmla="*/ 114300 w 419100"/>
+              <a:gd name="connsiteY1" fmla="*/ 423863 h 595313"/>
+              <a:gd name="connsiteX2" fmla="*/ 152400 w 419100"/>
+              <a:gd name="connsiteY2" fmla="*/ 200025 h 595313"/>
+              <a:gd name="connsiteX3" fmla="*/ 261937 w 419100"/>
+              <a:gd name="connsiteY3" fmla="*/ 33338 h 595313"/>
+              <a:gd name="connsiteX4" fmla="*/ 419100 w 419100"/>
+              <a:gd name="connsiteY4" fmla="*/ 0 h 595313"/>
+            </a:gdLst>
+            <a:ahLst/>
+            <a:cxnLst>
+              <a:cxn ang="0">
+                <a:pos x="connsiteX0" y="connsiteY0"/>
+              </a:cxn>
+              <a:cxn ang="0">
+                <a:pos x="connsiteX1" y="connsiteY1"/>
+              </a:cxn>
+              <a:cxn ang="0">
+                <a:pos x="connsiteX2" y="connsiteY2"/>
+              </a:cxn>
+              <a:cxn ang="0">
+                <a:pos x="connsiteX3" y="connsiteY3"/>
+              </a:cxn>
+              <a:cxn ang="0">
+                <a:pos x="connsiteX4" y="connsiteY4"/>
+              </a:cxn>
+            </a:cxnLst>
+            <a:rect l="l" t="t" r="r" b="b"/>
+            <a:pathLst>
+              <a:path w="419100" h="595313">
+                <a:moveTo>
+                  <a:pt x="0" y="595313"/>
+                </a:moveTo>
+                <a:cubicBezTo>
+                  <a:pt x="44450" y="542528"/>
+                  <a:pt x="88900" y="489744"/>
+                  <a:pt x="114300" y="423863"/>
+                </a:cubicBezTo>
+                <a:cubicBezTo>
+                  <a:pt x="139700" y="357982"/>
+                  <a:pt x="127794" y="265112"/>
+                  <a:pt x="152400" y="200025"/>
+                </a:cubicBezTo>
+                <a:cubicBezTo>
+                  <a:pt x="177006" y="134938"/>
+                  <a:pt x="217487" y="66675"/>
+                  <a:pt x="261937" y="33338"/>
+                </a:cubicBezTo>
+                <a:cubicBezTo>
+                  <a:pt x="306387" y="1"/>
+                  <a:pt x="362743" y="0"/>
+                  <a:pt x="419100" y="0"/>
+                </a:cubicBezTo>
+              </a:path>
+            </a:pathLst>
+          </a:custGeom>
+          <a:ln w="9525" cap="flat" cmpd="sng" algn="ctr">
+            <a:solidFill>
+              <a:schemeClr val="accent1"/>
+            </a:solidFill>
+            <a:prstDash val="dash"/>
+            <a:round/>
+            <a:headEnd type="none" w="med" len="med"/>
+            <a:tailEnd type="none" w="med" len="med"/>
+          </a:ln>
+        </p:spPr>
+        <p:style>
+          <a:lnRef idx="0">
+            <a:scrgbClr r="0" g="0" b="0"/>
+          </a:lnRef>
+          <a:fillRef idx="0">
+            <a:scrgbClr r="0" g="0" b="0"/>
+          </a:fillRef>
+          <a:effectRef idx="0">
+            <a:scrgbClr r="0" g="0" b="0"/>
+          </a:effectRef>
+          <a:fontRef idx="minor">
+            <a:schemeClr val="tx1"/>
+          </a:fontRef>
+        </p:style>
+        <p:txBody>
+          <a:bodyPr rtlCol="0" anchor="ctr"/>
+          <a:lstStyle/>
+          <a:p>
+            <a:pPr algn="ctr"/>
+            <a:endParaRPr lang="zh-CN" altLang="en-US"/>
+          </a:p>
+        </p:txBody>
+      </p:sp>
+      <p:sp>
+        <p:nvSpPr>
+          <p:cNvPr id="95" name="任意多边形: 形状 94">
+            <a:extLst>
+              <a:ext uri="{FF2B5EF4-FFF2-40B4-BE49-F238E27FC236}">
+                <a16:creationId xmlns:a16="http://schemas.microsoft.com/office/drawing/2014/main" id="{1B998C57-A737-4084-9C3C-1278038E6659}"/>
+              </a:ext>
+            </a:extLst>
+          </p:cNvPr>
+          <p:cNvSpPr/>
+          <p:nvPr/>
+        </p:nvSpPr>
+        <p:spPr>
+          <a:xfrm>
+            <a:off x="6102380" y="2040292"/>
+            <a:ext cx="685800" cy="219075"/>
+          </a:xfrm>
+          <a:custGeom>
+            <a:avLst/>
+            <a:gdLst>
+              <a:gd name="connsiteX0" fmla="*/ 0 w 685800"/>
+              <a:gd name="connsiteY0" fmla="*/ 0 h 219075"/>
+              <a:gd name="connsiteX1" fmla="*/ 214313 w 685800"/>
+              <a:gd name="connsiteY1" fmla="*/ 33338 h 219075"/>
+              <a:gd name="connsiteX2" fmla="*/ 395288 w 685800"/>
+              <a:gd name="connsiteY2" fmla="*/ 157163 h 219075"/>
+              <a:gd name="connsiteX3" fmla="*/ 685800 w 685800"/>
+              <a:gd name="connsiteY3" fmla="*/ 219075 h 219075"/>
+            </a:gdLst>
+            <a:ahLst/>
+            <a:cxnLst>
+              <a:cxn ang="0">
+                <a:pos x="connsiteX0" y="connsiteY0"/>
+              </a:cxn>
+              <a:cxn ang="0">
+                <a:pos x="connsiteX1" y="connsiteY1"/>
+              </a:cxn>
+              <a:cxn ang="0">
+                <a:pos x="connsiteX2" y="connsiteY2"/>
+              </a:cxn>
+              <a:cxn ang="0">
+                <a:pos x="connsiteX3" y="connsiteY3"/>
+              </a:cxn>
+            </a:cxnLst>
+            <a:rect l="l" t="t" r="r" b="b"/>
+            <a:pathLst>
+              <a:path w="685800" h="219075">
+                <a:moveTo>
+                  <a:pt x="0" y="0"/>
+                </a:moveTo>
+                <a:cubicBezTo>
+                  <a:pt x="74216" y="3572"/>
+                  <a:pt x="148432" y="7144"/>
+                  <a:pt x="214313" y="33338"/>
+                </a:cubicBezTo>
+                <a:cubicBezTo>
+                  <a:pt x="280194" y="59532"/>
+                  <a:pt x="316707" y="126207"/>
+                  <a:pt x="395288" y="157163"/>
+                </a:cubicBezTo>
+                <a:cubicBezTo>
+                  <a:pt x="473869" y="188119"/>
+                  <a:pt x="579834" y="203597"/>
+                  <a:pt x="685800" y="219075"/>
+                </a:cubicBezTo>
+              </a:path>
+            </a:pathLst>
+          </a:custGeom>
+          <a:ln w="9525" cap="flat" cmpd="sng" algn="ctr">
+            <a:solidFill>
+              <a:schemeClr val="accent1"/>
+            </a:solidFill>
+            <a:prstDash val="dash"/>
+            <a:round/>
+            <a:headEnd type="none" w="med" len="med"/>
+            <a:tailEnd type="none" w="med" len="med"/>
+          </a:ln>
+        </p:spPr>
+        <p:style>
+          <a:lnRef idx="0">
+            <a:scrgbClr r="0" g="0" b="0"/>
+          </a:lnRef>
+          <a:fillRef idx="0">
+            <a:scrgbClr r="0" g="0" b="0"/>
+          </a:fillRef>
+          <a:effectRef idx="0">
+            <a:scrgbClr r="0" g="0" b="0"/>
+          </a:effectRef>
+          <a:fontRef idx="minor">
+            <a:schemeClr val="tx1"/>
+          </a:fontRef>
+        </p:style>
+        <p:txBody>
+          <a:bodyPr rtlCol="0" anchor="ctr"/>
+          <a:lstStyle/>
+          <a:p>
+            <a:pPr algn="ctr"/>
+            <a:endParaRPr lang="zh-CN" altLang="en-US"/>
+          </a:p>
+        </p:txBody>
+      </p:sp>
+      <p:sp>
+        <p:nvSpPr>
+          <p:cNvPr id="96" name="任意多边形: 形状 95">
+            <a:extLst>
+              <a:ext uri="{FF2B5EF4-FFF2-40B4-BE49-F238E27FC236}">
+                <a16:creationId xmlns:a16="http://schemas.microsoft.com/office/drawing/2014/main" id="{6A2F85F1-75C2-41C6-996B-9039ED041109}"/>
+              </a:ext>
+            </a:extLst>
+          </p:cNvPr>
+          <p:cNvSpPr/>
+          <p:nvPr/>
+        </p:nvSpPr>
+        <p:spPr>
+          <a:xfrm flipV="1">
+            <a:off x="6108847" y="2248072"/>
+            <a:ext cx="685800" cy="219075"/>
+          </a:xfrm>
+          <a:custGeom>
+            <a:avLst/>
+            <a:gdLst>
+              <a:gd name="connsiteX0" fmla="*/ 0 w 685800"/>
+              <a:gd name="connsiteY0" fmla="*/ 0 h 219075"/>
+              <a:gd name="connsiteX1" fmla="*/ 214313 w 685800"/>
+              <a:gd name="connsiteY1" fmla="*/ 33338 h 219075"/>
+              <a:gd name="connsiteX2" fmla="*/ 395288 w 685800"/>
+              <a:gd name="connsiteY2" fmla="*/ 157163 h 219075"/>
+              <a:gd name="connsiteX3" fmla="*/ 685800 w 685800"/>
+              <a:gd name="connsiteY3" fmla="*/ 219075 h 219075"/>
+            </a:gdLst>
+            <a:ahLst/>
+            <a:cxnLst>
+              <a:cxn ang="0">
+                <a:pos x="connsiteX0" y="connsiteY0"/>
+              </a:cxn>
+              <a:cxn ang="0">
+                <a:pos x="connsiteX1" y="connsiteY1"/>
+              </a:cxn>
+              <a:cxn ang="0">
+                <a:pos x="connsiteX2" y="connsiteY2"/>
+              </a:cxn>
+              <a:cxn ang="0">
+                <a:pos x="connsiteX3" y="connsiteY3"/>
+              </a:cxn>
+            </a:cxnLst>
+            <a:rect l="l" t="t" r="r" b="b"/>
+            <a:pathLst>
+              <a:path w="685800" h="219075">
+                <a:moveTo>
+                  <a:pt x="0" y="0"/>
+                </a:moveTo>
+                <a:cubicBezTo>
+                  <a:pt x="74216" y="3572"/>
+                  <a:pt x="148432" y="7144"/>
+                  <a:pt x="214313" y="33338"/>
+                </a:cubicBezTo>
+                <a:cubicBezTo>
+                  <a:pt x="280194" y="59532"/>
+                  <a:pt x="316707" y="126207"/>
+                  <a:pt x="395288" y="157163"/>
+                </a:cubicBezTo>
+                <a:cubicBezTo>
+                  <a:pt x="473869" y="188119"/>
+                  <a:pt x="579834" y="203597"/>
+                  <a:pt x="685800" y="219075"/>
+                </a:cubicBezTo>
+              </a:path>
+            </a:pathLst>
+          </a:custGeom>
+          <a:ln w="9525" cap="flat" cmpd="sng" algn="ctr">
+            <a:solidFill>
+              <a:schemeClr val="accent1"/>
+            </a:solidFill>
+            <a:prstDash val="dash"/>
+            <a:round/>
+            <a:headEnd type="none" w="med" len="med"/>
+            <a:tailEnd type="none" w="med" len="med"/>
+          </a:ln>
+        </p:spPr>
+        <p:style>
+          <a:lnRef idx="0">
+            <a:scrgbClr r="0" g="0" b="0"/>
+          </a:lnRef>
+          <a:fillRef idx="0">
+            <a:scrgbClr r="0" g="0" b="0"/>
+          </a:fillRef>
+          <a:effectRef idx="0">
+            <a:scrgbClr r="0" g="0" b="0"/>
+          </a:effectRef>
+          <a:fontRef idx="minor">
+            <a:schemeClr val="tx1"/>
+          </a:fontRef>
+        </p:style>
+        <p:txBody>
+          <a:bodyPr rtlCol="0" anchor="ctr"/>
+          <a:lstStyle/>
+          <a:p>
+            <a:pPr algn="ctr"/>
+            <a:endParaRPr lang="zh-CN" altLang="en-US"/>
+          </a:p>
+        </p:txBody>
+      </p:sp>
+      <p:sp>
+        <p:nvSpPr>
+          <p:cNvPr id="97" name="任意多边形: 形状 96">
+            <a:extLst>
+              <a:ext uri="{FF2B5EF4-FFF2-40B4-BE49-F238E27FC236}">
+                <a16:creationId xmlns:a16="http://schemas.microsoft.com/office/drawing/2014/main" id="{B131388A-5683-45F7-A19E-060FDC1F0509}"/>
+              </a:ext>
+            </a:extLst>
+          </p:cNvPr>
+          <p:cNvSpPr/>
+          <p:nvPr/>
+        </p:nvSpPr>
+        <p:spPr>
+          <a:xfrm>
+            <a:off x="7495241" y="3791651"/>
+            <a:ext cx="685800" cy="219075"/>
+          </a:xfrm>
+          <a:custGeom>
+            <a:avLst/>
+            <a:gdLst>
+              <a:gd name="connsiteX0" fmla="*/ 0 w 685800"/>
+              <a:gd name="connsiteY0" fmla="*/ 0 h 219075"/>
+              <a:gd name="connsiteX1" fmla="*/ 214313 w 685800"/>
+              <a:gd name="connsiteY1" fmla="*/ 33338 h 219075"/>
+              <a:gd name="connsiteX2" fmla="*/ 395288 w 685800"/>
+              <a:gd name="connsiteY2" fmla="*/ 157163 h 219075"/>
+              <a:gd name="connsiteX3" fmla="*/ 685800 w 685800"/>
+              <a:gd name="connsiteY3" fmla="*/ 219075 h 219075"/>
+            </a:gdLst>
+            <a:ahLst/>
+            <a:cxnLst>
+              <a:cxn ang="0">
+                <a:pos x="connsiteX0" y="connsiteY0"/>
+              </a:cxn>
+              <a:cxn ang="0">
+                <a:pos x="connsiteX1" y="connsiteY1"/>
+              </a:cxn>
+              <a:cxn ang="0">
+                <a:pos x="connsiteX2" y="connsiteY2"/>
+              </a:cxn>
+              <a:cxn ang="0">
+                <a:pos x="connsiteX3" y="connsiteY3"/>
+              </a:cxn>
+            </a:cxnLst>
+            <a:rect l="l" t="t" r="r" b="b"/>
+            <a:pathLst>
+              <a:path w="685800" h="219075">
+                <a:moveTo>
+                  <a:pt x="0" y="0"/>
+                </a:moveTo>
+                <a:cubicBezTo>
+                  <a:pt x="74216" y="3572"/>
+                  <a:pt x="148432" y="7144"/>
+                  <a:pt x="214313" y="33338"/>
+                </a:cubicBezTo>
+                <a:cubicBezTo>
+                  <a:pt x="280194" y="59532"/>
+                  <a:pt x="316707" y="126207"/>
+                  <a:pt x="395288" y="157163"/>
+                </a:cubicBezTo>
+                <a:cubicBezTo>
+                  <a:pt x="473869" y="188119"/>
+                  <a:pt x="579834" y="203597"/>
+                  <a:pt x="685800" y="219075"/>
+                </a:cubicBezTo>
+              </a:path>
+            </a:pathLst>
+          </a:custGeom>
+          <a:ln w="9525" cap="flat" cmpd="sng" algn="ctr">
+            <a:solidFill>
+              <a:schemeClr val="accent1"/>
+            </a:solidFill>
+            <a:prstDash val="dash"/>
+            <a:round/>
+            <a:headEnd type="none" w="med" len="med"/>
+            <a:tailEnd type="none" w="med" len="med"/>
+          </a:ln>
+        </p:spPr>
+        <p:style>
+          <a:lnRef idx="0">
+            <a:scrgbClr r="0" g="0" b="0"/>
+          </a:lnRef>
+          <a:fillRef idx="0">
+            <a:scrgbClr r="0" g="0" b="0"/>
+          </a:fillRef>
+          <a:effectRef idx="0">
+            <a:scrgbClr r="0" g="0" b="0"/>
+          </a:effectRef>
+          <a:fontRef idx="minor">
+            <a:schemeClr val="tx1"/>
+          </a:fontRef>
+        </p:style>
+        <p:txBody>
+          <a:bodyPr rtlCol="0" anchor="ctr"/>
+          <a:lstStyle/>
+          <a:p>
+            <a:pPr algn="ctr"/>
+            <a:endParaRPr lang="zh-CN" altLang="en-US"/>
+          </a:p>
+        </p:txBody>
+      </p:sp>
+      <p:sp>
+        <p:nvSpPr>
+          <p:cNvPr id="98" name="任意多边形: 形状 97">
+            <a:extLst>
+              <a:ext uri="{FF2B5EF4-FFF2-40B4-BE49-F238E27FC236}">
+                <a16:creationId xmlns:a16="http://schemas.microsoft.com/office/drawing/2014/main" id="{F79DEFE5-63C5-44D5-A204-BE75496A9286}"/>
+              </a:ext>
+            </a:extLst>
+          </p:cNvPr>
+          <p:cNvSpPr/>
+          <p:nvPr/>
+        </p:nvSpPr>
+        <p:spPr>
+          <a:xfrm flipV="1">
+            <a:off x="7501708" y="3999431"/>
+            <a:ext cx="685800" cy="219075"/>
+          </a:xfrm>
+          <a:custGeom>
+            <a:avLst/>
+            <a:gdLst>
+              <a:gd name="connsiteX0" fmla="*/ 0 w 685800"/>
+              <a:gd name="connsiteY0" fmla="*/ 0 h 219075"/>
+              <a:gd name="connsiteX1" fmla="*/ 214313 w 685800"/>
+              <a:gd name="connsiteY1" fmla="*/ 33338 h 219075"/>
+              <a:gd name="connsiteX2" fmla="*/ 395288 w 685800"/>
+              <a:gd name="connsiteY2" fmla="*/ 157163 h 219075"/>
+              <a:gd name="connsiteX3" fmla="*/ 685800 w 685800"/>
+              <a:gd name="connsiteY3" fmla="*/ 219075 h 219075"/>
+            </a:gdLst>
+            <a:ahLst/>
+            <a:cxnLst>
+              <a:cxn ang="0">
+                <a:pos x="connsiteX0" y="connsiteY0"/>
+              </a:cxn>
+              <a:cxn ang="0">
+                <a:pos x="connsiteX1" y="connsiteY1"/>
+              </a:cxn>
+              <a:cxn ang="0">
+                <a:pos x="connsiteX2" y="connsiteY2"/>
+              </a:cxn>
+              <a:cxn ang="0">
+                <a:pos x="connsiteX3" y="connsiteY3"/>
+              </a:cxn>
+            </a:cxnLst>
+            <a:rect l="l" t="t" r="r" b="b"/>
+            <a:pathLst>
+              <a:path w="685800" h="219075">
+                <a:moveTo>
+                  <a:pt x="0" y="0"/>
+                </a:moveTo>
+                <a:cubicBezTo>
+                  <a:pt x="74216" y="3572"/>
+                  <a:pt x="148432" y="7144"/>
+                  <a:pt x="214313" y="33338"/>
+                </a:cubicBezTo>
+                <a:cubicBezTo>
+                  <a:pt x="280194" y="59532"/>
+                  <a:pt x="316707" y="126207"/>
+                  <a:pt x="395288" y="157163"/>
+                </a:cubicBezTo>
+                <a:cubicBezTo>
+                  <a:pt x="473869" y="188119"/>
+                  <a:pt x="579834" y="203597"/>
+                  <a:pt x="685800" y="219075"/>
+                </a:cubicBezTo>
+              </a:path>
+            </a:pathLst>
+          </a:custGeom>
+          <a:ln w="9525" cap="flat" cmpd="sng" algn="ctr">
+            <a:solidFill>
+              <a:schemeClr val="accent1"/>
+            </a:solidFill>
+            <a:prstDash val="dash"/>
+            <a:round/>
+            <a:headEnd type="none" w="med" len="med"/>
+            <a:tailEnd type="none" w="med" len="med"/>
+          </a:ln>
+        </p:spPr>
+        <p:style>
+          <a:lnRef idx="0">
+            <a:scrgbClr r="0" g="0" b="0"/>
+          </a:lnRef>
+          <a:fillRef idx="0">
+            <a:scrgbClr r="0" g="0" b="0"/>
+          </a:fillRef>
+          <a:effectRef idx="0">
+            <a:scrgbClr r="0" g="0" b="0"/>
+          </a:effectRef>
+          <a:fontRef idx="minor">
+            <a:schemeClr val="tx1"/>
+          </a:fontRef>
+        </p:style>
+        <p:txBody>
+          <a:bodyPr rtlCol="0" anchor="ctr"/>
+          <a:lstStyle/>
+          <a:p>
+            <a:pPr algn="ctr"/>
+            <a:endParaRPr lang="zh-CN" altLang="en-US"/>
+          </a:p>
+        </p:txBody>
+      </p:sp>
+      <p:cxnSp>
+        <p:nvCxnSpPr>
+          <p:cNvPr id="99" name="直接连接符 98">
+            <a:extLst>
+              <a:ext uri="{FF2B5EF4-FFF2-40B4-BE49-F238E27FC236}">
+                <a16:creationId xmlns:a16="http://schemas.microsoft.com/office/drawing/2014/main" id="{0861F3AB-66B8-45F4-8EF3-93FA03DB8274}"/>
+              </a:ext>
+            </a:extLst>
+          </p:cNvPr>
+          <p:cNvCxnSpPr>
+            <a:cxnSpLocks/>
+            <a:stCxn id="36" idx="3"/>
+            <a:endCxn id="24" idx="2"/>
+          </p:cNvCxnSpPr>
+          <p:nvPr/>
+        </p:nvCxnSpPr>
+        <p:spPr>
+          <a:xfrm>
+            <a:off x="2490223" y="4705425"/>
+            <a:ext cx="563015" cy="0"/>
+          </a:xfrm>
+          <a:prstGeom prst="line">
+            <a:avLst/>
+          </a:prstGeom>
+        </p:spPr>
+        <p:style>
+          <a:lnRef idx="2">
+            <a:schemeClr val="accent1"/>
+          </a:lnRef>
+          <a:fillRef idx="0">
+            <a:schemeClr val="accent1"/>
+          </a:fillRef>
+          <a:effectRef idx="1">
+            <a:schemeClr val="accent1"/>
+          </a:effectRef>
+          <a:fontRef idx="minor">
+            <a:schemeClr val="tx1"/>
+          </a:fontRef>
+        </p:style>
+      </p:cxnSp>
+      <p:sp>
+        <p:nvSpPr>
+          <p:cNvPr id="102" name="文本框 101">
+            <a:extLst>
+              <a:ext uri="{FF2B5EF4-FFF2-40B4-BE49-F238E27FC236}">
+                <a16:creationId xmlns:a16="http://schemas.microsoft.com/office/drawing/2014/main" id="{9FEB4CE5-EB9D-41B0-A7BB-D308EF1FD442}"/>
+              </a:ext>
+            </a:extLst>
+          </p:cNvPr>
+          <p:cNvSpPr txBox="1"/>
+          <p:nvPr/>
+        </p:nvSpPr>
+        <p:spPr>
+          <a:xfrm>
+            <a:off x="3056393" y="4513620"/>
+            <a:ext cx="700833" cy="369332"/>
+          </a:xfrm>
+          <a:prstGeom prst="rect">
+            <a:avLst/>
+          </a:prstGeom>
+          <a:noFill/>
+        </p:spPr>
+        <p:txBody>
+          <a:bodyPr wrap="none" rtlCol="0">
+            <a:spAutoFit/>
+          </a:bodyPr>
+          <a:lstStyle/>
+          <a:p>
+            <a:r>
+              <a:rPr lang="en-US" altLang="zh-CN" dirty="0"/>
+              <a:t>0.5ns</a:t>
+            </a:r>
+            <a:endParaRPr lang="zh-CN" altLang="en-US" dirty="0"/>
+          </a:p>
+        </p:txBody>
+      </p:sp>
+      <p:sp>
+        <p:nvSpPr>
+          <p:cNvPr id="103" name="文本框 102">
+            <a:extLst>
+              <a:ext uri="{FF2B5EF4-FFF2-40B4-BE49-F238E27FC236}">
+                <a16:creationId xmlns:a16="http://schemas.microsoft.com/office/drawing/2014/main" id="{D4DBA119-E3E4-4F75-9F01-787058551F8B}"/>
+              </a:ext>
+            </a:extLst>
+          </p:cNvPr>
+          <p:cNvSpPr txBox="1"/>
+          <p:nvPr/>
+        </p:nvSpPr>
+        <p:spPr>
+          <a:xfrm>
+            <a:off x="6394965" y="5237001"/>
+            <a:ext cx="700833" cy="369332"/>
+          </a:xfrm>
+          <a:prstGeom prst="rect">
+            <a:avLst/>
+          </a:prstGeom>
+          <a:noFill/>
+        </p:spPr>
+        <p:txBody>
+          <a:bodyPr wrap="none" rtlCol="0">
+            <a:spAutoFit/>
+          </a:bodyPr>
+          <a:lstStyle/>
+          <a:p>
+            <a:r>
+              <a:rPr lang="en-US" altLang="zh-CN" dirty="0"/>
+              <a:t>0.3ns</a:t>
+            </a:r>
+            <a:endParaRPr lang="zh-CN" altLang="en-US" dirty="0"/>
+          </a:p>
+        </p:txBody>
+      </p:sp>
+      <p:sp>
+        <p:nvSpPr>
+          <p:cNvPr id="104" name="文本框 103">
+            <a:extLst>
+              <a:ext uri="{FF2B5EF4-FFF2-40B4-BE49-F238E27FC236}">
+                <a16:creationId xmlns:a16="http://schemas.microsoft.com/office/drawing/2014/main" id="{423A83CA-D50C-4A85-A27D-647CA84C7083}"/>
+              </a:ext>
+            </a:extLst>
+          </p:cNvPr>
+          <p:cNvSpPr txBox="1"/>
+          <p:nvPr/>
+        </p:nvSpPr>
+        <p:spPr>
+          <a:xfrm>
+            <a:off x="4834599" y="1890627"/>
+            <a:ext cx="700833" cy="369332"/>
+          </a:xfrm>
+          <a:prstGeom prst="rect">
+            <a:avLst/>
+          </a:prstGeom>
+          <a:noFill/>
+        </p:spPr>
+        <p:txBody>
+          <a:bodyPr wrap="none" rtlCol="0">
+            <a:spAutoFit/>
+          </a:bodyPr>
+          <a:lstStyle/>
+          <a:p>
+            <a:r>
+              <a:rPr lang="en-US" altLang="zh-CN" dirty="0"/>
+              <a:t>0.3ns</a:t>
+            </a:r>
+            <a:endParaRPr lang="zh-CN" altLang="en-US" dirty="0"/>
+          </a:p>
+        </p:txBody>
+      </p:sp>
+      <p:sp>
+        <p:nvSpPr>
+          <p:cNvPr id="105" name="文本框 104">
+            <a:extLst>
+              <a:ext uri="{FF2B5EF4-FFF2-40B4-BE49-F238E27FC236}">
+                <a16:creationId xmlns:a16="http://schemas.microsoft.com/office/drawing/2014/main" id="{8AA82E09-13FA-494C-83B1-E53D1C763D2E}"/>
+              </a:ext>
+            </a:extLst>
+          </p:cNvPr>
+          <p:cNvSpPr txBox="1"/>
+          <p:nvPr/>
+        </p:nvSpPr>
+        <p:spPr>
+          <a:xfrm>
+            <a:off x="4832766" y="3273462"/>
+            <a:ext cx="700833" cy="369332"/>
+          </a:xfrm>
+          <a:prstGeom prst="rect">
+            <a:avLst/>
+          </a:prstGeom>
+          <a:noFill/>
+        </p:spPr>
+        <p:txBody>
+          <a:bodyPr wrap="none" rtlCol="0">
+            <a:spAutoFit/>
+          </a:bodyPr>
+          <a:lstStyle/>
+          <a:p>
+            <a:r>
+              <a:rPr lang="en-US" altLang="zh-CN" dirty="0"/>
+              <a:t>0.1ns</a:t>
+            </a:r>
+            <a:endParaRPr lang="zh-CN" altLang="en-US" dirty="0"/>
+          </a:p>
+        </p:txBody>
+      </p:sp>
+      <p:sp>
+        <p:nvSpPr>
+          <p:cNvPr id="106" name="文本框 105">
+            <a:extLst>
+              <a:ext uri="{FF2B5EF4-FFF2-40B4-BE49-F238E27FC236}">
+                <a16:creationId xmlns:a16="http://schemas.microsoft.com/office/drawing/2014/main" id="{C5BD4668-D460-40F4-AC84-CF9F44AF6516}"/>
+              </a:ext>
+            </a:extLst>
+          </p:cNvPr>
+          <p:cNvSpPr txBox="1"/>
+          <p:nvPr/>
+        </p:nvSpPr>
+        <p:spPr>
+          <a:xfrm>
+            <a:off x="4832765" y="4633555"/>
+            <a:ext cx="700833" cy="369332"/>
+          </a:xfrm>
+          <a:prstGeom prst="rect">
+            <a:avLst/>
+          </a:prstGeom>
+          <a:noFill/>
+        </p:spPr>
+        <p:txBody>
+          <a:bodyPr wrap="none" rtlCol="0">
+            <a:spAutoFit/>
+          </a:bodyPr>
+          <a:lstStyle/>
+          <a:p>
+            <a:r>
+              <a:rPr lang="en-US" altLang="zh-CN" dirty="0"/>
+              <a:t>0.2ns</a:t>
+            </a:r>
+            <a:endParaRPr lang="zh-CN" altLang="en-US" dirty="0"/>
+          </a:p>
+        </p:txBody>
+      </p:sp>
+      <p:sp>
+        <p:nvSpPr>
+          <p:cNvPr id="107" name="文本框 106">
+            <a:extLst>
+              <a:ext uri="{FF2B5EF4-FFF2-40B4-BE49-F238E27FC236}">
+                <a16:creationId xmlns:a16="http://schemas.microsoft.com/office/drawing/2014/main" id="{2CAC750F-E85C-4969-ABE7-079F7FD64D1E}"/>
+              </a:ext>
+            </a:extLst>
+          </p:cNvPr>
+          <p:cNvSpPr txBox="1"/>
+          <p:nvPr/>
+        </p:nvSpPr>
+        <p:spPr>
+          <a:xfrm>
+            <a:off x="6108847" y="1592678"/>
+            <a:ext cx="700833" cy="369332"/>
+          </a:xfrm>
+          <a:prstGeom prst="rect">
+            <a:avLst/>
+          </a:prstGeom>
+          <a:noFill/>
+        </p:spPr>
+        <p:txBody>
+          <a:bodyPr wrap="none" rtlCol="0">
+            <a:spAutoFit/>
+          </a:bodyPr>
+          <a:lstStyle/>
+          <a:p>
+            <a:r>
+              <a:rPr lang="en-US" altLang="zh-CN" dirty="0"/>
+              <a:t>0.3ns</a:t>
+            </a:r>
+            <a:endParaRPr lang="zh-CN" altLang="en-US" dirty="0"/>
+          </a:p>
+        </p:txBody>
+      </p:sp>
+      <p:sp>
+        <p:nvSpPr>
+          <p:cNvPr id="109" name="文本框 108">
+            <a:extLst>
+              <a:ext uri="{FF2B5EF4-FFF2-40B4-BE49-F238E27FC236}">
+                <a16:creationId xmlns:a16="http://schemas.microsoft.com/office/drawing/2014/main" id="{2F0D9027-E074-4391-9E18-BE03B2C9FD4D}"/>
+              </a:ext>
+            </a:extLst>
+          </p:cNvPr>
+          <p:cNvSpPr txBox="1"/>
+          <p:nvPr/>
+        </p:nvSpPr>
+        <p:spPr>
+          <a:xfrm>
+            <a:off x="6080834" y="2523161"/>
+            <a:ext cx="700833" cy="369332"/>
+          </a:xfrm>
+          <a:prstGeom prst="rect">
+            <a:avLst/>
+          </a:prstGeom>
+          <a:noFill/>
+        </p:spPr>
+        <p:txBody>
+          <a:bodyPr wrap="none" rtlCol="0">
+            <a:spAutoFit/>
+          </a:bodyPr>
+          <a:lstStyle/>
+          <a:p>
+            <a:r>
+              <a:rPr lang="en-US" altLang="zh-CN" dirty="0"/>
+              <a:t>0.2ns</a:t>
+            </a:r>
+            <a:endParaRPr lang="zh-CN" altLang="en-US" dirty="0"/>
+          </a:p>
+        </p:txBody>
+      </p:sp>
+      <p:sp>
+        <p:nvSpPr>
+          <p:cNvPr id="110" name="文本框 109">
+            <a:extLst>
+              <a:ext uri="{FF2B5EF4-FFF2-40B4-BE49-F238E27FC236}">
+                <a16:creationId xmlns:a16="http://schemas.microsoft.com/office/drawing/2014/main" id="{2C1B907B-1861-43CB-B811-2BD8CCA1968F}"/>
+              </a:ext>
+            </a:extLst>
+          </p:cNvPr>
+          <p:cNvSpPr txBox="1"/>
+          <p:nvPr/>
+        </p:nvSpPr>
+        <p:spPr>
+          <a:xfrm>
+            <a:off x="7501708" y="3347349"/>
+            <a:ext cx="700833" cy="369332"/>
+          </a:xfrm>
+          <a:prstGeom prst="rect">
+            <a:avLst/>
+          </a:prstGeom>
+          <a:noFill/>
+        </p:spPr>
+        <p:txBody>
+          <a:bodyPr wrap="none" rtlCol="0">
+            <a:spAutoFit/>
+          </a:bodyPr>
+          <a:lstStyle/>
+          <a:p>
+            <a:r>
+              <a:rPr lang="en-US" altLang="zh-CN" dirty="0"/>
+              <a:t>0.2ns</a:t>
+            </a:r>
+            <a:endParaRPr lang="zh-CN" altLang="en-US" dirty="0"/>
+          </a:p>
+        </p:txBody>
+      </p:sp>
+      <p:sp>
+        <p:nvSpPr>
+          <p:cNvPr id="111" name="文本框 110">
+            <a:extLst>
+              <a:ext uri="{FF2B5EF4-FFF2-40B4-BE49-F238E27FC236}">
+                <a16:creationId xmlns:a16="http://schemas.microsoft.com/office/drawing/2014/main" id="{8A7B1032-092E-41A0-9C73-918AB1478269}"/>
+              </a:ext>
+            </a:extLst>
+          </p:cNvPr>
+          <p:cNvSpPr txBox="1"/>
+          <p:nvPr/>
+        </p:nvSpPr>
+        <p:spPr>
+          <a:xfrm>
+            <a:off x="7501708" y="4264223"/>
+            <a:ext cx="700833" cy="369332"/>
+          </a:xfrm>
+          <a:prstGeom prst="rect">
+            <a:avLst/>
+          </a:prstGeom>
+          <a:noFill/>
+        </p:spPr>
+        <p:txBody>
+          <a:bodyPr wrap="none" rtlCol="0">
+            <a:spAutoFit/>
+          </a:bodyPr>
+          <a:lstStyle/>
+          <a:p>
+            <a:r>
+              <a:rPr lang="en-US" altLang="zh-CN" dirty="0"/>
+              <a:t>0.1ns</a:t>
+            </a:r>
+            <a:endParaRPr lang="zh-CN" altLang="en-US" dirty="0"/>
+          </a:p>
+        </p:txBody>
+      </p:sp>
+      <p:sp>
+        <p:nvSpPr>
+          <p:cNvPr id="112" name="文本框 111">
+            <a:extLst>
+              <a:ext uri="{FF2B5EF4-FFF2-40B4-BE49-F238E27FC236}">
+                <a16:creationId xmlns:a16="http://schemas.microsoft.com/office/drawing/2014/main" id="{CEE8D076-46A9-4831-892E-12F1DA8CAC59}"/>
+              </a:ext>
+            </a:extLst>
+          </p:cNvPr>
+          <p:cNvSpPr txBox="1"/>
+          <p:nvPr/>
+        </p:nvSpPr>
+        <p:spPr>
+          <a:xfrm>
+            <a:off x="4863700" y="2192950"/>
+            <a:ext cx="332142" cy="369332"/>
+          </a:xfrm>
+          <a:prstGeom prst="rect">
+            <a:avLst/>
+          </a:prstGeom>
+          <a:noFill/>
+        </p:spPr>
+        <p:txBody>
+          <a:bodyPr wrap="none" rtlCol="0">
+            <a:spAutoFit/>
+          </a:bodyPr>
+          <a:lstStyle/>
+          <a:p>
+            <a:r>
+              <a:rPr lang="en-US" altLang="zh-CN" dirty="0"/>
+              <a:t>A</a:t>
+            </a:r>
+            <a:endParaRPr lang="zh-CN" altLang="en-US" dirty="0"/>
+          </a:p>
+        </p:txBody>
+      </p:sp>
+      <p:sp>
+        <p:nvSpPr>
+          <p:cNvPr id="113" name="文本框 112">
+            <a:extLst>
+              <a:ext uri="{FF2B5EF4-FFF2-40B4-BE49-F238E27FC236}">
+                <a16:creationId xmlns:a16="http://schemas.microsoft.com/office/drawing/2014/main" id="{7F8FFCD7-AF2B-439C-BD37-DF01567B77E5}"/>
+              </a:ext>
+            </a:extLst>
+          </p:cNvPr>
+          <p:cNvSpPr txBox="1"/>
+          <p:nvPr/>
+        </p:nvSpPr>
+        <p:spPr>
+          <a:xfrm>
+            <a:off x="4874855" y="3572428"/>
+            <a:ext cx="312906" cy="369332"/>
+          </a:xfrm>
+          <a:prstGeom prst="rect">
+            <a:avLst/>
+          </a:prstGeom>
+          <a:noFill/>
+        </p:spPr>
+        <p:txBody>
+          <a:bodyPr wrap="none" rtlCol="0">
+            <a:spAutoFit/>
+          </a:bodyPr>
+          <a:lstStyle/>
+          <a:p>
+            <a:r>
+              <a:rPr lang="en-US" altLang="zh-CN" dirty="0"/>
+              <a:t>B</a:t>
+            </a:r>
+            <a:endParaRPr lang="zh-CN" altLang="en-US" dirty="0"/>
+          </a:p>
+        </p:txBody>
+      </p:sp>
+      <p:sp>
+        <p:nvSpPr>
+          <p:cNvPr id="114" name="文本框 113">
+            <a:extLst>
+              <a:ext uri="{FF2B5EF4-FFF2-40B4-BE49-F238E27FC236}">
+                <a16:creationId xmlns:a16="http://schemas.microsoft.com/office/drawing/2014/main" id="{6FE8A0F3-CAE5-4CB9-B171-B0E424357563}"/>
+              </a:ext>
+            </a:extLst>
+          </p:cNvPr>
+          <p:cNvSpPr txBox="1"/>
+          <p:nvPr/>
+        </p:nvSpPr>
+        <p:spPr>
+          <a:xfrm>
+            <a:off x="4855619" y="4939203"/>
+            <a:ext cx="332142" cy="369332"/>
+          </a:xfrm>
+          <a:prstGeom prst="rect">
+            <a:avLst/>
+          </a:prstGeom>
+          <a:noFill/>
+        </p:spPr>
+        <p:txBody>
+          <a:bodyPr wrap="square" rtlCol="0">
+            <a:spAutoFit/>
+          </a:bodyPr>
+          <a:lstStyle/>
+          <a:p>
+            <a:r>
+              <a:rPr lang="en-US" altLang="zh-CN" dirty="0"/>
+              <a:t>C</a:t>
+            </a:r>
+            <a:endParaRPr lang="zh-CN" altLang="en-US" dirty="0"/>
+          </a:p>
+        </p:txBody>
+      </p:sp>
+      <p:sp>
+        <p:nvSpPr>
+          <p:cNvPr id="115" name="文本框 114">
+            <a:extLst>
+              <a:ext uri="{FF2B5EF4-FFF2-40B4-BE49-F238E27FC236}">
+                <a16:creationId xmlns:a16="http://schemas.microsoft.com/office/drawing/2014/main" id="{83BEE3BB-BBB9-4D1B-89AC-BF40F67D0192}"/>
+              </a:ext>
+            </a:extLst>
+          </p:cNvPr>
+          <p:cNvSpPr txBox="1"/>
+          <p:nvPr/>
+        </p:nvSpPr>
+        <p:spPr>
+          <a:xfrm>
+            <a:off x="9013575" y="4817386"/>
+            <a:ext cx="343364" cy="369332"/>
+          </a:xfrm>
+          <a:prstGeom prst="rect">
+            <a:avLst/>
+          </a:prstGeom>
+          <a:noFill/>
+        </p:spPr>
+        <p:txBody>
+          <a:bodyPr wrap="none" rtlCol="0">
+            <a:spAutoFit/>
+          </a:bodyPr>
+          <a:lstStyle/>
+          <a:p>
+            <a:r>
+              <a:rPr lang="en-US" altLang="zh-CN" dirty="0"/>
+              <a:t>D</a:t>
+            </a:r>
+            <a:endParaRPr lang="zh-CN" altLang="en-US" dirty="0"/>
+          </a:p>
+        </p:txBody>
+      </p:sp>
+    </p:spTree>
+    <p:extLst>
+      <p:ext uri="{BB962C8B-B14F-4D97-AF65-F5344CB8AC3E}">
+        <p14:creationId xmlns:p14="http://schemas.microsoft.com/office/powerpoint/2010/main" val="813053908"/>
+      </p:ext>
+    </p:extLst>
+  </p:cSld>
+  <p:clrMapOvr>
+    <a:masterClrMapping/>
+  </p:clrMapOvr>
+</p:sld>
+</file>
+
 <file path=ppt/theme/theme1.xml><?xml version="1.0" encoding="utf-8"?>
 <a:theme xmlns:a="http://schemas.openxmlformats.org/drawingml/2006/main" name="Office 主题​​">
   <a:themeElements>
